--- a/CREDIT EDA STUDY.pptx
+++ b/CREDIT EDA STUDY.pptx
@@ -170,7 +170,7 @@
           <p:cNvPr id="2" name="Title 1">
             <a:extLst>
               <a:ext uri="{FF2B5EF4-FFF2-40B4-BE49-F238E27FC236}">
-                <a16:creationId xmlns="" xmlns:a16="http://schemas.microsoft.com/office/drawing/2014/main" id="{3996F67F-8D74-4F87-B192-45F527D3C623}"/>
+                <a16:creationId xmlns:a16="http://schemas.microsoft.com/office/drawing/2014/main" id="{3996F67F-8D74-4F87-B192-45F527D3C623}"/>
               </a:ext>
             </a:extLst>
           </p:cNvPr>
@@ -207,7 +207,7 @@
           <p:cNvPr id="3" name="Subtitle 2">
             <a:extLst>
               <a:ext uri="{FF2B5EF4-FFF2-40B4-BE49-F238E27FC236}">
-                <a16:creationId xmlns="" xmlns:a16="http://schemas.microsoft.com/office/drawing/2014/main" id="{F6C389B2-C353-43F3-A80A-E7E79E799985}"/>
+                <a16:creationId xmlns:a16="http://schemas.microsoft.com/office/drawing/2014/main" id="{F6C389B2-C353-43F3-A80A-E7E79E799985}"/>
               </a:ext>
             </a:extLst>
           </p:cNvPr>
@@ -277,7 +277,7 @@
           <p:cNvPr id="4" name="Date Placeholder 3">
             <a:extLst>
               <a:ext uri="{FF2B5EF4-FFF2-40B4-BE49-F238E27FC236}">
-                <a16:creationId xmlns="" xmlns:a16="http://schemas.microsoft.com/office/drawing/2014/main" id="{082FC7CB-B423-4AC1-8F90-9018867CF55B}"/>
+                <a16:creationId xmlns:a16="http://schemas.microsoft.com/office/drawing/2014/main" id="{082FC7CB-B423-4AC1-8F90-9018867CF55B}"/>
               </a:ext>
             </a:extLst>
           </p:cNvPr>
@@ -295,7 +295,7 @@
           <a:p>
             <a:fld id="{C436A544-9289-4C3D-A12C-1FED99E0BF05}" type="datetimeFigureOut">
               <a:rPr lang="en-US" smtClean="0"/>
-              <a:t>8/13/2020</a:t>
+              <a:t>2/11/2021</a:t>
             </a:fld>
             <a:endParaRPr lang="en-US"/>
           </a:p>
@@ -306,7 +306,7 @@
           <p:cNvPr id="5" name="Footer Placeholder 4">
             <a:extLst>
               <a:ext uri="{FF2B5EF4-FFF2-40B4-BE49-F238E27FC236}">
-                <a16:creationId xmlns="" xmlns:a16="http://schemas.microsoft.com/office/drawing/2014/main" id="{86E6CC18-50CA-4FDB-A4D9-970BE92AEEAA}"/>
+                <a16:creationId xmlns:a16="http://schemas.microsoft.com/office/drawing/2014/main" id="{86E6CC18-50CA-4FDB-A4D9-970BE92AEEAA}"/>
               </a:ext>
             </a:extLst>
           </p:cNvPr>
@@ -331,7 +331,7 @@
           <p:cNvPr id="6" name="Slide Number Placeholder 5">
             <a:extLst>
               <a:ext uri="{FF2B5EF4-FFF2-40B4-BE49-F238E27FC236}">
-                <a16:creationId xmlns="" xmlns:a16="http://schemas.microsoft.com/office/drawing/2014/main" id="{C7E2AF79-82D6-4076-8395-35D47A4308E0}"/>
+                <a16:creationId xmlns:a16="http://schemas.microsoft.com/office/drawing/2014/main" id="{C7E2AF79-82D6-4076-8395-35D47A4308E0}"/>
               </a:ext>
             </a:extLst>
           </p:cNvPr>
@@ -390,7 +390,7 @@
           <p:cNvPr id="2" name="Title 1">
             <a:extLst>
               <a:ext uri="{FF2B5EF4-FFF2-40B4-BE49-F238E27FC236}">
-                <a16:creationId xmlns="" xmlns:a16="http://schemas.microsoft.com/office/drawing/2014/main" id="{A50128DE-7AFE-4D64-9FEB-BE5FED6D8E23}"/>
+                <a16:creationId xmlns:a16="http://schemas.microsoft.com/office/drawing/2014/main" id="{A50128DE-7AFE-4D64-9FEB-BE5FED6D8E23}"/>
               </a:ext>
             </a:extLst>
           </p:cNvPr>
@@ -418,7 +418,7 @@
           <p:cNvPr id="3" name="Vertical Text Placeholder 2">
             <a:extLst>
               <a:ext uri="{FF2B5EF4-FFF2-40B4-BE49-F238E27FC236}">
-                <a16:creationId xmlns="" xmlns:a16="http://schemas.microsoft.com/office/drawing/2014/main" id="{4A80732D-E593-401B-8B68-C4F70A75240F}"/>
+                <a16:creationId xmlns:a16="http://schemas.microsoft.com/office/drawing/2014/main" id="{4A80732D-E593-401B-8B68-C4F70A75240F}"/>
               </a:ext>
             </a:extLst>
           </p:cNvPr>
@@ -475,7 +475,7 @@
           <p:cNvPr id="4" name="Date Placeholder 3">
             <a:extLst>
               <a:ext uri="{FF2B5EF4-FFF2-40B4-BE49-F238E27FC236}">
-                <a16:creationId xmlns="" xmlns:a16="http://schemas.microsoft.com/office/drawing/2014/main" id="{5E4C520C-90D1-4F33-8F50-D25B18EA544B}"/>
+                <a16:creationId xmlns:a16="http://schemas.microsoft.com/office/drawing/2014/main" id="{5E4C520C-90D1-4F33-8F50-D25B18EA544B}"/>
               </a:ext>
             </a:extLst>
           </p:cNvPr>
@@ -493,7 +493,7 @@
           <a:p>
             <a:fld id="{C436A544-9289-4C3D-A12C-1FED99E0BF05}" type="datetimeFigureOut">
               <a:rPr lang="en-US" smtClean="0"/>
-              <a:t>8/13/2020</a:t>
+              <a:t>2/11/2021</a:t>
             </a:fld>
             <a:endParaRPr lang="en-US"/>
           </a:p>
@@ -504,7 +504,7 @@
           <p:cNvPr id="5" name="Footer Placeholder 4">
             <a:extLst>
               <a:ext uri="{FF2B5EF4-FFF2-40B4-BE49-F238E27FC236}">
-                <a16:creationId xmlns="" xmlns:a16="http://schemas.microsoft.com/office/drawing/2014/main" id="{4BDF3B13-E6F5-4F68-91DF-1B7EEB400403}"/>
+                <a16:creationId xmlns:a16="http://schemas.microsoft.com/office/drawing/2014/main" id="{4BDF3B13-E6F5-4F68-91DF-1B7EEB400403}"/>
               </a:ext>
             </a:extLst>
           </p:cNvPr>
@@ -529,7 +529,7 @@
           <p:cNvPr id="6" name="Slide Number Placeholder 5">
             <a:extLst>
               <a:ext uri="{FF2B5EF4-FFF2-40B4-BE49-F238E27FC236}">
-                <a16:creationId xmlns="" xmlns:a16="http://schemas.microsoft.com/office/drawing/2014/main" id="{459C81D7-6319-4054-8374-D1D72A16F751}"/>
+                <a16:creationId xmlns:a16="http://schemas.microsoft.com/office/drawing/2014/main" id="{459C81D7-6319-4054-8374-D1D72A16F751}"/>
               </a:ext>
             </a:extLst>
           </p:cNvPr>
@@ -588,7 +588,7 @@
           <p:cNvPr id="2" name="Vertical Title 1">
             <a:extLst>
               <a:ext uri="{FF2B5EF4-FFF2-40B4-BE49-F238E27FC236}">
-                <a16:creationId xmlns="" xmlns:a16="http://schemas.microsoft.com/office/drawing/2014/main" id="{EBC07AE0-6DEE-4987-B0B6-5AC1B9D792E2}"/>
+                <a16:creationId xmlns:a16="http://schemas.microsoft.com/office/drawing/2014/main" id="{EBC07AE0-6DEE-4987-B0B6-5AC1B9D792E2}"/>
               </a:ext>
             </a:extLst>
           </p:cNvPr>
@@ -621,7 +621,7 @@
           <p:cNvPr id="3" name="Vertical Text Placeholder 2">
             <a:extLst>
               <a:ext uri="{FF2B5EF4-FFF2-40B4-BE49-F238E27FC236}">
-                <a16:creationId xmlns="" xmlns:a16="http://schemas.microsoft.com/office/drawing/2014/main" id="{8EC8B75D-9200-4092-B585-F4AE0941B9EA}"/>
+                <a16:creationId xmlns:a16="http://schemas.microsoft.com/office/drawing/2014/main" id="{8EC8B75D-9200-4092-B585-F4AE0941B9EA}"/>
               </a:ext>
             </a:extLst>
           </p:cNvPr>
@@ -683,7 +683,7 @@
           <p:cNvPr id="4" name="Date Placeholder 3">
             <a:extLst>
               <a:ext uri="{FF2B5EF4-FFF2-40B4-BE49-F238E27FC236}">
-                <a16:creationId xmlns="" xmlns:a16="http://schemas.microsoft.com/office/drawing/2014/main" id="{08CCD8B4-D2BD-4083-AF54-2420D116C235}"/>
+                <a16:creationId xmlns:a16="http://schemas.microsoft.com/office/drawing/2014/main" id="{08CCD8B4-D2BD-4083-AF54-2420D116C235}"/>
               </a:ext>
             </a:extLst>
           </p:cNvPr>
@@ -701,7 +701,7 @@
           <a:p>
             <a:fld id="{C436A544-9289-4C3D-A12C-1FED99E0BF05}" type="datetimeFigureOut">
               <a:rPr lang="en-US" smtClean="0"/>
-              <a:t>8/13/2020</a:t>
+              <a:t>2/11/2021</a:t>
             </a:fld>
             <a:endParaRPr lang="en-US"/>
           </a:p>
@@ -712,7 +712,7 @@
           <p:cNvPr id="5" name="Footer Placeholder 4">
             <a:extLst>
               <a:ext uri="{FF2B5EF4-FFF2-40B4-BE49-F238E27FC236}">
-                <a16:creationId xmlns="" xmlns:a16="http://schemas.microsoft.com/office/drawing/2014/main" id="{EF26F58A-3A76-4ED7-9ED1-B6B9C9E99F36}"/>
+                <a16:creationId xmlns:a16="http://schemas.microsoft.com/office/drawing/2014/main" id="{EF26F58A-3A76-4ED7-9ED1-B6B9C9E99F36}"/>
               </a:ext>
             </a:extLst>
           </p:cNvPr>
@@ -737,7 +737,7 @@
           <p:cNvPr id="6" name="Slide Number Placeholder 5">
             <a:extLst>
               <a:ext uri="{FF2B5EF4-FFF2-40B4-BE49-F238E27FC236}">
-                <a16:creationId xmlns="" xmlns:a16="http://schemas.microsoft.com/office/drawing/2014/main" id="{C8ACFBD9-F7B2-42E9-9A9C-F0FAB24BAFFB}"/>
+                <a16:creationId xmlns:a16="http://schemas.microsoft.com/office/drawing/2014/main" id="{C8ACFBD9-F7B2-42E9-9A9C-F0FAB24BAFFB}"/>
               </a:ext>
             </a:extLst>
           </p:cNvPr>
@@ -796,7 +796,7 @@
           <p:cNvPr id="2" name="Title 1">
             <a:extLst>
               <a:ext uri="{FF2B5EF4-FFF2-40B4-BE49-F238E27FC236}">
-                <a16:creationId xmlns="" xmlns:a16="http://schemas.microsoft.com/office/drawing/2014/main" id="{75CF3208-F378-4F04-B0F5-6FAE6E7489EF}"/>
+                <a16:creationId xmlns:a16="http://schemas.microsoft.com/office/drawing/2014/main" id="{75CF3208-F378-4F04-B0F5-6FAE6E7489EF}"/>
               </a:ext>
             </a:extLst>
           </p:cNvPr>
@@ -824,7 +824,7 @@
           <p:cNvPr id="3" name="Content Placeholder 2">
             <a:extLst>
               <a:ext uri="{FF2B5EF4-FFF2-40B4-BE49-F238E27FC236}">
-                <a16:creationId xmlns="" xmlns:a16="http://schemas.microsoft.com/office/drawing/2014/main" id="{4F7E7C5A-5B97-4712-90F9-875EDA38ED35}"/>
+                <a16:creationId xmlns:a16="http://schemas.microsoft.com/office/drawing/2014/main" id="{4F7E7C5A-5B97-4712-90F9-875EDA38ED35}"/>
               </a:ext>
             </a:extLst>
           </p:cNvPr>
@@ -881,7 +881,7 @@
           <p:cNvPr id="4" name="Date Placeholder 3">
             <a:extLst>
               <a:ext uri="{FF2B5EF4-FFF2-40B4-BE49-F238E27FC236}">
-                <a16:creationId xmlns="" xmlns:a16="http://schemas.microsoft.com/office/drawing/2014/main" id="{7252EE02-D8E3-4CA8-A61D-D468FD699B37}"/>
+                <a16:creationId xmlns:a16="http://schemas.microsoft.com/office/drawing/2014/main" id="{7252EE02-D8E3-4CA8-A61D-D468FD699B37}"/>
               </a:ext>
             </a:extLst>
           </p:cNvPr>
@@ -899,7 +899,7 @@
           <a:p>
             <a:fld id="{C436A544-9289-4C3D-A12C-1FED99E0BF05}" type="datetimeFigureOut">
               <a:rPr lang="en-US" smtClean="0"/>
-              <a:t>8/13/2020</a:t>
+              <a:t>2/11/2021</a:t>
             </a:fld>
             <a:endParaRPr lang="en-US"/>
           </a:p>
@@ -910,7 +910,7 @@
           <p:cNvPr id="5" name="Footer Placeholder 4">
             <a:extLst>
               <a:ext uri="{FF2B5EF4-FFF2-40B4-BE49-F238E27FC236}">
-                <a16:creationId xmlns="" xmlns:a16="http://schemas.microsoft.com/office/drawing/2014/main" id="{45A96124-AB9E-4020-ACB4-A66462FB3DBA}"/>
+                <a16:creationId xmlns:a16="http://schemas.microsoft.com/office/drawing/2014/main" id="{45A96124-AB9E-4020-ACB4-A66462FB3DBA}"/>
               </a:ext>
             </a:extLst>
           </p:cNvPr>
@@ -935,7 +935,7 @@
           <p:cNvPr id="6" name="Slide Number Placeholder 5">
             <a:extLst>
               <a:ext uri="{FF2B5EF4-FFF2-40B4-BE49-F238E27FC236}">
-                <a16:creationId xmlns="" xmlns:a16="http://schemas.microsoft.com/office/drawing/2014/main" id="{0D72DD59-60CE-4A32-A5E7-08DCD6576371}"/>
+                <a16:creationId xmlns:a16="http://schemas.microsoft.com/office/drawing/2014/main" id="{0D72DD59-60CE-4A32-A5E7-08DCD6576371}"/>
               </a:ext>
             </a:extLst>
           </p:cNvPr>
@@ -994,7 +994,7 @@
           <p:cNvPr id="2" name="Title 1">
             <a:extLst>
               <a:ext uri="{FF2B5EF4-FFF2-40B4-BE49-F238E27FC236}">
-                <a16:creationId xmlns="" xmlns:a16="http://schemas.microsoft.com/office/drawing/2014/main" id="{710E095B-A2D5-4342-AB91-508D4E3EC6FA}"/>
+                <a16:creationId xmlns:a16="http://schemas.microsoft.com/office/drawing/2014/main" id="{710E095B-A2D5-4342-AB91-508D4E3EC6FA}"/>
               </a:ext>
             </a:extLst>
           </p:cNvPr>
@@ -1031,7 +1031,7 @@
           <p:cNvPr id="3" name="Text Placeholder 2">
             <a:extLst>
               <a:ext uri="{FF2B5EF4-FFF2-40B4-BE49-F238E27FC236}">
-                <a16:creationId xmlns="" xmlns:a16="http://schemas.microsoft.com/office/drawing/2014/main" id="{FB696F08-5640-4361-89CA-B114A0650BAB}"/>
+                <a16:creationId xmlns:a16="http://schemas.microsoft.com/office/drawing/2014/main" id="{FB696F08-5640-4361-89CA-B114A0650BAB}"/>
               </a:ext>
             </a:extLst>
           </p:cNvPr>
@@ -1156,7 +1156,7 @@
           <p:cNvPr id="4" name="Date Placeholder 3">
             <a:extLst>
               <a:ext uri="{FF2B5EF4-FFF2-40B4-BE49-F238E27FC236}">
-                <a16:creationId xmlns="" xmlns:a16="http://schemas.microsoft.com/office/drawing/2014/main" id="{0D08D612-1224-4466-A070-03A221A2AC59}"/>
+                <a16:creationId xmlns:a16="http://schemas.microsoft.com/office/drawing/2014/main" id="{0D08D612-1224-4466-A070-03A221A2AC59}"/>
               </a:ext>
             </a:extLst>
           </p:cNvPr>
@@ -1174,7 +1174,7 @@
           <a:p>
             <a:fld id="{C436A544-9289-4C3D-A12C-1FED99E0BF05}" type="datetimeFigureOut">
               <a:rPr lang="en-US" smtClean="0"/>
-              <a:t>8/13/2020</a:t>
+              <a:t>2/11/2021</a:t>
             </a:fld>
             <a:endParaRPr lang="en-US"/>
           </a:p>
@@ -1185,7 +1185,7 @@
           <p:cNvPr id="5" name="Footer Placeholder 4">
             <a:extLst>
               <a:ext uri="{FF2B5EF4-FFF2-40B4-BE49-F238E27FC236}">
-                <a16:creationId xmlns="" xmlns:a16="http://schemas.microsoft.com/office/drawing/2014/main" id="{52745E61-F885-4C94-AC60-1D629BE069AB}"/>
+                <a16:creationId xmlns:a16="http://schemas.microsoft.com/office/drawing/2014/main" id="{52745E61-F885-4C94-AC60-1D629BE069AB}"/>
               </a:ext>
             </a:extLst>
           </p:cNvPr>
@@ -1210,7 +1210,7 @@
           <p:cNvPr id="6" name="Slide Number Placeholder 5">
             <a:extLst>
               <a:ext uri="{FF2B5EF4-FFF2-40B4-BE49-F238E27FC236}">
-                <a16:creationId xmlns="" xmlns:a16="http://schemas.microsoft.com/office/drawing/2014/main" id="{8D12D904-83E2-418A-8D80-4CB33DC55325}"/>
+                <a16:creationId xmlns:a16="http://schemas.microsoft.com/office/drawing/2014/main" id="{8D12D904-83E2-418A-8D80-4CB33DC55325}"/>
               </a:ext>
             </a:extLst>
           </p:cNvPr>
@@ -1269,7 +1269,7 @@
           <p:cNvPr id="2" name="Title 1">
             <a:extLst>
               <a:ext uri="{FF2B5EF4-FFF2-40B4-BE49-F238E27FC236}">
-                <a16:creationId xmlns="" xmlns:a16="http://schemas.microsoft.com/office/drawing/2014/main" id="{78D55731-FAEF-41E1-A65A-622424C3528C}"/>
+                <a16:creationId xmlns:a16="http://schemas.microsoft.com/office/drawing/2014/main" id="{78D55731-FAEF-41E1-A65A-622424C3528C}"/>
               </a:ext>
             </a:extLst>
           </p:cNvPr>
@@ -1297,7 +1297,7 @@
           <p:cNvPr id="3" name="Content Placeholder 2">
             <a:extLst>
               <a:ext uri="{FF2B5EF4-FFF2-40B4-BE49-F238E27FC236}">
-                <a16:creationId xmlns="" xmlns:a16="http://schemas.microsoft.com/office/drawing/2014/main" id="{43457E00-EF5C-41B6-A77D-19A8E132DE39}"/>
+                <a16:creationId xmlns:a16="http://schemas.microsoft.com/office/drawing/2014/main" id="{43457E00-EF5C-41B6-A77D-19A8E132DE39}"/>
               </a:ext>
             </a:extLst>
           </p:cNvPr>
@@ -1359,7 +1359,7 @@
           <p:cNvPr id="4" name="Content Placeholder 3">
             <a:extLst>
               <a:ext uri="{FF2B5EF4-FFF2-40B4-BE49-F238E27FC236}">
-                <a16:creationId xmlns="" xmlns:a16="http://schemas.microsoft.com/office/drawing/2014/main" id="{CAE51877-EDF2-4842-9C93-327E3D0D2939}"/>
+                <a16:creationId xmlns:a16="http://schemas.microsoft.com/office/drawing/2014/main" id="{CAE51877-EDF2-4842-9C93-327E3D0D2939}"/>
               </a:ext>
             </a:extLst>
           </p:cNvPr>
@@ -1421,7 +1421,7 @@
           <p:cNvPr id="5" name="Date Placeholder 4">
             <a:extLst>
               <a:ext uri="{FF2B5EF4-FFF2-40B4-BE49-F238E27FC236}">
-                <a16:creationId xmlns="" xmlns:a16="http://schemas.microsoft.com/office/drawing/2014/main" id="{0FAF01C9-C3B0-406A-BA62-A4FCE0B8B1EC}"/>
+                <a16:creationId xmlns:a16="http://schemas.microsoft.com/office/drawing/2014/main" id="{0FAF01C9-C3B0-406A-BA62-A4FCE0B8B1EC}"/>
               </a:ext>
             </a:extLst>
           </p:cNvPr>
@@ -1439,7 +1439,7 @@
           <a:p>
             <a:fld id="{C436A544-9289-4C3D-A12C-1FED99E0BF05}" type="datetimeFigureOut">
               <a:rPr lang="en-US" smtClean="0"/>
-              <a:t>8/13/2020</a:t>
+              <a:t>2/11/2021</a:t>
             </a:fld>
             <a:endParaRPr lang="en-US"/>
           </a:p>
@@ -1450,7 +1450,7 @@
           <p:cNvPr id="6" name="Footer Placeholder 5">
             <a:extLst>
               <a:ext uri="{FF2B5EF4-FFF2-40B4-BE49-F238E27FC236}">
-                <a16:creationId xmlns="" xmlns:a16="http://schemas.microsoft.com/office/drawing/2014/main" id="{2A0A3039-8B10-4752-8523-E1D37B738BBC}"/>
+                <a16:creationId xmlns:a16="http://schemas.microsoft.com/office/drawing/2014/main" id="{2A0A3039-8B10-4752-8523-E1D37B738BBC}"/>
               </a:ext>
             </a:extLst>
           </p:cNvPr>
@@ -1475,7 +1475,7 @@
           <p:cNvPr id="7" name="Slide Number Placeholder 6">
             <a:extLst>
               <a:ext uri="{FF2B5EF4-FFF2-40B4-BE49-F238E27FC236}">
-                <a16:creationId xmlns="" xmlns:a16="http://schemas.microsoft.com/office/drawing/2014/main" id="{27C58AD6-F60A-4138-932E-A011C405207F}"/>
+                <a16:creationId xmlns:a16="http://schemas.microsoft.com/office/drawing/2014/main" id="{27C58AD6-F60A-4138-932E-A011C405207F}"/>
               </a:ext>
             </a:extLst>
           </p:cNvPr>
@@ -1534,7 +1534,7 @@
           <p:cNvPr id="2" name="Title 1">
             <a:extLst>
               <a:ext uri="{FF2B5EF4-FFF2-40B4-BE49-F238E27FC236}">
-                <a16:creationId xmlns="" xmlns:a16="http://schemas.microsoft.com/office/drawing/2014/main" id="{9B742724-FD35-44EF-8B60-D5AD277E867D}"/>
+                <a16:creationId xmlns:a16="http://schemas.microsoft.com/office/drawing/2014/main" id="{9B742724-FD35-44EF-8B60-D5AD277E867D}"/>
               </a:ext>
             </a:extLst>
           </p:cNvPr>
@@ -1567,7 +1567,7 @@
           <p:cNvPr id="3" name="Text Placeholder 2">
             <a:extLst>
               <a:ext uri="{FF2B5EF4-FFF2-40B4-BE49-F238E27FC236}">
-                <a16:creationId xmlns="" xmlns:a16="http://schemas.microsoft.com/office/drawing/2014/main" id="{6499171B-5EFC-449D-81D1-F0EDEFB5DC79}"/>
+                <a16:creationId xmlns:a16="http://schemas.microsoft.com/office/drawing/2014/main" id="{6499171B-5EFC-449D-81D1-F0EDEFB5DC79}"/>
               </a:ext>
             </a:extLst>
           </p:cNvPr>
@@ -1638,7 +1638,7 @@
           <p:cNvPr id="4" name="Content Placeholder 3">
             <a:extLst>
               <a:ext uri="{FF2B5EF4-FFF2-40B4-BE49-F238E27FC236}">
-                <a16:creationId xmlns="" xmlns:a16="http://schemas.microsoft.com/office/drawing/2014/main" id="{C43FFDAC-B6AC-4E93-A14B-D22409F985A6}"/>
+                <a16:creationId xmlns:a16="http://schemas.microsoft.com/office/drawing/2014/main" id="{C43FFDAC-B6AC-4E93-A14B-D22409F985A6}"/>
               </a:ext>
             </a:extLst>
           </p:cNvPr>
@@ -1700,7 +1700,7 @@
           <p:cNvPr id="5" name="Text Placeholder 4">
             <a:extLst>
               <a:ext uri="{FF2B5EF4-FFF2-40B4-BE49-F238E27FC236}">
-                <a16:creationId xmlns="" xmlns:a16="http://schemas.microsoft.com/office/drawing/2014/main" id="{179AF996-C4CB-489D-A5B1-859CB9F25F5B}"/>
+                <a16:creationId xmlns:a16="http://schemas.microsoft.com/office/drawing/2014/main" id="{179AF996-C4CB-489D-A5B1-859CB9F25F5B}"/>
               </a:ext>
             </a:extLst>
           </p:cNvPr>
@@ -1771,7 +1771,7 @@
           <p:cNvPr id="6" name="Content Placeholder 5">
             <a:extLst>
               <a:ext uri="{FF2B5EF4-FFF2-40B4-BE49-F238E27FC236}">
-                <a16:creationId xmlns="" xmlns:a16="http://schemas.microsoft.com/office/drawing/2014/main" id="{01102781-E8D9-40EE-BD38-A365CA88EAB6}"/>
+                <a16:creationId xmlns:a16="http://schemas.microsoft.com/office/drawing/2014/main" id="{01102781-E8D9-40EE-BD38-A365CA88EAB6}"/>
               </a:ext>
             </a:extLst>
           </p:cNvPr>
@@ -1833,7 +1833,7 @@
           <p:cNvPr id="7" name="Date Placeholder 6">
             <a:extLst>
               <a:ext uri="{FF2B5EF4-FFF2-40B4-BE49-F238E27FC236}">
-                <a16:creationId xmlns="" xmlns:a16="http://schemas.microsoft.com/office/drawing/2014/main" id="{AADC925B-E7D9-4C86-A4A7-B87952DFF97E}"/>
+                <a16:creationId xmlns:a16="http://schemas.microsoft.com/office/drawing/2014/main" id="{AADC925B-E7D9-4C86-A4A7-B87952DFF97E}"/>
               </a:ext>
             </a:extLst>
           </p:cNvPr>
@@ -1851,7 +1851,7 @@
           <a:p>
             <a:fld id="{C436A544-9289-4C3D-A12C-1FED99E0BF05}" type="datetimeFigureOut">
               <a:rPr lang="en-US" smtClean="0"/>
-              <a:t>8/13/2020</a:t>
+              <a:t>2/11/2021</a:t>
             </a:fld>
             <a:endParaRPr lang="en-US"/>
           </a:p>
@@ -1862,7 +1862,7 @@
           <p:cNvPr id="8" name="Footer Placeholder 7">
             <a:extLst>
               <a:ext uri="{FF2B5EF4-FFF2-40B4-BE49-F238E27FC236}">
-                <a16:creationId xmlns="" xmlns:a16="http://schemas.microsoft.com/office/drawing/2014/main" id="{EDA3CF98-9EC8-4920-9471-1C907796C01C}"/>
+                <a16:creationId xmlns:a16="http://schemas.microsoft.com/office/drawing/2014/main" id="{EDA3CF98-9EC8-4920-9471-1C907796C01C}"/>
               </a:ext>
             </a:extLst>
           </p:cNvPr>
@@ -1887,7 +1887,7 @@
           <p:cNvPr id="9" name="Slide Number Placeholder 8">
             <a:extLst>
               <a:ext uri="{FF2B5EF4-FFF2-40B4-BE49-F238E27FC236}">
-                <a16:creationId xmlns="" xmlns:a16="http://schemas.microsoft.com/office/drawing/2014/main" id="{89AEE0BD-D68D-4D03-A854-F1D53806CADF}"/>
+                <a16:creationId xmlns:a16="http://schemas.microsoft.com/office/drawing/2014/main" id="{89AEE0BD-D68D-4D03-A854-F1D53806CADF}"/>
               </a:ext>
             </a:extLst>
           </p:cNvPr>
@@ -1946,7 +1946,7 @@
           <p:cNvPr id="2" name="Title 1">
             <a:extLst>
               <a:ext uri="{FF2B5EF4-FFF2-40B4-BE49-F238E27FC236}">
-                <a16:creationId xmlns="" xmlns:a16="http://schemas.microsoft.com/office/drawing/2014/main" id="{59E9204B-A7DC-4367-8B23-4842EA7DC9FE}"/>
+                <a16:creationId xmlns:a16="http://schemas.microsoft.com/office/drawing/2014/main" id="{59E9204B-A7DC-4367-8B23-4842EA7DC9FE}"/>
               </a:ext>
             </a:extLst>
           </p:cNvPr>
@@ -1974,7 +1974,7 @@
           <p:cNvPr id="3" name="Date Placeholder 2">
             <a:extLst>
               <a:ext uri="{FF2B5EF4-FFF2-40B4-BE49-F238E27FC236}">
-                <a16:creationId xmlns="" xmlns:a16="http://schemas.microsoft.com/office/drawing/2014/main" id="{1F411F30-487B-4D4F-8D5A-1911A97DF78D}"/>
+                <a16:creationId xmlns:a16="http://schemas.microsoft.com/office/drawing/2014/main" id="{1F411F30-487B-4D4F-8D5A-1911A97DF78D}"/>
               </a:ext>
             </a:extLst>
           </p:cNvPr>
@@ -1992,7 +1992,7 @@
           <a:p>
             <a:fld id="{C436A544-9289-4C3D-A12C-1FED99E0BF05}" type="datetimeFigureOut">
               <a:rPr lang="en-US" smtClean="0"/>
-              <a:t>8/13/2020</a:t>
+              <a:t>2/11/2021</a:t>
             </a:fld>
             <a:endParaRPr lang="en-US"/>
           </a:p>
@@ -2003,7 +2003,7 @@
           <p:cNvPr id="4" name="Footer Placeholder 3">
             <a:extLst>
               <a:ext uri="{FF2B5EF4-FFF2-40B4-BE49-F238E27FC236}">
-                <a16:creationId xmlns="" xmlns:a16="http://schemas.microsoft.com/office/drawing/2014/main" id="{79E60654-DDB4-428D-B24A-D0D1FEF54C9B}"/>
+                <a16:creationId xmlns:a16="http://schemas.microsoft.com/office/drawing/2014/main" id="{79E60654-DDB4-428D-B24A-D0D1FEF54C9B}"/>
               </a:ext>
             </a:extLst>
           </p:cNvPr>
@@ -2028,7 +2028,7 @@
           <p:cNvPr id="5" name="Slide Number Placeholder 4">
             <a:extLst>
               <a:ext uri="{FF2B5EF4-FFF2-40B4-BE49-F238E27FC236}">
-                <a16:creationId xmlns="" xmlns:a16="http://schemas.microsoft.com/office/drawing/2014/main" id="{108AEBCF-1D56-4E9D-9B91-D63A4E6E2AE1}"/>
+                <a16:creationId xmlns:a16="http://schemas.microsoft.com/office/drawing/2014/main" id="{108AEBCF-1D56-4E9D-9B91-D63A4E6E2AE1}"/>
               </a:ext>
             </a:extLst>
           </p:cNvPr>
@@ -2087,7 +2087,7 @@
           <p:cNvPr id="2" name="Date Placeholder 1">
             <a:extLst>
               <a:ext uri="{FF2B5EF4-FFF2-40B4-BE49-F238E27FC236}">
-                <a16:creationId xmlns="" xmlns:a16="http://schemas.microsoft.com/office/drawing/2014/main" id="{37582926-96DC-4538-AAB9-2A9DD7F33892}"/>
+                <a16:creationId xmlns:a16="http://schemas.microsoft.com/office/drawing/2014/main" id="{37582926-96DC-4538-AAB9-2A9DD7F33892}"/>
               </a:ext>
             </a:extLst>
           </p:cNvPr>
@@ -2105,7 +2105,7 @@
           <a:p>
             <a:fld id="{C436A544-9289-4C3D-A12C-1FED99E0BF05}" type="datetimeFigureOut">
               <a:rPr lang="en-US" smtClean="0"/>
-              <a:t>8/13/2020</a:t>
+              <a:t>2/11/2021</a:t>
             </a:fld>
             <a:endParaRPr lang="en-US"/>
           </a:p>
@@ -2116,7 +2116,7 @@
           <p:cNvPr id="3" name="Footer Placeholder 2">
             <a:extLst>
               <a:ext uri="{FF2B5EF4-FFF2-40B4-BE49-F238E27FC236}">
-                <a16:creationId xmlns="" xmlns:a16="http://schemas.microsoft.com/office/drawing/2014/main" id="{5A3F0E7B-2A10-42A7-8E0D-2E0705699A6C}"/>
+                <a16:creationId xmlns:a16="http://schemas.microsoft.com/office/drawing/2014/main" id="{5A3F0E7B-2A10-42A7-8E0D-2E0705699A6C}"/>
               </a:ext>
             </a:extLst>
           </p:cNvPr>
@@ -2141,7 +2141,7 @@
           <p:cNvPr id="4" name="Slide Number Placeholder 3">
             <a:extLst>
               <a:ext uri="{FF2B5EF4-FFF2-40B4-BE49-F238E27FC236}">
-                <a16:creationId xmlns="" xmlns:a16="http://schemas.microsoft.com/office/drawing/2014/main" id="{88AA5054-E56E-4E9F-9966-E6009BE8BDC0}"/>
+                <a16:creationId xmlns:a16="http://schemas.microsoft.com/office/drawing/2014/main" id="{88AA5054-E56E-4E9F-9966-E6009BE8BDC0}"/>
               </a:ext>
             </a:extLst>
           </p:cNvPr>
@@ -2200,7 +2200,7 @@
           <p:cNvPr id="2" name="Title 1">
             <a:extLst>
               <a:ext uri="{FF2B5EF4-FFF2-40B4-BE49-F238E27FC236}">
-                <a16:creationId xmlns="" xmlns:a16="http://schemas.microsoft.com/office/drawing/2014/main" id="{AE46A3E6-5193-4A44-9270-CAE52A35A52D}"/>
+                <a16:creationId xmlns:a16="http://schemas.microsoft.com/office/drawing/2014/main" id="{AE46A3E6-5193-4A44-9270-CAE52A35A52D}"/>
               </a:ext>
             </a:extLst>
           </p:cNvPr>
@@ -2237,7 +2237,7 @@
           <p:cNvPr id="3" name="Content Placeholder 2">
             <a:extLst>
               <a:ext uri="{FF2B5EF4-FFF2-40B4-BE49-F238E27FC236}">
-                <a16:creationId xmlns="" xmlns:a16="http://schemas.microsoft.com/office/drawing/2014/main" id="{99A48BB9-8121-4427-A079-AFB8F23ECE71}"/>
+                <a16:creationId xmlns:a16="http://schemas.microsoft.com/office/drawing/2014/main" id="{99A48BB9-8121-4427-A079-AFB8F23ECE71}"/>
               </a:ext>
             </a:extLst>
           </p:cNvPr>
@@ -2327,7 +2327,7 @@
           <p:cNvPr id="4" name="Text Placeholder 3">
             <a:extLst>
               <a:ext uri="{FF2B5EF4-FFF2-40B4-BE49-F238E27FC236}">
-                <a16:creationId xmlns="" xmlns:a16="http://schemas.microsoft.com/office/drawing/2014/main" id="{4ADD4344-C284-4645-90C1-BCAA30C219D3}"/>
+                <a16:creationId xmlns:a16="http://schemas.microsoft.com/office/drawing/2014/main" id="{4ADD4344-C284-4645-90C1-BCAA30C219D3}"/>
               </a:ext>
             </a:extLst>
           </p:cNvPr>
@@ -2398,7 +2398,7 @@
           <p:cNvPr id="5" name="Date Placeholder 4">
             <a:extLst>
               <a:ext uri="{FF2B5EF4-FFF2-40B4-BE49-F238E27FC236}">
-                <a16:creationId xmlns="" xmlns:a16="http://schemas.microsoft.com/office/drawing/2014/main" id="{BC317D17-5E6B-4744-8D89-2211538A1E45}"/>
+                <a16:creationId xmlns:a16="http://schemas.microsoft.com/office/drawing/2014/main" id="{BC317D17-5E6B-4744-8D89-2211538A1E45}"/>
               </a:ext>
             </a:extLst>
           </p:cNvPr>
@@ -2416,7 +2416,7 @@
           <a:p>
             <a:fld id="{C436A544-9289-4C3D-A12C-1FED99E0BF05}" type="datetimeFigureOut">
               <a:rPr lang="en-US" smtClean="0"/>
-              <a:t>8/13/2020</a:t>
+              <a:t>2/11/2021</a:t>
             </a:fld>
             <a:endParaRPr lang="en-US"/>
           </a:p>
@@ -2427,7 +2427,7 @@
           <p:cNvPr id="6" name="Footer Placeholder 5">
             <a:extLst>
               <a:ext uri="{FF2B5EF4-FFF2-40B4-BE49-F238E27FC236}">
-                <a16:creationId xmlns="" xmlns:a16="http://schemas.microsoft.com/office/drawing/2014/main" id="{AB9C1BA0-17D9-40F3-8BE1-D046F3D36666}"/>
+                <a16:creationId xmlns:a16="http://schemas.microsoft.com/office/drawing/2014/main" id="{AB9C1BA0-17D9-40F3-8BE1-D046F3D36666}"/>
               </a:ext>
             </a:extLst>
           </p:cNvPr>
@@ -2452,7 +2452,7 @@
           <p:cNvPr id="7" name="Slide Number Placeholder 6">
             <a:extLst>
               <a:ext uri="{FF2B5EF4-FFF2-40B4-BE49-F238E27FC236}">
-                <a16:creationId xmlns="" xmlns:a16="http://schemas.microsoft.com/office/drawing/2014/main" id="{674714A0-A368-491C-8A71-2D5A537BB7F2}"/>
+                <a16:creationId xmlns:a16="http://schemas.microsoft.com/office/drawing/2014/main" id="{674714A0-A368-491C-8A71-2D5A537BB7F2}"/>
               </a:ext>
             </a:extLst>
           </p:cNvPr>
@@ -2511,7 +2511,7 @@
           <p:cNvPr id="2" name="Title 1">
             <a:extLst>
               <a:ext uri="{FF2B5EF4-FFF2-40B4-BE49-F238E27FC236}">
-                <a16:creationId xmlns="" xmlns:a16="http://schemas.microsoft.com/office/drawing/2014/main" id="{979F3BBB-93DE-4994-B88F-91163E213303}"/>
+                <a16:creationId xmlns:a16="http://schemas.microsoft.com/office/drawing/2014/main" id="{979F3BBB-93DE-4994-B88F-91163E213303}"/>
               </a:ext>
             </a:extLst>
           </p:cNvPr>
@@ -2548,7 +2548,7 @@
           <p:cNvPr id="3" name="Picture Placeholder 2">
             <a:extLst>
               <a:ext uri="{FF2B5EF4-FFF2-40B4-BE49-F238E27FC236}">
-                <a16:creationId xmlns="" xmlns:a16="http://schemas.microsoft.com/office/drawing/2014/main" id="{90EE4416-FBAD-4B10-A163-98D1E6CD569E}"/>
+                <a16:creationId xmlns:a16="http://schemas.microsoft.com/office/drawing/2014/main" id="{90EE4416-FBAD-4B10-A163-98D1E6CD569E}"/>
               </a:ext>
             </a:extLst>
           </p:cNvPr>
@@ -2615,7 +2615,7 @@
           <p:cNvPr id="4" name="Text Placeholder 3">
             <a:extLst>
               <a:ext uri="{FF2B5EF4-FFF2-40B4-BE49-F238E27FC236}">
-                <a16:creationId xmlns="" xmlns:a16="http://schemas.microsoft.com/office/drawing/2014/main" id="{77D9E5BD-1DDE-4B16-A2EE-564D693AFE9B}"/>
+                <a16:creationId xmlns:a16="http://schemas.microsoft.com/office/drawing/2014/main" id="{77D9E5BD-1DDE-4B16-A2EE-564D693AFE9B}"/>
               </a:ext>
             </a:extLst>
           </p:cNvPr>
@@ -2686,7 +2686,7 @@
           <p:cNvPr id="5" name="Date Placeholder 4">
             <a:extLst>
               <a:ext uri="{FF2B5EF4-FFF2-40B4-BE49-F238E27FC236}">
-                <a16:creationId xmlns="" xmlns:a16="http://schemas.microsoft.com/office/drawing/2014/main" id="{94599889-4D6F-429D-BB8E-3C441DE1282F}"/>
+                <a16:creationId xmlns:a16="http://schemas.microsoft.com/office/drawing/2014/main" id="{94599889-4D6F-429D-BB8E-3C441DE1282F}"/>
               </a:ext>
             </a:extLst>
           </p:cNvPr>
@@ -2704,7 +2704,7 @@
           <a:p>
             <a:fld id="{C436A544-9289-4C3D-A12C-1FED99E0BF05}" type="datetimeFigureOut">
               <a:rPr lang="en-US" smtClean="0"/>
-              <a:t>8/13/2020</a:t>
+              <a:t>2/11/2021</a:t>
             </a:fld>
             <a:endParaRPr lang="en-US"/>
           </a:p>
@@ -2715,7 +2715,7 @@
           <p:cNvPr id="6" name="Footer Placeholder 5">
             <a:extLst>
               <a:ext uri="{FF2B5EF4-FFF2-40B4-BE49-F238E27FC236}">
-                <a16:creationId xmlns="" xmlns:a16="http://schemas.microsoft.com/office/drawing/2014/main" id="{5CF51CA4-74F8-4837-9762-7D196043EF04}"/>
+                <a16:creationId xmlns:a16="http://schemas.microsoft.com/office/drawing/2014/main" id="{5CF51CA4-74F8-4837-9762-7D196043EF04}"/>
               </a:ext>
             </a:extLst>
           </p:cNvPr>
@@ -2740,7 +2740,7 @@
           <p:cNvPr id="7" name="Slide Number Placeholder 6">
             <a:extLst>
               <a:ext uri="{FF2B5EF4-FFF2-40B4-BE49-F238E27FC236}">
-                <a16:creationId xmlns="" xmlns:a16="http://schemas.microsoft.com/office/drawing/2014/main" id="{EC0C9FF7-AD10-41A6-AFF5-82C612DD7037}"/>
+                <a16:creationId xmlns:a16="http://schemas.microsoft.com/office/drawing/2014/main" id="{EC0C9FF7-AD10-41A6-AFF5-82C612DD7037}"/>
               </a:ext>
             </a:extLst>
           </p:cNvPr>
@@ -2804,7 +2804,7 @@
           <p:cNvPr id="2" name="Title Placeholder 1">
             <a:extLst>
               <a:ext uri="{FF2B5EF4-FFF2-40B4-BE49-F238E27FC236}">
-                <a16:creationId xmlns="" xmlns:a16="http://schemas.microsoft.com/office/drawing/2014/main" id="{3DAF77DA-BC32-4578-ADB2-BAB2AB1577DB}"/>
+                <a16:creationId xmlns:a16="http://schemas.microsoft.com/office/drawing/2014/main" id="{3DAF77DA-BC32-4578-ADB2-BAB2AB1577DB}"/>
               </a:ext>
             </a:extLst>
           </p:cNvPr>
@@ -2842,7 +2842,7 @@
           <p:cNvPr id="3" name="Text Placeholder 2">
             <a:extLst>
               <a:ext uri="{FF2B5EF4-FFF2-40B4-BE49-F238E27FC236}">
-                <a16:creationId xmlns="" xmlns:a16="http://schemas.microsoft.com/office/drawing/2014/main" id="{BD019089-D06C-4542-9877-A6E3C93B1942}"/>
+                <a16:creationId xmlns:a16="http://schemas.microsoft.com/office/drawing/2014/main" id="{BD019089-D06C-4542-9877-A6E3C93B1942}"/>
               </a:ext>
             </a:extLst>
           </p:cNvPr>
@@ -2909,7 +2909,7 @@
           <p:cNvPr id="4" name="Date Placeholder 3">
             <a:extLst>
               <a:ext uri="{FF2B5EF4-FFF2-40B4-BE49-F238E27FC236}">
-                <a16:creationId xmlns="" xmlns:a16="http://schemas.microsoft.com/office/drawing/2014/main" id="{3036C37E-8EFD-4113-9CFF-C764B15585DB}"/>
+                <a16:creationId xmlns:a16="http://schemas.microsoft.com/office/drawing/2014/main" id="{3036C37E-8EFD-4113-9CFF-C764B15585DB}"/>
               </a:ext>
             </a:extLst>
           </p:cNvPr>
@@ -2945,7 +2945,7 @@
           <a:p>
             <a:fld id="{C436A544-9289-4C3D-A12C-1FED99E0BF05}" type="datetimeFigureOut">
               <a:rPr lang="en-US" smtClean="0"/>
-              <a:t>8/13/2020</a:t>
+              <a:t>2/11/2021</a:t>
             </a:fld>
             <a:endParaRPr lang="en-US"/>
           </a:p>
@@ -2956,7 +2956,7 @@
           <p:cNvPr id="5" name="Footer Placeholder 4">
             <a:extLst>
               <a:ext uri="{FF2B5EF4-FFF2-40B4-BE49-F238E27FC236}">
-                <a16:creationId xmlns="" xmlns:a16="http://schemas.microsoft.com/office/drawing/2014/main" id="{50E00FEE-BE42-40D6-841A-DCDB38921043}"/>
+                <a16:creationId xmlns:a16="http://schemas.microsoft.com/office/drawing/2014/main" id="{50E00FEE-BE42-40D6-841A-DCDB38921043}"/>
               </a:ext>
             </a:extLst>
           </p:cNvPr>
@@ -2999,7 +2999,7 @@
           <p:cNvPr id="6" name="Slide Number Placeholder 5">
             <a:extLst>
               <a:ext uri="{FF2B5EF4-FFF2-40B4-BE49-F238E27FC236}">
-                <a16:creationId xmlns="" xmlns:a16="http://schemas.microsoft.com/office/drawing/2014/main" id="{432AD127-5CB7-4257-BE52-C09DD9795EE0}"/>
+                <a16:creationId xmlns:a16="http://schemas.microsoft.com/office/drawing/2014/main" id="{432AD127-5CB7-4257-BE52-C09DD9795EE0}"/>
               </a:ext>
             </a:extLst>
           </p:cNvPr>
@@ -3375,10 +3375,10 @@
           <p:cNvPr id="17" name="Rectangle 8">
             <a:extLst>
               <a:ext uri="{FF2B5EF4-FFF2-40B4-BE49-F238E27FC236}">
-                <a16:creationId xmlns="" xmlns:a16="http://schemas.microsoft.com/office/drawing/2014/main" id="{71B2258F-86CA-4D4D-8270-BC05FCDEBFB3}"/>
+                <a16:creationId xmlns:a16="http://schemas.microsoft.com/office/drawing/2014/main" id="{71B2258F-86CA-4D4D-8270-BC05FCDEBFB3}"/>
               </a:ext>
               <a:ext uri="{C183D7F6-B498-43B3-948B-1728B52AA6E4}">
-                <adec:decorative xmlns="" xmlns:adec="http://schemas.microsoft.com/office/drawing/2017/decorative" val="1"/>
+                <adec:decorative xmlns:adec="http://schemas.microsoft.com/office/drawing/2017/decorative" val="1"/>
               </a:ext>
             </a:extLst>
           </p:cNvPr>
@@ -3388,7 +3388,7 @@
           <p:nvPr>
             <p:extLst>
               <p:ext uri="{386F3935-93C4-4BCD-93E2-E3B085C9AB24}">
-                <p16:designElem xmlns="" xmlns:p16="http://schemas.microsoft.com/office/powerpoint/2015/main" val="1"/>
+                <p16:designElem xmlns:p16="http://schemas.microsoft.com/office/powerpoint/2015/main" val="1"/>
               </p:ext>
             </p:extLst>
           </p:nvPr>
@@ -3438,7 +3438,7 @@
           <p:cNvPr id="18" name="Picture 4" descr="A close up of a device&#10;&#10;Description automatically generated">
             <a:extLst>
               <a:ext uri="{FF2B5EF4-FFF2-40B4-BE49-F238E27FC236}">
-                <a16:creationId xmlns="" xmlns:a16="http://schemas.microsoft.com/office/drawing/2014/main" id="{A337628E-0A39-4FEE-949D-64372965CEC7}"/>
+                <a16:creationId xmlns:a16="http://schemas.microsoft.com/office/drawing/2014/main" id="{A337628E-0A39-4FEE-949D-64372965CEC7}"/>
               </a:ext>
             </a:extLst>
           </p:cNvPr>
@@ -3469,7 +3469,7 @@
           <p:cNvPr id="2" name="Title 1">
             <a:extLst>
               <a:ext uri="{FF2B5EF4-FFF2-40B4-BE49-F238E27FC236}">
-                <a16:creationId xmlns="" xmlns:a16="http://schemas.microsoft.com/office/drawing/2014/main" id="{DF41A9F1-B9CA-4D75-A090-99F06ADDB0ED}"/>
+                <a16:creationId xmlns:a16="http://schemas.microsoft.com/office/drawing/2014/main" id="{DF41A9F1-B9CA-4D75-A090-99F06ADDB0ED}"/>
               </a:ext>
             </a:extLst>
           </p:cNvPr>
@@ -3508,7 +3508,7 @@
           <p:cNvPr id="3" name="Subtitle 2">
             <a:extLst>
               <a:ext uri="{FF2B5EF4-FFF2-40B4-BE49-F238E27FC236}">
-                <a16:creationId xmlns="" xmlns:a16="http://schemas.microsoft.com/office/drawing/2014/main" id="{A6941FDF-8764-4692-A1C5-23C43761759E}"/>
+                <a16:creationId xmlns:a16="http://schemas.microsoft.com/office/drawing/2014/main" id="{A6941FDF-8764-4692-A1C5-23C43761759E}"/>
               </a:ext>
             </a:extLst>
           </p:cNvPr>
@@ -3531,14 +3531,11 @@
           </a:bodyPr>
           <a:lstStyle/>
           <a:p>
-            <a:r>
-              <a:rPr lang="en-US">
-                <a:solidFill>
-                  <a:srgbClr val="FFFFFF"/>
-                </a:solidFill>
-              </a:rPr>
-              <a:t>Gevi Ackshaya</a:t>
-            </a:r>
+            <a:endParaRPr lang="en-US" dirty="0">
+              <a:solidFill>
+                <a:srgbClr val="FFFFFF"/>
+              </a:solidFill>
+            </a:endParaRPr>
           </a:p>
         </p:txBody>
       </p:sp>
@@ -3585,10 +3582,10 @@
           <p:cNvPr id="40" name="Rectangle 39">
             <a:extLst>
               <a:ext uri="{FF2B5EF4-FFF2-40B4-BE49-F238E27FC236}">
-                <a16:creationId xmlns="" xmlns:a16="http://schemas.microsoft.com/office/drawing/2014/main" id="{9A5D6D04-32E9-4AF7-BB82-DB2D0C0B478B}"/>
+                <a16:creationId xmlns:a16="http://schemas.microsoft.com/office/drawing/2014/main" id="{9A5D6D04-32E9-4AF7-BB82-DB2D0C0B478B}"/>
               </a:ext>
               <a:ext uri="{C183D7F6-B498-43B3-948B-1728B52AA6E4}">
-                <adec:decorative xmlns="" xmlns:adec="http://schemas.microsoft.com/office/drawing/2017/decorative" val="1"/>
+                <adec:decorative xmlns:adec="http://schemas.microsoft.com/office/drawing/2017/decorative" val="1"/>
               </a:ext>
             </a:extLst>
           </p:cNvPr>
@@ -3598,7 +3595,7 @@
           <p:nvPr>
             <p:extLst>
               <p:ext uri="{386F3935-93C4-4BCD-93E2-E3B085C9AB24}">
-                <p16:designElem xmlns="" xmlns:p16="http://schemas.microsoft.com/office/powerpoint/2015/main" val="1"/>
+                <p16:designElem xmlns:p16="http://schemas.microsoft.com/office/powerpoint/2015/main" val="1"/>
               </p:ext>
             </p:extLst>
           </p:nvPr>
@@ -3648,10 +3645,10 @@
           <p:cNvPr id="42" name="Freeform: Shape 41">
             <a:extLst>
               <a:ext uri="{FF2B5EF4-FFF2-40B4-BE49-F238E27FC236}">
-                <a16:creationId xmlns="" xmlns:a16="http://schemas.microsoft.com/office/drawing/2014/main" id="{BD5BB1EC-C99A-474B-8874-52B41096D667}"/>
+                <a16:creationId xmlns:a16="http://schemas.microsoft.com/office/drawing/2014/main" id="{BD5BB1EC-C99A-474B-8874-52B41096D667}"/>
               </a:ext>
               <a:ext uri="{C183D7F6-B498-43B3-948B-1728B52AA6E4}">
-                <adec:decorative xmlns="" xmlns:adec="http://schemas.microsoft.com/office/drawing/2017/decorative" val="1"/>
+                <adec:decorative xmlns:adec="http://schemas.microsoft.com/office/drawing/2017/decorative" val="1"/>
               </a:ext>
             </a:extLst>
           </p:cNvPr>
@@ -3661,7 +3658,7 @@
           <p:nvPr>
             <p:extLst>
               <p:ext uri="{386F3935-93C4-4BCD-93E2-E3B085C9AB24}">
-                <p16:designElem xmlns="" xmlns:p16="http://schemas.microsoft.com/office/powerpoint/2015/main" val="1"/>
+                <p16:designElem xmlns:p16="http://schemas.microsoft.com/office/powerpoint/2015/main" val="1"/>
               </p:ext>
             </p:extLst>
           </p:nvPr>
@@ -3854,10 +3851,10 @@
           <p:cNvPr id="44" name="Freeform: Shape 43">
             <a:extLst>
               <a:ext uri="{FF2B5EF4-FFF2-40B4-BE49-F238E27FC236}">
-                <a16:creationId xmlns="" xmlns:a16="http://schemas.microsoft.com/office/drawing/2014/main" id="{9C16096C-9FFA-410C-B7AC-DF791DCF1B2F}"/>
+                <a16:creationId xmlns:a16="http://schemas.microsoft.com/office/drawing/2014/main" id="{9C16096C-9FFA-410C-B7AC-DF791DCF1B2F}"/>
               </a:ext>
               <a:ext uri="{C183D7F6-B498-43B3-948B-1728B52AA6E4}">
-                <adec:decorative xmlns="" xmlns:adec="http://schemas.microsoft.com/office/drawing/2017/decorative" val="1"/>
+                <adec:decorative xmlns:adec="http://schemas.microsoft.com/office/drawing/2017/decorative" val="1"/>
               </a:ext>
             </a:extLst>
           </p:cNvPr>
@@ -3867,7 +3864,7 @@
           <p:nvPr>
             <p:extLst>
               <p:ext uri="{386F3935-93C4-4BCD-93E2-E3B085C9AB24}">
-                <p16:designElem xmlns="" xmlns:p16="http://schemas.microsoft.com/office/powerpoint/2015/main" val="1"/>
+                <p16:designElem xmlns:p16="http://schemas.microsoft.com/office/powerpoint/2015/main" val="1"/>
               </p:ext>
             </p:extLst>
           </p:nvPr>
@@ -3968,7 +3965,7 @@
           <p:cNvPr id="2" name="Title 1">
             <a:extLst>
               <a:ext uri="{FF2B5EF4-FFF2-40B4-BE49-F238E27FC236}">
-                <a16:creationId xmlns="" xmlns:a16="http://schemas.microsoft.com/office/drawing/2014/main" id="{97183128-6D67-4B6A-BDFE-4D930B16E917}"/>
+                <a16:creationId xmlns:a16="http://schemas.microsoft.com/office/drawing/2014/main" id="{97183128-6D67-4B6A-BDFE-4D930B16E917}"/>
               </a:ext>
             </a:extLst>
           </p:cNvPr>
@@ -3992,18 +3989,13 @@
           <a:lstStyle/>
           <a:p>
             <a:r>
-              <a:rPr lang="en-US" dirty="0" smtClean="0">
+              <a:rPr lang="en-US" dirty="0">
                 <a:solidFill>
                   <a:schemeClr val="bg1"/>
                 </a:solidFill>
               </a:rPr>
               <a:t>Distribution based on Income Type</a:t>
             </a:r>
-            <a:endParaRPr lang="en-US" dirty="0">
-              <a:solidFill>
-                <a:schemeClr val="bg1"/>
-              </a:solidFill>
-            </a:endParaRPr>
           </a:p>
         </p:txBody>
       </p:sp>
@@ -4012,7 +4004,7 @@
           <p:cNvPr id="3" name="Content Placeholder 2">
             <a:extLst>
               <a:ext uri="{FF2B5EF4-FFF2-40B4-BE49-F238E27FC236}">
-                <a16:creationId xmlns="" xmlns:a16="http://schemas.microsoft.com/office/drawing/2014/main" id="{0EFF15B1-B386-4612-B981-CD2CDC5F756F}"/>
+                <a16:creationId xmlns:a16="http://schemas.microsoft.com/office/drawing/2014/main" id="{0EFF15B1-B386-4612-B981-CD2CDC5F756F}"/>
               </a:ext>
             </a:extLst>
           </p:cNvPr>
@@ -4036,7 +4028,7 @@
           <a:lstStyle/>
           <a:p>
             <a:r>
-              <a:rPr lang="en-US" sz="2000" dirty="0" smtClean="0">
+              <a:rPr lang="en-US" sz="2000" dirty="0">
                 <a:solidFill>
                   <a:schemeClr val="bg1"/>
                 </a:solidFill>
@@ -4046,7 +4038,7 @@
           </a:p>
           <a:p>
             <a:r>
-              <a:rPr lang="en-US" sz="2000" dirty="0" smtClean="0">
+              <a:rPr lang="en-US" sz="2000" dirty="0">
                 <a:solidFill>
                   <a:schemeClr val="bg1"/>
                 </a:solidFill>
@@ -4056,18 +4048,13 @@
           </a:p>
           <a:p>
             <a:r>
-              <a:rPr lang="en-US" sz="2000" dirty="0" smtClean="0">
+              <a:rPr lang="en-US" sz="2000" dirty="0">
                 <a:solidFill>
                   <a:schemeClr val="bg1"/>
                 </a:solidFill>
               </a:rPr>
               <a:t>There are a few State servants too who are defaulters.</a:t>
             </a:r>
-            <a:endParaRPr lang="en-US" sz="2000" dirty="0">
-              <a:solidFill>
-                <a:schemeClr val="bg1"/>
-              </a:solidFill>
-            </a:endParaRPr>
           </a:p>
         </p:txBody>
       </p:sp>
@@ -4138,10 +4125,10 @@
           <p:cNvPr id="40" name="Rectangle 39">
             <a:extLst>
               <a:ext uri="{FF2B5EF4-FFF2-40B4-BE49-F238E27FC236}">
-                <a16:creationId xmlns="" xmlns:a16="http://schemas.microsoft.com/office/drawing/2014/main" id="{9A5D6D04-32E9-4AF7-BB82-DB2D0C0B478B}"/>
+                <a16:creationId xmlns:a16="http://schemas.microsoft.com/office/drawing/2014/main" id="{9A5D6D04-32E9-4AF7-BB82-DB2D0C0B478B}"/>
               </a:ext>
               <a:ext uri="{C183D7F6-B498-43B3-948B-1728B52AA6E4}">
-                <adec:decorative xmlns="" xmlns:adec="http://schemas.microsoft.com/office/drawing/2017/decorative" val="1"/>
+                <adec:decorative xmlns:adec="http://schemas.microsoft.com/office/drawing/2017/decorative" val="1"/>
               </a:ext>
             </a:extLst>
           </p:cNvPr>
@@ -4151,7 +4138,7 @@
           <p:nvPr>
             <p:extLst>
               <p:ext uri="{386F3935-93C4-4BCD-93E2-E3B085C9AB24}">
-                <p16:designElem xmlns="" xmlns:p16="http://schemas.microsoft.com/office/powerpoint/2015/main" val="1"/>
+                <p16:designElem xmlns:p16="http://schemas.microsoft.com/office/powerpoint/2015/main" val="1"/>
               </p:ext>
             </p:extLst>
           </p:nvPr>
@@ -4201,10 +4188,10 @@
           <p:cNvPr id="42" name="Freeform: Shape 41">
             <a:extLst>
               <a:ext uri="{FF2B5EF4-FFF2-40B4-BE49-F238E27FC236}">
-                <a16:creationId xmlns="" xmlns:a16="http://schemas.microsoft.com/office/drawing/2014/main" id="{BD5BB1EC-C99A-474B-8874-52B41096D667}"/>
+                <a16:creationId xmlns:a16="http://schemas.microsoft.com/office/drawing/2014/main" id="{BD5BB1EC-C99A-474B-8874-52B41096D667}"/>
               </a:ext>
               <a:ext uri="{C183D7F6-B498-43B3-948B-1728B52AA6E4}">
-                <adec:decorative xmlns="" xmlns:adec="http://schemas.microsoft.com/office/drawing/2017/decorative" val="1"/>
+                <adec:decorative xmlns:adec="http://schemas.microsoft.com/office/drawing/2017/decorative" val="1"/>
               </a:ext>
             </a:extLst>
           </p:cNvPr>
@@ -4214,7 +4201,7 @@
           <p:nvPr>
             <p:extLst>
               <p:ext uri="{386F3935-93C4-4BCD-93E2-E3B085C9AB24}">
-                <p16:designElem xmlns="" xmlns:p16="http://schemas.microsoft.com/office/powerpoint/2015/main" val="1"/>
+                <p16:designElem xmlns:p16="http://schemas.microsoft.com/office/powerpoint/2015/main" val="1"/>
               </p:ext>
             </p:extLst>
           </p:nvPr>
@@ -4407,10 +4394,10 @@
           <p:cNvPr id="44" name="Freeform: Shape 43">
             <a:extLst>
               <a:ext uri="{FF2B5EF4-FFF2-40B4-BE49-F238E27FC236}">
-                <a16:creationId xmlns="" xmlns:a16="http://schemas.microsoft.com/office/drawing/2014/main" id="{9C16096C-9FFA-410C-B7AC-DF791DCF1B2F}"/>
+                <a16:creationId xmlns:a16="http://schemas.microsoft.com/office/drawing/2014/main" id="{9C16096C-9FFA-410C-B7AC-DF791DCF1B2F}"/>
               </a:ext>
               <a:ext uri="{C183D7F6-B498-43B3-948B-1728B52AA6E4}">
-                <adec:decorative xmlns="" xmlns:adec="http://schemas.microsoft.com/office/drawing/2017/decorative" val="1"/>
+                <adec:decorative xmlns:adec="http://schemas.microsoft.com/office/drawing/2017/decorative" val="1"/>
               </a:ext>
             </a:extLst>
           </p:cNvPr>
@@ -4420,7 +4407,7 @@
           <p:nvPr>
             <p:extLst>
               <p:ext uri="{386F3935-93C4-4BCD-93E2-E3B085C9AB24}">
-                <p16:designElem xmlns="" xmlns:p16="http://schemas.microsoft.com/office/powerpoint/2015/main" val="1"/>
+                <p16:designElem xmlns:p16="http://schemas.microsoft.com/office/powerpoint/2015/main" val="1"/>
               </p:ext>
             </p:extLst>
           </p:nvPr>
@@ -4521,7 +4508,7 @@
           <p:cNvPr id="2" name="Title 1">
             <a:extLst>
               <a:ext uri="{FF2B5EF4-FFF2-40B4-BE49-F238E27FC236}">
-                <a16:creationId xmlns="" xmlns:a16="http://schemas.microsoft.com/office/drawing/2014/main" id="{97183128-6D67-4B6A-BDFE-4D930B16E917}"/>
+                <a16:creationId xmlns:a16="http://schemas.microsoft.com/office/drawing/2014/main" id="{97183128-6D67-4B6A-BDFE-4D930B16E917}"/>
               </a:ext>
             </a:extLst>
           </p:cNvPr>
@@ -4545,18 +4532,13 @@
           <a:lstStyle/>
           <a:p>
             <a:r>
-              <a:rPr lang="en-US" dirty="0" smtClean="0">
+              <a:rPr lang="en-US" dirty="0">
                 <a:solidFill>
                   <a:schemeClr val="bg1"/>
                 </a:solidFill>
               </a:rPr>
               <a:t>Distribution based on Family Status.</a:t>
             </a:r>
-            <a:endParaRPr lang="en-US" dirty="0">
-              <a:solidFill>
-                <a:schemeClr val="bg1"/>
-              </a:solidFill>
-            </a:endParaRPr>
           </a:p>
         </p:txBody>
       </p:sp>
@@ -4565,7 +4547,7 @@
           <p:cNvPr id="3" name="Content Placeholder 2">
             <a:extLst>
               <a:ext uri="{FF2B5EF4-FFF2-40B4-BE49-F238E27FC236}">
-                <a16:creationId xmlns="" xmlns:a16="http://schemas.microsoft.com/office/drawing/2014/main" id="{0EFF15B1-B386-4612-B981-CD2CDC5F756F}"/>
+                <a16:creationId xmlns:a16="http://schemas.microsoft.com/office/drawing/2014/main" id="{0EFF15B1-B386-4612-B981-CD2CDC5F756F}"/>
               </a:ext>
             </a:extLst>
           </p:cNvPr>
@@ -4589,7 +4571,7 @@
           <a:lstStyle/>
           <a:p>
             <a:r>
-              <a:rPr lang="en-US" sz="2000" dirty="0" smtClean="0">
+              <a:rPr lang="en-US" sz="2000" dirty="0">
                 <a:solidFill>
                   <a:schemeClr val="bg1"/>
                 </a:solidFill>
@@ -4604,31 +4586,18 @@
                   <a:schemeClr val="bg1"/>
                 </a:solidFill>
               </a:rPr>
-              <a:t>T</a:t>
+              <a:t>The least number of defaulters are widows</a:t>
             </a:r>
+          </a:p>
+          <a:p>
             <a:r>
-              <a:rPr lang="en-US" sz="2000" dirty="0" smtClean="0">
-                <a:solidFill>
-                  <a:schemeClr val="bg1"/>
-                </a:solidFill>
-              </a:rPr>
-              <a:t>he least number of defaulters are widows</a:t>
-            </a:r>
-          </a:p>
-          <a:p>
-            <a:r>
-              <a:rPr lang="en-US" sz="2000" dirty="0" smtClean="0">
+              <a:rPr lang="en-US" sz="2000" dirty="0">
                 <a:solidFill>
                   <a:schemeClr val="bg1"/>
                 </a:solidFill>
               </a:rPr>
               <a:t>Bank can concentrate on Separated and Widow for loan approvals.</a:t>
             </a:r>
-            <a:endParaRPr lang="en-US" sz="2000" dirty="0">
-              <a:solidFill>
-                <a:schemeClr val="bg1"/>
-              </a:solidFill>
-            </a:endParaRPr>
           </a:p>
         </p:txBody>
       </p:sp>
@@ -4699,10 +4668,10 @@
           <p:cNvPr id="40" name="Rectangle 39">
             <a:extLst>
               <a:ext uri="{FF2B5EF4-FFF2-40B4-BE49-F238E27FC236}">
-                <a16:creationId xmlns="" xmlns:a16="http://schemas.microsoft.com/office/drawing/2014/main" id="{9A5D6D04-32E9-4AF7-BB82-DB2D0C0B478B}"/>
+                <a16:creationId xmlns:a16="http://schemas.microsoft.com/office/drawing/2014/main" id="{9A5D6D04-32E9-4AF7-BB82-DB2D0C0B478B}"/>
               </a:ext>
               <a:ext uri="{C183D7F6-B498-43B3-948B-1728B52AA6E4}">
-                <adec:decorative xmlns="" xmlns:adec="http://schemas.microsoft.com/office/drawing/2017/decorative" val="1"/>
+                <adec:decorative xmlns:adec="http://schemas.microsoft.com/office/drawing/2017/decorative" val="1"/>
               </a:ext>
             </a:extLst>
           </p:cNvPr>
@@ -4712,7 +4681,7 @@
           <p:nvPr>
             <p:extLst>
               <p:ext uri="{386F3935-93C4-4BCD-93E2-E3B085C9AB24}">
-                <p16:designElem xmlns="" xmlns:p16="http://schemas.microsoft.com/office/powerpoint/2015/main" val="1"/>
+                <p16:designElem xmlns:p16="http://schemas.microsoft.com/office/powerpoint/2015/main" val="1"/>
               </p:ext>
             </p:extLst>
           </p:nvPr>
@@ -4762,10 +4731,10 @@
           <p:cNvPr id="42" name="Freeform: Shape 41">
             <a:extLst>
               <a:ext uri="{FF2B5EF4-FFF2-40B4-BE49-F238E27FC236}">
-                <a16:creationId xmlns="" xmlns:a16="http://schemas.microsoft.com/office/drawing/2014/main" id="{BD5BB1EC-C99A-474B-8874-52B41096D667}"/>
+                <a16:creationId xmlns:a16="http://schemas.microsoft.com/office/drawing/2014/main" id="{BD5BB1EC-C99A-474B-8874-52B41096D667}"/>
               </a:ext>
               <a:ext uri="{C183D7F6-B498-43B3-948B-1728B52AA6E4}">
-                <adec:decorative xmlns="" xmlns:adec="http://schemas.microsoft.com/office/drawing/2017/decorative" val="1"/>
+                <adec:decorative xmlns:adec="http://schemas.microsoft.com/office/drawing/2017/decorative" val="1"/>
               </a:ext>
             </a:extLst>
           </p:cNvPr>
@@ -4775,7 +4744,7 @@
           <p:nvPr>
             <p:extLst>
               <p:ext uri="{386F3935-93C4-4BCD-93E2-E3B085C9AB24}">
-                <p16:designElem xmlns="" xmlns:p16="http://schemas.microsoft.com/office/powerpoint/2015/main" val="1"/>
+                <p16:designElem xmlns:p16="http://schemas.microsoft.com/office/powerpoint/2015/main" val="1"/>
               </p:ext>
             </p:extLst>
           </p:nvPr>
@@ -4968,10 +4937,10 @@
           <p:cNvPr id="44" name="Freeform: Shape 43">
             <a:extLst>
               <a:ext uri="{FF2B5EF4-FFF2-40B4-BE49-F238E27FC236}">
-                <a16:creationId xmlns="" xmlns:a16="http://schemas.microsoft.com/office/drawing/2014/main" id="{9C16096C-9FFA-410C-B7AC-DF791DCF1B2F}"/>
+                <a16:creationId xmlns:a16="http://schemas.microsoft.com/office/drawing/2014/main" id="{9C16096C-9FFA-410C-B7AC-DF791DCF1B2F}"/>
               </a:ext>
               <a:ext uri="{C183D7F6-B498-43B3-948B-1728B52AA6E4}">
-                <adec:decorative xmlns="" xmlns:adec="http://schemas.microsoft.com/office/drawing/2017/decorative" val="1"/>
+                <adec:decorative xmlns:adec="http://schemas.microsoft.com/office/drawing/2017/decorative" val="1"/>
               </a:ext>
             </a:extLst>
           </p:cNvPr>
@@ -4981,7 +4950,7 @@
           <p:nvPr>
             <p:extLst>
               <p:ext uri="{386F3935-93C4-4BCD-93E2-E3B085C9AB24}">
-                <p16:designElem xmlns="" xmlns:p16="http://schemas.microsoft.com/office/powerpoint/2015/main" val="1"/>
+                <p16:designElem xmlns:p16="http://schemas.microsoft.com/office/powerpoint/2015/main" val="1"/>
               </p:ext>
             </p:extLst>
           </p:nvPr>
@@ -5082,7 +5051,7 @@
           <p:cNvPr id="2" name="Title 1">
             <a:extLst>
               <a:ext uri="{FF2B5EF4-FFF2-40B4-BE49-F238E27FC236}">
-                <a16:creationId xmlns="" xmlns:a16="http://schemas.microsoft.com/office/drawing/2014/main" id="{97183128-6D67-4B6A-BDFE-4D930B16E917}"/>
+                <a16:creationId xmlns:a16="http://schemas.microsoft.com/office/drawing/2014/main" id="{97183128-6D67-4B6A-BDFE-4D930B16E917}"/>
               </a:ext>
             </a:extLst>
           </p:cNvPr>
@@ -5106,18 +5075,13 @@
           <a:lstStyle/>
           <a:p>
             <a:r>
-              <a:rPr lang="en-US" dirty="0" smtClean="0">
+              <a:rPr lang="en-US" dirty="0">
                 <a:solidFill>
                   <a:schemeClr val="bg1"/>
                 </a:solidFill>
               </a:rPr>
               <a:t>Distribution based on Occupation .</a:t>
             </a:r>
-            <a:endParaRPr lang="en-US" dirty="0">
-              <a:solidFill>
-                <a:schemeClr val="bg1"/>
-              </a:solidFill>
-            </a:endParaRPr>
           </a:p>
         </p:txBody>
       </p:sp>
@@ -5126,7 +5090,7 @@
           <p:cNvPr id="3" name="Content Placeholder 2">
             <a:extLst>
               <a:ext uri="{FF2B5EF4-FFF2-40B4-BE49-F238E27FC236}">
-                <a16:creationId xmlns="" xmlns:a16="http://schemas.microsoft.com/office/drawing/2014/main" id="{0EFF15B1-B386-4612-B981-CD2CDC5F756F}"/>
+                <a16:creationId xmlns:a16="http://schemas.microsoft.com/office/drawing/2014/main" id="{0EFF15B1-B386-4612-B981-CD2CDC5F756F}"/>
               </a:ext>
             </a:extLst>
           </p:cNvPr>
@@ -5150,7 +5114,7 @@
           <a:lstStyle/>
           <a:p>
             <a:r>
-              <a:rPr lang="en-US" sz="2000" dirty="0" smtClean="0">
+              <a:rPr lang="en-US" sz="2000" dirty="0">
                 <a:solidFill>
                   <a:schemeClr val="bg1"/>
                 </a:solidFill>
@@ -5160,18 +5124,13 @@
           </a:p>
           <a:p>
             <a:r>
-              <a:rPr lang="en-US" sz="2000" dirty="0" smtClean="0">
+              <a:rPr lang="en-US" sz="2000" dirty="0">
                 <a:solidFill>
                   <a:schemeClr val="bg1"/>
                 </a:solidFill>
               </a:rPr>
               <a:t>Bank can concentrate on these people for loans because they hold the least ratio on active payers too….</a:t>
             </a:r>
-            <a:endParaRPr lang="en-US" sz="2000" dirty="0">
-              <a:solidFill>
-                <a:schemeClr val="bg1"/>
-              </a:solidFill>
-            </a:endParaRPr>
           </a:p>
         </p:txBody>
       </p:sp>
@@ -5242,10 +5201,10 @@
           <p:cNvPr id="40" name="Rectangle 39">
             <a:extLst>
               <a:ext uri="{FF2B5EF4-FFF2-40B4-BE49-F238E27FC236}">
-                <a16:creationId xmlns="" xmlns:a16="http://schemas.microsoft.com/office/drawing/2014/main" id="{9A5D6D04-32E9-4AF7-BB82-DB2D0C0B478B}"/>
+                <a16:creationId xmlns:a16="http://schemas.microsoft.com/office/drawing/2014/main" id="{9A5D6D04-32E9-4AF7-BB82-DB2D0C0B478B}"/>
               </a:ext>
               <a:ext uri="{C183D7F6-B498-43B3-948B-1728B52AA6E4}">
-                <adec:decorative xmlns="" xmlns:adec="http://schemas.microsoft.com/office/drawing/2017/decorative" val="1"/>
+                <adec:decorative xmlns:adec="http://schemas.microsoft.com/office/drawing/2017/decorative" val="1"/>
               </a:ext>
             </a:extLst>
           </p:cNvPr>
@@ -5255,7 +5214,7 @@
           <p:nvPr>
             <p:extLst>
               <p:ext uri="{386F3935-93C4-4BCD-93E2-E3B085C9AB24}">
-                <p16:designElem xmlns="" xmlns:p16="http://schemas.microsoft.com/office/powerpoint/2015/main" val="1"/>
+                <p16:designElem xmlns:p16="http://schemas.microsoft.com/office/powerpoint/2015/main" val="1"/>
               </p:ext>
             </p:extLst>
           </p:nvPr>
@@ -5305,10 +5264,10 @@
           <p:cNvPr id="42" name="Freeform: Shape 41">
             <a:extLst>
               <a:ext uri="{FF2B5EF4-FFF2-40B4-BE49-F238E27FC236}">
-                <a16:creationId xmlns="" xmlns:a16="http://schemas.microsoft.com/office/drawing/2014/main" id="{BD5BB1EC-C99A-474B-8874-52B41096D667}"/>
+                <a16:creationId xmlns:a16="http://schemas.microsoft.com/office/drawing/2014/main" id="{BD5BB1EC-C99A-474B-8874-52B41096D667}"/>
               </a:ext>
               <a:ext uri="{C183D7F6-B498-43B3-948B-1728B52AA6E4}">
-                <adec:decorative xmlns="" xmlns:adec="http://schemas.microsoft.com/office/drawing/2017/decorative" val="1"/>
+                <adec:decorative xmlns:adec="http://schemas.microsoft.com/office/drawing/2017/decorative" val="1"/>
               </a:ext>
             </a:extLst>
           </p:cNvPr>
@@ -5318,7 +5277,7 @@
           <p:nvPr>
             <p:extLst>
               <p:ext uri="{386F3935-93C4-4BCD-93E2-E3B085C9AB24}">
-                <p16:designElem xmlns="" xmlns:p16="http://schemas.microsoft.com/office/powerpoint/2015/main" val="1"/>
+                <p16:designElem xmlns:p16="http://schemas.microsoft.com/office/powerpoint/2015/main" val="1"/>
               </p:ext>
             </p:extLst>
           </p:nvPr>
@@ -5511,10 +5470,10 @@
           <p:cNvPr id="44" name="Freeform: Shape 43">
             <a:extLst>
               <a:ext uri="{FF2B5EF4-FFF2-40B4-BE49-F238E27FC236}">
-                <a16:creationId xmlns="" xmlns:a16="http://schemas.microsoft.com/office/drawing/2014/main" id="{9C16096C-9FFA-410C-B7AC-DF791DCF1B2F}"/>
+                <a16:creationId xmlns:a16="http://schemas.microsoft.com/office/drawing/2014/main" id="{9C16096C-9FFA-410C-B7AC-DF791DCF1B2F}"/>
               </a:ext>
               <a:ext uri="{C183D7F6-B498-43B3-948B-1728B52AA6E4}">
-                <adec:decorative xmlns="" xmlns:adec="http://schemas.microsoft.com/office/drawing/2017/decorative" val="1"/>
+                <adec:decorative xmlns:adec="http://schemas.microsoft.com/office/drawing/2017/decorative" val="1"/>
               </a:ext>
             </a:extLst>
           </p:cNvPr>
@@ -5524,7 +5483,7 @@
           <p:nvPr>
             <p:extLst>
               <p:ext uri="{386F3935-93C4-4BCD-93E2-E3B085C9AB24}">
-                <p16:designElem xmlns="" xmlns:p16="http://schemas.microsoft.com/office/powerpoint/2015/main" val="1"/>
+                <p16:designElem xmlns:p16="http://schemas.microsoft.com/office/powerpoint/2015/main" val="1"/>
               </p:ext>
             </p:extLst>
           </p:nvPr>
@@ -5625,7 +5584,7 @@
           <p:cNvPr id="2" name="Title 1">
             <a:extLst>
               <a:ext uri="{FF2B5EF4-FFF2-40B4-BE49-F238E27FC236}">
-                <a16:creationId xmlns="" xmlns:a16="http://schemas.microsoft.com/office/drawing/2014/main" id="{97183128-6D67-4B6A-BDFE-4D930B16E917}"/>
+                <a16:creationId xmlns:a16="http://schemas.microsoft.com/office/drawing/2014/main" id="{97183128-6D67-4B6A-BDFE-4D930B16E917}"/>
               </a:ext>
             </a:extLst>
           </p:cNvPr>
@@ -5649,18 +5608,13 @@
           <a:lstStyle/>
           <a:p>
             <a:r>
-              <a:rPr lang="en-US" dirty="0" smtClean="0">
+              <a:rPr lang="en-US" dirty="0">
                 <a:solidFill>
                   <a:schemeClr val="bg1"/>
                 </a:solidFill>
               </a:rPr>
               <a:t>Distribution based on Goods Price for the Loan .</a:t>
             </a:r>
-            <a:endParaRPr lang="en-US" dirty="0">
-              <a:solidFill>
-                <a:schemeClr val="bg1"/>
-              </a:solidFill>
-            </a:endParaRPr>
           </a:p>
         </p:txBody>
       </p:sp>
@@ -5669,7 +5623,7 @@
           <p:cNvPr id="3" name="Content Placeholder 2">
             <a:extLst>
               <a:ext uri="{FF2B5EF4-FFF2-40B4-BE49-F238E27FC236}">
-                <a16:creationId xmlns="" xmlns:a16="http://schemas.microsoft.com/office/drawing/2014/main" id="{0EFF15B1-B386-4612-B981-CD2CDC5F756F}"/>
+                <a16:creationId xmlns:a16="http://schemas.microsoft.com/office/drawing/2014/main" id="{0EFF15B1-B386-4612-B981-CD2CDC5F756F}"/>
               </a:ext>
             </a:extLst>
           </p:cNvPr>
@@ -5692,7 +5646,7 @@
           </a:bodyPr>
           <a:lstStyle/>
           <a:p>
-            <a:endParaRPr lang="en-US" sz="2000" dirty="0" smtClean="0">
+            <a:endParaRPr lang="en-US" sz="2000" dirty="0">
               <a:solidFill>
                 <a:schemeClr val="bg1"/>
               </a:solidFill>
@@ -5700,7 +5654,7 @@
           </a:p>
           <a:p>
             <a:r>
-              <a:rPr lang="en-US" sz="2000" dirty="0" smtClean="0">
+              <a:rPr lang="en-US" sz="2000" dirty="0">
                 <a:solidFill>
                   <a:schemeClr val="bg1"/>
                 </a:solidFill>
@@ -5710,7 +5664,7 @@
           </a:p>
           <a:p>
             <a:r>
-              <a:rPr lang="en-US" sz="2000" dirty="0" smtClean="0">
+              <a:rPr lang="en-US" sz="2000" dirty="0">
                 <a:solidFill>
                   <a:schemeClr val="bg1"/>
                 </a:solidFill>
@@ -5720,34 +5674,13 @@
           </a:p>
           <a:p>
             <a:r>
-              <a:rPr lang="en-US" sz="2000" dirty="0" smtClean="0">
-                <a:solidFill>
-                  <a:schemeClr val="bg1"/>
-                </a:solidFill>
-              </a:rPr>
-              <a:t>The bin value of Loan </a:t>
-            </a:r>
-            <a:r>
               <a:rPr lang="en-US" sz="2000" dirty="0">
                 <a:solidFill>
                   <a:schemeClr val="bg1"/>
                 </a:solidFill>
               </a:rPr>
-              <a:t>2 is </a:t>
+              <a:t>The bin value of Loan 2 is 238500.0 - 450000.0</a:t>
             </a:r>
-            <a:r>
-              <a:rPr lang="en-US" sz="2000" dirty="0" smtClean="0">
-                <a:solidFill>
-                  <a:schemeClr val="bg1"/>
-                </a:solidFill>
-              </a:rPr>
-              <a:t>238500.0 - 450000.0</a:t>
-            </a:r>
-            <a:endParaRPr lang="en-US" sz="2000" dirty="0">
-              <a:solidFill>
-                <a:schemeClr val="bg1"/>
-              </a:solidFill>
-            </a:endParaRPr>
           </a:p>
         </p:txBody>
       </p:sp>
@@ -5818,7 +5751,7 @@
           <p:cNvPr id="2" name="Title 1">
             <a:extLst>
               <a:ext uri="{FF2B5EF4-FFF2-40B4-BE49-F238E27FC236}">
-                <a16:creationId xmlns="" xmlns:a16="http://schemas.microsoft.com/office/drawing/2014/main" id="{42074C51-344D-4FC8-BEC4-2173DB12D7C5}"/>
+                <a16:creationId xmlns:a16="http://schemas.microsoft.com/office/drawing/2014/main" id="{42074C51-344D-4FC8-BEC4-2173DB12D7C5}"/>
               </a:ext>
             </a:extLst>
           </p:cNvPr>
@@ -5842,10 +5775,9 @@
           <a:lstStyle/>
           <a:p>
             <a:r>
-              <a:rPr lang="en-US" dirty="0" smtClean="0"/>
+              <a:rPr lang="en-US" dirty="0"/>
               <a:t> Univariate Analysis</a:t>
             </a:r>
-            <a:endParaRPr lang="en-US" dirty="0"/>
           </a:p>
         </p:txBody>
       </p:sp>
@@ -5854,10 +5786,10 @@
           <p:cNvPr id="10" name="Freeform: Shape 9">
             <a:extLst>
               <a:ext uri="{FF2B5EF4-FFF2-40B4-BE49-F238E27FC236}">
-                <a16:creationId xmlns="" xmlns:a16="http://schemas.microsoft.com/office/drawing/2014/main" id="{05C7EBC3-4672-4DAB-81C2-58661FAFAED6}"/>
+                <a16:creationId xmlns:a16="http://schemas.microsoft.com/office/drawing/2014/main" id="{05C7EBC3-4672-4DAB-81C2-58661FAFAED6}"/>
               </a:ext>
               <a:ext uri="{C183D7F6-B498-43B3-948B-1728B52AA6E4}">
-                <adec:decorative xmlns="" xmlns:adec="http://schemas.microsoft.com/office/drawing/2017/decorative" val="1"/>
+                <adec:decorative xmlns:adec="http://schemas.microsoft.com/office/drawing/2017/decorative" val="1"/>
               </a:ext>
             </a:extLst>
           </p:cNvPr>
@@ -5867,7 +5799,7 @@
           <p:nvPr>
             <p:extLst>
               <p:ext uri="{386F3935-93C4-4BCD-93E2-E3B085C9AB24}">
-                <p16:designElem xmlns="" xmlns:p16="http://schemas.microsoft.com/office/powerpoint/2015/main" val="1"/>
+                <p16:designElem xmlns:p16="http://schemas.microsoft.com/office/powerpoint/2015/main" val="1"/>
               </p:ext>
             </p:extLst>
           </p:nvPr>
@@ -5992,10 +5924,10 @@
           <p:cNvPr id="12" name="Freeform: Shape 11">
             <a:extLst>
               <a:ext uri="{FF2B5EF4-FFF2-40B4-BE49-F238E27FC236}">
-                <a16:creationId xmlns="" xmlns:a16="http://schemas.microsoft.com/office/drawing/2014/main" id="{40BF962F-4C6F-461E-86F2-C43F56CC939B}"/>
+                <a16:creationId xmlns:a16="http://schemas.microsoft.com/office/drawing/2014/main" id="{40BF962F-4C6F-461E-86F2-C43F56CC939B}"/>
               </a:ext>
               <a:ext uri="{C183D7F6-B498-43B3-948B-1728B52AA6E4}">
-                <adec:decorative xmlns="" xmlns:adec="http://schemas.microsoft.com/office/drawing/2017/decorative" val="1"/>
+                <adec:decorative xmlns:adec="http://schemas.microsoft.com/office/drawing/2017/decorative" val="1"/>
               </a:ext>
             </a:extLst>
           </p:cNvPr>
@@ -6005,7 +5937,7 @@
           <p:nvPr>
             <p:extLst>
               <p:ext uri="{386F3935-93C4-4BCD-93E2-E3B085C9AB24}">
-                <p16:designElem xmlns="" xmlns:p16="http://schemas.microsoft.com/office/powerpoint/2015/main" val="1"/>
+                <p16:designElem xmlns:p16="http://schemas.microsoft.com/office/powerpoint/2015/main" val="1"/>
               </p:ext>
             </p:extLst>
           </p:nvPr>
@@ -6132,10 +6064,10 @@
           <p:cNvPr id="14" name="Freeform: Shape 13">
             <a:extLst>
               <a:ext uri="{FF2B5EF4-FFF2-40B4-BE49-F238E27FC236}">
-                <a16:creationId xmlns="" xmlns:a16="http://schemas.microsoft.com/office/drawing/2014/main" id="{2E94A4F7-38E4-45EA-8E2E-CE1B5766B4F1}"/>
+                <a16:creationId xmlns:a16="http://schemas.microsoft.com/office/drawing/2014/main" id="{2E94A4F7-38E4-45EA-8E2E-CE1B5766B4F1}"/>
               </a:ext>
               <a:ext uri="{C183D7F6-B498-43B3-948B-1728B52AA6E4}">
-                <adec:decorative xmlns="" xmlns:adec="http://schemas.microsoft.com/office/drawing/2017/decorative" val="1"/>
+                <adec:decorative xmlns:adec="http://schemas.microsoft.com/office/drawing/2017/decorative" val="1"/>
               </a:ext>
             </a:extLst>
           </p:cNvPr>
@@ -6145,7 +6077,7 @@
           <p:nvPr>
             <p:extLst>
               <p:ext uri="{386F3935-93C4-4BCD-93E2-E3B085C9AB24}">
-                <p16:designElem xmlns="" xmlns:p16="http://schemas.microsoft.com/office/powerpoint/2015/main" val="1"/>
+                <p16:designElem xmlns:p16="http://schemas.microsoft.com/office/powerpoint/2015/main" val="1"/>
               </p:ext>
             </p:extLst>
           </p:nvPr>
@@ -6240,7 +6172,7 @@
           <p:cNvPr id="3" name="Content Placeholder 2">
             <a:extLst>
               <a:ext uri="{FF2B5EF4-FFF2-40B4-BE49-F238E27FC236}">
-                <a16:creationId xmlns="" xmlns:a16="http://schemas.microsoft.com/office/drawing/2014/main" id="{E883E445-8888-46BD-A028-6A1507F733C2}"/>
+                <a16:creationId xmlns:a16="http://schemas.microsoft.com/office/drawing/2014/main" id="{E883E445-8888-46BD-A028-6A1507F733C2}"/>
               </a:ext>
             </a:extLst>
           </p:cNvPr>
@@ -6267,18 +6199,13 @@
               <a:buNone/>
             </a:pPr>
             <a:r>
-              <a:rPr lang="en-US" sz="4400" dirty="0" smtClean="0">
+              <a:rPr lang="en-US" sz="4400" dirty="0">
                 <a:solidFill>
                   <a:srgbClr val="FFFFFF"/>
                 </a:solidFill>
               </a:rPr>
               <a:t>Continuous Variables</a:t>
             </a:r>
-            <a:endParaRPr lang="en-US" sz="4400" dirty="0">
-              <a:solidFill>
-                <a:srgbClr val="FFFFFF"/>
-              </a:solidFill>
-            </a:endParaRPr>
           </a:p>
         </p:txBody>
       </p:sp>
@@ -6325,7 +6252,7 @@
           <p:cNvPr id="2" name="Title 1">
             <a:extLst>
               <a:ext uri="{FF2B5EF4-FFF2-40B4-BE49-F238E27FC236}">
-                <a16:creationId xmlns="" xmlns:a16="http://schemas.microsoft.com/office/drawing/2014/main" id="{42074C51-344D-4FC8-BEC4-2173DB12D7C5}"/>
+                <a16:creationId xmlns:a16="http://schemas.microsoft.com/office/drawing/2014/main" id="{42074C51-344D-4FC8-BEC4-2173DB12D7C5}"/>
               </a:ext>
             </a:extLst>
           </p:cNvPr>
@@ -6350,17 +6277,12 @@
           <a:p>
             <a:r>
               <a:rPr lang="en-US" dirty="0"/>
-              <a:t> </a:t>
+              <a:t> Box Plot of </a:t>
             </a:r>
             <a:r>
-              <a:rPr lang="en-US" dirty="0" smtClean="0"/>
-              <a:t>Box Plot of </a:t>
-            </a:r>
-            <a:r>
-              <a:rPr lang="en-US" sz="4000" dirty="0" smtClean="0"/>
+              <a:rPr lang="en-US" sz="4000" dirty="0"/>
               <a:t>Credit Amount</a:t>
             </a:r>
-            <a:endParaRPr lang="en-US" sz="4000" dirty="0"/>
           </a:p>
         </p:txBody>
       </p:sp>
@@ -6369,10 +6291,10 @@
           <p:cNvPr id="10" name="Freeform: Shape 9">
             <a:extLst>
               <a:ext uri="{FF2B5EF4-FFF2-40B4-BE49-F238E27FC236}">
-                <a16:creationId xmlns="" xmlns:a16="http://schemas.microsoft.com/office/drawing/2014/main" id="{05C7EBC3-4672-4DAB-81C2-58661FAFAED6}"/>
+                <a16:creationId xmlns:a16="http://schemas.microsoft.com/office/drawing/2014/main" id="{05C7EBC3-4672-4DAB-81C2-58661FAFAED6}"/>
               </a:ext>
               <a:ext uri="{C183D7F6-B498-43B3-948B-1728B52AA6E4}">
-                <adec:decorative xmlns="" xmlns:adec="http://schemas.microsoft.com/office/drawing/2017/decorative" val="1"/>
+                <adec:decorative xmlns:adec="http://schemas.microsoft.com/office/drawing/2017/decorative" val="1"/>
               </a:ext>
             </a:extLst>
           </p:cNvPr>
@@ -6382,7 +6304,7 @@
           <p:nvPr>
             <p:extLst>
               <p:ext uri="{386F3935-93C4-4BCD-93E2-E3B085C9AB24}">
-                <p16:designElem xmlns="" xmlns:p16="http://schemas.microsoft.com/office/powerpoint/2015/main" val="1"/>
+                <p16:designElem xmlns:p16="http://schemas.microsoft.com/office/powerpoint/2015/main" val="1"/>
               </p:ext>
             </p:extLst>
           </p:nvPr>
@@ -6507,10 +6429,10 @@
           <p:cNvPr id="12" name="Freeform: Shape 11">
             <a:extLst>
               <a:ext uri="{FF2B5EF4-FFF2-40B4-BE49-F238E27FC236}">
-                <a16:creationId xmlns="" xmlns:a16="http://schemas.microsoft.com/office/drawing/2014/main" id="{40BF962F-4C6F-461E-86F2-C43F56CC939B}"/>
+                <a16:creationId xmlns:a16="http://schemas.microsoft.com/office/drawing/2014/main" id="{40BF962F-4C6F-461E-86F2-C43F56CC939B}"/>
               </a:ext>
               <a:ext uri="{C183D7F6-B498-43B3-948B-1728B52AA6E4}">
-                <adec:decorative xmlns="" xmlns:adec="http://schemas.microsoft.com/office/drawing/2017/decorative" val="1"/>
+                <adec:decorative xmlns:adec="http://schemas.microsoft.com/office/drawing/2017/decorative" val="1"/>
               </a:ext>
             </a:extLst>
           </p:cNvPr>
@@ -6520,7 +6442,7 @@
           <p:nvPr>
             <p:extLst>
               <p:ext uri="{386F3935-93C4-4BCD-93E2-E3B085C9AB24}">
-                <p16:designElem xmlns="" xmlns:p16="http://schemas.microsoft.com/office/powerpoint/2015/main" val="1"/>
+                <p16:designElem xmlns:p16="http://schemas.microsoft.com/office/powerpoint/2015/main" val="1"/>
               </p:ext>
             </p:extLst>
           </p:nvPr>
@@ -6647,10 +6569,10 @@
           <p:cNvPr id="14" name="Freeform: Shape 13">
             <a:extLst>
               <a:ext uri="{FF2B5EF4-FFF2-40B4-BE49-F238E27FC236}">
-                <a16:creationId xmlns="" xmlns:a16="http://schemas.microsoft.com/office/drawing/2014/main" id="{2E94A4F7-38E4-45EA-8E2E-CE1B5766B4F1}"/>
+                <a16:creationId xmlns:a16="http://schemas.microsoft.com/office/drawing/2014/main" id="{2E94A4F7-38E4-45EA-8E2E-CE1B5766B4F1}"/>
               </a:ext>
               <a:ext uri="{C183D7F6-B498-43B3-948B-1728B52AA6E4}">
-                <adec:decorative xmlns="" xmlns:adec="http://schemas.microsoft.com/office/drawing/2017/decorative" val="1"/>
+                <adec:decorative xmlns:adec="http://schemas.microsoft.com/office/drawing/2017/decorative" val="1"/>
               </a:ext>
             </a:extLst>
           </p:cNvPr>
@@ -6660,7 +6582,7 @@
           <p:nvPr>
             <p:extLst>
               <p:ext uri="{386F3935-93C4-4BCD-93E2-E3B085C9AB24}">
-                <p16:designElem xmlns="" xmlns:p16="http://schemas.microsoft.com/office/powerpoint/2015/main" val="1"/>
+                <p16:designElem xmlns:p16="http://schemas.microsoft.com/office/powerpoint/2015/main" val="1"/>
               </p:ext>
             </p:extLst>
           </p:nvPr>
@@ -6755,7 +6677,7 @@
           <p:cNvPr id="3" name="Content Placeholder 2">
             <a:extLst>
               <a:ext uri="{FF2B5EF4-FFF2-40B4-BE49-F238E27FC236}">
-                <a16:creationId xmlns="" xmlns:a16="http://schemas.microsoft.com/office/drawing/2014/main" id="{E883E445-8888-46BD-A028-6A1507F733C2}"/>
+                <a16:creationId xmlns:a16="http://schemas.microsoft.com/office/drawing/2014/main" id="{E883E445-8888-46BD-A028-6A1507F733C2}"/>
               </a:ext>
             </a:extLst>
           </p:cNvPr>
@@ -6779,7 +6701,7 @@
           <a:lstStyle/>
           <a:p>
             <a:r>
-              <a:rPr lang="en-US" sz="2000" dirty="0" smtClean="0">
+              <a:rPr lang="en-US" sz="2000" dirty="0">
                 <a:solidFill>
                   <a:srgbClr val="FFFFFF"/>
                 </a:solidFill>
@@ -6789,18 +6711,13 @@
           </a:p>
           <a:p>
             <a:r>
-              <a:rPr lang="en-US" sz="2000" dirty="0" smtClean="0">
+              <a:rPr lang="en-US" sz="2000" dirty="0">
                 <a:solidFill>
                   <a:srgbClr val="FFFFFF"/>
                 </a:solidFill>
               </a:rPr>
               <a:t>The third quantile is bigger than first …which means most of the credit amount lies in the third quantile.</a:t>
             </a:r>
-            <a:endParaRPr lang="en-US" sz="2000" dirty="0">
-              <a:solidFill>
-                <a:srgbClr val="FFFFFF"/>
-              </a:solidFill>
-            </a:endParaRPr>
           </a:p>
         </p:txBody>
       </p:sp>
@@ -6871,7 +6788,7 @@
           <p:cNvPr id="2" name="Title 1">
             <a:extLst>
               <a:ext uri="{FF2B5EF4-FFF2-40B4-BE49-F238E27FC236}">
-                <a16:creationId xmlns="" xmlns:a16="http://schemas.microsoft.com/office/drawing/2014/main" id="{42074C51-344D-4FC8-BEC4-2173DB12D7C5}"/>
+                <a16:creationId xmlns:a16="http://schemas.microsoft.com/office/drawing/2014/main" id="{42074C51-344D-4FC8-BEC4-2173DB12D7C5}"/>
               </a:ext>
             </a:extLst>
           </p:cNvPr>
@@ -6896,21 +6813,12 @@
           <a:p>
             <a:r>
               <a:rPr lang="en-US" dirty="0"/>
-              <a:t> </a:t>
+              <a:t> Box Plot of </a:t>
             </a:r>
             <a:r>
-              <a:rPr lang="en-US" dirty="0" smtClean="0"/>
-              <a:t>Box Plot of </a:t>
+              <a:rPr lang="en-US" sz="4000" dirty="0"/>
+              <a:t>Annuity Amount</a:t>
             </a:r>
-            <a:r>
-              <a:rPr lang="en-US" sz="4000" dirty="0" smtClean="0"/>
-              <a:t>Annuity</a:t>
-            </a:r>
-            <a:r>
-              <a:rPr lang="en-US" sz="4000" dirty="0" smtClean="0"/>
-              <a:t> Amount</a:t>
-            </a:r>
-            <a:endParaRPr lang="en-US" sz="4000" dirty="0"/>
           </a:p>
         </p:txBody>
       </p:sp>
@@ -6919,10 +6827,10 @@
           <p:cNvPr id="10" name="Freeform: Shape 9">
             <a:extLst>
               <a:ext uri="{FF2B5EF4-FFF2-40B4-BE49-F238E27FC236}">
-                <a16:creationId xmlns="" xmlns:a16="http://schemas.microsoft.com/office/drawing/2014/main" id="{05C7EBC3-4672-4DAB-81C2-58661FAFAED6}"/>
+                <a16:creationId xmlns:a16="http://schemas.microsoft.com/office/drawing/2014/main" id="{05C7EBC3-4672-4DAB-81C2-58661FAFAED6}"/>
               </a:ext>
               <a:ext uri="{C183D7F6-B498-43B3-948B-1728B52AA6E4}">
-                <adec:decorative xmlns="" xmlns:adec="http://schemas.microsoft.com/office/drawing/2017/decorative" val="1"/>
+                <adec:decorative xmlns:adec="http://schemas.microsoft.com/office/drawing/2017/decorative" val="1"/>
               </a:ext>
             </a:extLst>
           </p:cNvPr>
@@ -6932,7 +6840,7 @@
           <p:nvPr>
             <p:extLst>
               <p:ext uri="{386F3935-93C4-4BCD-93E2-E3B085C9AB24}">
-                <p16:designElem xmlns="" xmlns:p16="http://schemas.microsoft.com/office/powerpoint/2015/main" val="1"/>
+                <p16:designElem xmlns:p16="http://schemas.microsoft.com/office/powerpoint/2015/main" val="1"/>
               </p:ext>
             </p:extLst>
           </p:nvPr>
@@ -7057,10 +6965,10 @@
           <p:cNvPr id="12" name="Freeform: Shape 11">
             <a:extLst>
               <a:ext uri="{FF2B5EF4-FFF2-40B4-BE49-F238E27FC236}">
-                <a16:creationId xmlns="" xmlns:a16="http://schemas.microsoft.com/office/drawing/2014/main" id="{40BF962F-4C6F-461E-86F2-C43F56CC939B}"/>
+                <a16:creationId xmlns:a16="http://schemas.microsoft.com/office/drawing/2014/main" id="{40BF962F-4C6F-461E-86F2-C43F56CC939B}"/>
               </a:ext>
               <a:ext uri="{C183D7F6-B498-43B3-948B-1728B52AA6E4}">
-                <adec:decorative xmlns="" xmlns:adec="http://schemas.microsoft.com/office/drawing/2017/decorative" val="1"/>
+                <adec:decorative xmlns:adec="http://schemas.microsoft.com/office/drawing/2017/decorative" val="1"/>
               </a:ext>
             </a:extLst>
           </p:cNvPr>
@@ -7070,7 +6978,7 @@
           <p:nvPr>
             <p:extLst>
               <p:ext uri="{386F3935-93C4-4BCD-93E2-E3B085C9AB24}">
-                <p16:designElem xmlns="" xmlns:p16="http://schemas.microsoft.com/office/powerpoint/2015/main" val="1"/>
+                <p16:designElem xmlns:p16="http://schemas.microsoft.com/office/powerpoint/2015/main" val="1"/>
               </p:ext>
             </p:extLst>
           </p:nvPr>
@@ -7197,10 +7105,10 @@
           <p:cNvPr id="14" name="Freeform: Shape 13">
             <a:extLst>
               <a:ext uri="{FF2B5EF4-FFF2-40B4-BE49-F238E27FC236}">
-                <a16:creationId xmlns="" xmlns:a16="http://schemas.microsoft.com/office/drawing/2014/main" id="{2E94A4F7-38E4-45EA-8E2E-CE1B5766B4F1}"/>
+                <a16:creationId xmlns:a16="http://schemas.microsoft.com/office/drawing/2014/main" id="{2E94A4F7-38E4-45EA-8E2E-CE1B5766B4F1}"/>
               </a:ext>
               <a:ext uri="{C183D7F6-B498-43B3-948B-1728B52AA6E4}">
-                <adec:decorative xmlns="" xmlns:adec="http://schemas.microsoft.com/office/drawing/2017/decorative" val="1"/>
+                <adec:decorative xmlns:adec="http://schemas.microsoft.com/office/drawing/2017/decorative" val="1"/>
               </a:ext>
             </a:extLst>
           </p:cNvPr>
@@ -7210,7 +7118,7 @@
           <p:nvPr>
             <p:extLst>
               <p:ext uri="{386F3935-93C4-4BCD-93E2-E3B085C9AB24}">
-                <p16:designElem xmlns="" xmlns:p16="http://schemas.microsoft.com/office/powerpoint/2015/main" val="1"/>
+                <p16:designElem xmlns:p16="http://schemas.microsoft.com/office/powerpoint/2015/main" val="1"/>
               </p:ext>
             </p:extLst>
           </p:nvPr>
@@ -7305,7 +7213,7 @@
           <p:cNvPr id="3" name="Content Placeholder 2">
             <a:extLst>
               <a:ext uri="{FF2B5EF4-FFF2-40B4-BE49-F238E27FC236}">
-                <a16:creationId xmlns="" xmlns:a16="http://schemas.microsoft.com/office/drawing/2014/main" id="{E883E445-8888-46BD-A028-6A1507F733C2}"/>
+                <a16:creationId xmlns:a16="http://schemas.microsoft.com/office/drawing/2014/main" id="{E883E445-8888-46BD-A028-6A1507F733C2}"/>
               </a:ext>
             </a:extLst>
           </p:cNvPr>
@@ -7329,7 +7237,7 @@
           <a:lstStyle/>
           <a:p>
             <a:r>
-              <a:rPr lang="en-US" sz="2000" dirty="0" smtClean="0">
+              <a:rPr lang="en-US" sz="2000" dirty="0">
                 <a:solidFill>
                   <a:srgbClr val="FFFFFF"/>
                 </a:solidFill>
@@ -7339,18 +7247,13 @@
           </a:p>
           <a:p>
             <a:r>
-              <a:rPr lang="en-US" sz="2000" dirty="0" smtClean="0">
+              <a:rPr lang="en-US" sz="2000" dirty="0">
                 <a:solidFill>
                   <a:srgbClr val="FFFFFF"/>
                 </a:solidFill>
               </a:rPr>
               <a:t>The third quantile is bigger than first …which means most of the credit amount lies in the third quantile.</a:t>
             </a:r>
-            <a:endParaRPr lang="en-US" sz="2000" dirty="0">
-              <a:solidFill>
-                <a:srgbClr val="FFFFFF"/>
-              </a:solidFill>
-            </a:endParaRPr>
           </a:p>
         </p:txBody>
       </p:sp>
@@ -7421,7 +7324,7 @@
           <p:cNvPr id="2" name="Title 1">
             <a:extLst>
               <a:ext uri="{FF2B5EF4-FFF2-40B4-BE49-F238E27FC236}">
-                <a16:creationId xmlns="" xmlns:a16="http://schemas.microsoft.com/office/drawing/2014/main" id="{42074C51-344D-4FC8-BEC4-2173DB12D7C5}"/>
+                <a16:creationId xmlns:a16="http://schemas.microsoft.com/office/drawing/2014/main" id="{42074C51-344D-4FC8-BEC4-2173DB12D7C5}"/>
               </a:ext>
             </a:extLst>
           </p:cNvPr>
@@ -7446,15 +7349,7 @@
           <a:p>
             <a:r>
               <a:rPr lang="en-US" dirty="0"/>
-              <a:t> </a:t>
-            </a:r>
-            <a:r>
-              <a:rPr lang="en-US" dirty="0" smtClean="0"/>
-              <a:t>Box Plot </a:t>
-            </a:r>
-            <a:r>
-              <a:rPr lang="en-US" dirty="0" smtClean="0"/>
-              <a:t>of Age </a:t>
+              <a:t> Box Plot of Age </a:t>
             </a:r>
             <a:endParaRPr lang="en-US" sz="4000" dirty="0"/>
           </a:p>
@@ -7465,10 +7360,10 @@
           <p:cNvPr id="10" name="Freeform: Shape 9">
             <a:extLst>
               <a:ext uri="{FF2B5EF4-FFF2-40B4-BE49-F238E27FC236}">
-                <a16:creationId xmlns="" xmlns:a16="http://schemas.microsoft.com/office/drawing/2014/main" id="{05C7EBC3-4672-4DAB-81C2-58661FAFAED6}"/>
+                <a16:creationId xmlns:a16="http://schemas.microsoft.com/office/drawing/2014/main" id="{05C7EBC3-4672-4DAB-81C2-58661FAFAED6}"/>
               </a:ext>
               <a:ext uri="{C183D7F6-B498-43B3-948B-1728B52AA6E4}">
-                <adec:decorative xmlns="" xmlns:adec="http://schemas.microsoft.com/office/drawing/2017/decorative" val="1"/>
+                <adec:decorative xmlns:adec="http://schemas.microsoft.com/office/drawing/2017/decorative" val="1"/>
               </a:ext>
             </a:extLst>
           </p:cNvPr>
@@ -7478,7 +7373,7 @@
           <p:nvPr>
             <p:extLst>
               <p:ext uri="{386F3935-93C4-4BCD-93E2-E3B085C9AB24}">
-                <p16:designElem xmlns="" xmlns:p16="http://schemas.microsoft.com/office/powerpoint/2015/main" val="1"/>
+                <p16:designElem xmlns:p16="http://schemas.microsoft.com/office/powerpoint/2015/main" val="1"/>
               </p:ext>
             </p:extLst>
           </p:nvPr>
@@ -7603,10 +7498,10 @@
           <p:cNvPr id="12" name="Freeform: Shape 11">
             <a:extLst>
               <a:ext uri="{FF2B5EF4-FFF2-40B4-BE49-F238E27FC236}">
-                <a16:creationId xmlns="" xmlns:a16="http://schemas.microsoft.com/office/drawing/2014/main" id="{40BF962F-4C6F-461E-86F2-C43F56CC939B}"/>
+                <a16:creationId xmlns:a16="http://schemas.microsoft.com/office/drawing/2014/main" id="{40BF962F-4C6F-461E-86F2-C43F56CC939B}"/>
               </a:ext>
               <a:ext uri="{C183D7F6-B498-43B3-948B-1728B52AA6E4}">
-                <adec:decorative xmlns="" xmlns:adec="http://schemas.microsoft.com/office/drawing/2017/decorative" val="1"/>
+                <adec:decorative xmlns:adec="http://schemas.microsoft.com/office/drawing/2017/decorative" val="1"/>
               </a:ext>
             </a:extLst>
           </p:cNvPr>
@@ -7616,7 +7511,7 @@
           <p:nvPr>
             <p:extLst>
               <p:ext uri="{386F3935-93C4-4BCD-93E2-E3B085C9AB24}">
-                <p16:designElem xmlns="" xmlns:p16="http://schemas.microsoft.com/office/powerpoint/2015/main" val="1"/>
+                <p16:designElem xmlns:p16="http://schemas.microsoft.com/office/powerpoint/2015/main" val="1"/>
               </p:ext>
             </p:extLst>
           </p:nvPr>
@@ -7743,10 +7638,10 @@
           <p:cNvPr id="14" name="Freeform: Shape 13">
             <a:extLst>
               <a:ext uri="{FF2B5EF4-FFF2-40B4-BE49-F238E27FC236}">
-                <a16:creationId xmlns="" xmlns:a16="http://schemas.microsoft.com/office/drawing/2014/main" id="{2E94A4F7-38E4-45EA-8E2E-CE1B5766B4F1}"/>
+                <a16:creationId xmlns:a16="http://schemas.microsoft.com/office/drawing/2014/main" id="{2E94A4F7-38E4-45EA-8E2E-CE1B5766B4F1}"/>
               </a:ext>
               <a:ext uri="{C183D7F6-B498-43B3-948B-1728B52AA6E4}">
-                <adec:decorative xmlns="" xmlns:adec="http://schemas.microsoft.com/office/drawing/2017/decorative" val="1"/>
+                <adec:decorative xmlns:adec="http://schemas.microsoft.com/office/drawing/2017/decorative" val="1"/>
               </a:ext>
             </a:extLst>
           </p:cNvPr>
@@ -7756,7 +7651,7 @@
           <p:nvPr>
             <p:extLst>
               <p:ext uri="{386F3935-93C4-4BCD-93E2-E3B085C9AB24}">
-                <p16:designElem xmlns="" xmlns:p16="http://schemas.microsoft.com/office/powerpoint/2015/main" val="1"/>
+                <p16:designElem xmlns:p16="http://schemas.microsoft.com/office/powerpoint/2015/main" val="1"/>
               </p:ext>
             </p:extLst>
           </p:nvPr>
@@ -7851,7 +7746,7 @@
           <p:cNvPr id="3" name="Content Placeholder 2">
             <a:extLst>
               <a:ext uri="{FF2B5EF4-FFF2-40B4-BE49-F238E27FC236}">
-                <a16:creationId xmlns="" xmlns:a16="http://schemas.microsoft.com/office/drawing/2014/main" id="{E883E445-8888-46BD-A028-6A1507F733C2}"/>
+                <a16:creationId xmlns:a16="http://schemas.microsoft.com/office/drawing/2014/main" id="{E883E445-8888-46BD-A028-6A1507F733C2}"/>
               </a:ext>
             </a:extLst>
           </p:cNvPr>
@@ -7875,33 +7770,23 @@
           <a:lstStyle/>
           <a:p>
             <a:r>
-              <a:rPr lang="en-US" sz="2000" dirty="0" smtClean="0">
+              <a:rPr lang="en-US" sz="2000" dirty="0">
                 <a:solidFill>
                   <a:srgbClr val="FFFFFF"/>
                 </a:solidFill>
               </a:rPr>
               <a:t>There are no outliers found in the age of the people.</a:t>
             </a:r>
-            <a:endParaRPr lang="en-US" sz="2000" dirty="0" smtClean="0">
-              <a:solidFill>
-                <a:srgbClr val="FFFFFF"/>
-              </a:solidFill>
-            </a:endParaRPr>
           </a:p>
           <a:p>
             <a:r>
-              <a:rPr lang="en-US" sz="2000" dirty="0" smtClean="0">
+              <a:rPr lang="en-US" sz="2000" dirty="0">
                 <a:solidFill>
                   <a:srgbClr val="FFFFFF"/>
                 </a:solidFill>
               </a:rPr>
               <a:t>The third quantile is bigger than first …which means most of the loan payers are above the age of 50 .</a:t>
             </a:r>
-            <a:endParaRPr lang="en-US" sz="2000" dirty="0">
-              <a:solidFill>
-                <a:srgbClr val="FFFFFF"/>
-              </a:solidFill>
-            </a:endParaRPr>
           </a:p>
         </p:txBody>
       </p:sp>
@@ -7972,7 +7857,7 @@
           <p:cNvPr id="2" name="Title 1">
             <a:extLst>
               <a:ext uri="{FF2B5EF4-FFF2-40B4-BE49-F238E27FC236}">
-                <a16:creationId xmlns="" xmlns:a16="http://schemas.microsoft.com/office/drawing/2014/main" id="{42074C51-344D-4FC8-BEC4-2173DB12D7C5}"/>
+                <a16:creationId xmlns:a16="http://schemas.microsoft.com/office/drawing/2014/main" id="{42074C51-344D-4FC8-BEC4-2173DB12D7C5}"/>
               </a:ext>
             </a:extLst>
           </p:cNvPr>
@@ -7997,15 +7882,7 @@
           <a:p>
             <a:r>
               <a:rPr lang="en-US" dirty="0"/>
-              <a:t> </a:t>
-            </a:r>
-            <a:r>
-              <a:rPr lang="en-US" dirty="0" smtClean="0"/>
-              <a:t>Box Plot of </a:t>
-            </a:r>
-            <a:r>
-              <a:rPr lang="en-US" dirty="0" smtClean="0"/>
-              <a:t>ID_PUBLISH</a:t>
+              <a:t> Box Plot of ID_PUBLISH</a:t>
             </a:r>
             <a:endParaRPr lang="en-US" sz="4000" dirty="0"/>
           </a:p>
@@ -8016,10 +7893,10 @@
           <p:cNvPr id="10" name="Freeform: Shape 9">
             <a:extLst>
               <a:ext uri="{FF2B5EF4-FFF2-40B4-BE49-F238E27FC236}">
-                <a16:creationId xmlns="" xmlns:a16="http://schemas.microsoft.com/office/drawing/2014/main" id="{05C7EBC3-4672-4DAB-81C2-58661FAFAED6}"/>
+                <a16:creationId xmlns:a16="http://schemas.microsoft.com/office/drawing/2014/main" id="{05C7EBC3-4672-4DAB-81C2-58661FAFAED6}"/>
               </a:ext>
               <a:ext uri="{C183D7F6-B498-43B3-948B-1728B52AA6E4}">
-                <adec:decorative xmlns="" xmlns:adec="http://schemas.microsoft.com/office/drawing/2017/decorative" val="1"/>
+                <adec:decorative xmlns:adec="http://schemas.microsoft.com/office/drawing/2017/decorative" val="1"/>
               </a:ext>
             </a:extLst>
           </p:cNvPr>
@@ -8029,7 +7906,7 @@
           <p:nvPr>
             <p:extLst>
               <p:ext uri="{386F3935-93C4-4BCD-93E2-E3B085C9AB24}">
-                <p16:designElem xmlns="" xmlns:p16="http://schemas.microsoft.com/office/powerpoint/2015/main" val="1"/>
+                <p16:designElem xmlns:p16="http://schemas.microsoft.com/office/powerpoint/2015/main" val="1"/>
               </p:ext>
             </p:extLst>
           </p:nvPr>
@@ -8154,10 +8031,10 @@
           <p:cNvPr id="12" name="Freeform: Shape 11">
             <a:extLst>
               <a:ext uri="{FF2B5EF4-FFF2-40B4-BE49-F238E27FC236}">
-                <a16:creationId xmlns="" xmlns:a16="http://schemas.microsoft.com/office/drawing/2014/main" id="{40BF962F-4C6F-461E-86F2-C43F56CC939B}"/>
+                <a16:creationId xmlns:a16="http://schemas.microsoft.com/office/drawing/2014/main" id="{40BF962F-4C6F-461E-86F2-C43F56CC939B}"/>
               </a:ext>
               <a:ext uri="{C183D7F6-B498-43B3-948B-1728B52AA6E4}">
-                <adec:decorative xmlns="" xmlns:adec="http://schemas.microsoft.com/office/drawing/2017/decorative" val="1"/>
+                <adec:decorative xmlns:adec="http://schemas.microsoft.com/office/drawing/2017/decorative" val="1"/>
               </a:ext>
             </a:extLst>
           </p:cNvPr>
@@ -8167,7 +8044,7 @@
           <p:nvPr>
             <p:extLst>
               <p:ext uri="{386F3935-93C4-4BCD-93E2-E3B085C9AB24}">
-                <p16:designElem xmlns="" xmlns:p16="http://schemas.microsoft.com/office/powerpoint/2015/main" val="1"/>
+                <p16:designElem xmlns:p16="http://schemas.microsoft.com/office/powerpoint/2015/main" val="1"/>
               </p:ext>
             </p:extLst>
           </p:nvPr>
@@ -8294,10 +8171,10 @@
           <p:cNvPr id="14" name="Freeform: Shape 13">
             <a:extLst>
               <a:ext uri="{FF2B5EF4-FFF2-40B4-BE49-F238E27FC236}">
-                <a16:creationId xmlns="" xmlns:a16="http://schemas.microsoft.com/office/drawing/2014/main" id="{2E94A4F7-38E4-45EA-8E2E-CE1B5766B4F1}"/>
+                <a16:creationId xmlns:a16="http://schemas.microsoft.com/office/drawing/2014/main" id="{2E94A4F7-38E4-45EA-8E2E-CE1B5766B4F1}"/>
               </a:ext>
               <a:ext uri="{C183D7F6-B498-43B3-948B-1728B52AA6E4}">
-                <adec:decorative xmlns="" xmlns:adec="http://schemas.microsoft.com/office/drawing/2017/decorative" val="1"/>
+                <adec:decorative xmlns:adec="http://schemas.microsoft.com/office/drawing/2017/decorative" val="1"/>
               </a:ext>
             </a:extLst>
           </p:cNvPr>
@@ -8307,7 +8184,7 @@
           <p:nvPr>
             <p:extLst>
               <p:ext uri="{386F3935-93C4-4BCD-93E2-E3B085C9AB24}">
-                <p16:designElem xmlns="" xmlns:p16="http://schemas.microsoft.com/office/powerpoint/2015/main" val="1"/>
+                <p16:designElem xmlns:p16="http://schemas.microsoft.com/office/powerpoint/2015/main" val="1"/>
               </p:ext>
             </p:extLst>
           </p:nvPr>
@@ -8402,7 +8279,7 @@
           <p:cNvPr id="3" name="Content Placeholder 2">
             <a:extLst>
               <a:ext uri="{FF2B5EF4-FFF2-40B4-BE49-F238E27FC236}">
-                <a16:creationId xmlns="" xmlns:a16="http://schemas.microsoft.com/office/drawing/2014/main" id="{E883E445-8888-46BD-A028-6A1507F733C2}"/>
+                <a16:creationId xmlns:a16="http://schemas.microsoft.com/office/drawing/2014/main" id="{E883E445-8888-46BD-A028-6A1507F733C2}"/>
               </a:ext>
             </a:extLst>
           </p:cNvPr>
@@ -8426,33 +8303,23 @@
           <a:lstStyle/>
           <a:p>
             <a:r>
-              <a:rPr lang="en-US" sz="2000" dirty="0" smtClean="0">
+              <a:rPr lang="en-US" sz="2000" dirty="0">
                 <a:solidFill>
                   <a:srgbClr val="FFFFFF"/>
                 </a:solidFill>
               </a:rPr>
               <a:t>There are no outliers found in the DAYS_ID_PUBLISH.</a:t>
             </a:r>
-            <a:endParaRPr lang="en-US" sz="2000" dirty="0" smtClean="0">
-              <a:solidFill>
-                <a:srgbClr val="FFFFFF"/>
-              </a:solidFill>
-            </a:endParaRPr>
           </a:p>
           <a:p>
             <a:r>
-              <a:rPr lang="en-US" sz="2000" dirty="0" smtClean="0">
+              <a:rPr lang="en-US" sz="2000" dirty="0">
                 <a:solidFill>
                   <a:srgbClr val="FFFFFF"/>
                 </a:solidFill>
               </a:rPr>
               <a:t>This depicts that the average years of loan payers are the same and the third quantile is higher than the first.</a:t>
             </a:r>
-            <a:endParaRPr lang="en-US" sz="2000" dirty="0">
-              <a:solidFill>
-                <a:srgbClr val="FFFFFF"/>
-              </a:solidFill>
-            </a:endParaRPr>
           </a:p>
         </p:txBody>
       </p:sp>
@@ -8523,7 +8390,7 @@
           <p:cNvPr id="2" name="Title 1">
             <a:extLst>
               <a:ext uri="{FF2B5EF4-FFF2-40B4-BE49-F238E27FC236}">
-                <a16:creationId xmlns="" xmlns:a16="http://schemas.microsoft.com/office/drawing/2014/main" id="{F2484B18-58F6-4BA3-B8E2-2B7F6EDC5000}"/>
+                <a16:creationId xmlns:a16="http://schemas.microsoft.com/office/drawing/2014/main" id="{F2484B18-58F6-4BA3-B8E2-2B7F6EDC5000}"/>
               </a:ext>
             </a:extLst>
           </p:cNvPr>
@@ -8547,10 +8414,9 @@
           <a:lstStyle/>
           <a:p>
             <a:r>
-              <a:rPr lang="en-US" sz="3700" dirty="0" smtClean="0"/>
+              <a:rPr lang="en-US" sz="3700" dirty="0"/>
               <a:t>Bivariate Analysis </a:t>
             </a:r>
-            <a:endParaRPr lang="en-US" sz="3700" dirty="0"/>
           </a:p>
         </p:txBody>
       </p:sp>
@@ -8559,10 +8425,10 @@
           <p:cNvPr id="8196" name="Freeform: Shape 70">
             <a:extLst>
               <a:ext uri="{FF2B5EF4-FFF2-40B4-BE49-F238E27FC236}">
-                <a16:creationId xmlns="" xmlns:a16="http://schemas.microsoft.com/office/drawing/2014/main" id="{05C7EBC3-4672-4DAB-81C2-58661FAFAED6}"/>
+                <a16:creationId xmlns:a16="http://schemas.microsoft.com/office/drawing/2014/main" id="{05C7EBC3-4672-4DAB-81C2-58661FAFAED6}"/>
               </a:ext>
               <a:ext uri="{C183D7F6-B498-43B3-948B-1728B52AA6E4}">
-                <adec:decorative xmlns="" xmlns:adec="http://schemas.microsoft.com/office/drawing/2017/decorative" val="1"/>
+                <adec:decorative xmlns:adec="http://schemas.microsoft.com/office/drawing/2017/decorative" val="1"/>
               </a:ext>
             </a:extLst>
           </p:cNvPr>
@@ -8572,7 +8438,7 @@
           <p:nvPr>
             <p:extLst>
               <p:ext uri="{386F3935-93C4-4BCD-93E2-E3B085C9AB24}">
-                <p16:designElem xmlns="" xmlns:p16="http://schemas.microsoft.com/office/powerpoint/2015/main" val="1"/>
+                <p16:designElem xmlns:p16="http://schemas.microsoft.com/office/powerpoint/2015/main" val="1"/>
               </p:ext>
             </p:extLst>
           </p:nvPr>
@@ -8697,10 +8563,10 @@
           <p:cNvPr id="73" name="Freeform: Shape 72">
             <a:extLst>
               <a:ext uri="{FF2B5EF4-FFF2-40B4-BE49-F238E27FC236}">
-                <a16:creationId xmlns="" xmlns:a16="http://schemas.microsoft.com/office/drawing/2014/main" id="{40BF962F-4C6F-461E-86F2-C43F56CC939B}"/>
+                <a16:creationId xmlns:a16="http://schemas.microsoft.com/office/drawing/2014/main" id="{40BF962F-4C6F-461E-86F2-C43F56CC939B}"/>
               </a:ext>
               <a:ext uri="{C183D7F6-B498-43B3-948B-1728B52AA6E4}">
-                <adec:decorative xmlns="" xmlns:adec="http://schemas.microsoft.com/office/drawing/2017/decorative" val="1"/>
+                <adec:decorative xmlns:adec="http://schemas.microsoft.com/office/drawing/2017/decorative" val="1"/>
               </a:ext>
             </a:extLst>
           </p:cNvPr>
@@ -8710,7 +8576,7 @@
           <p:nvPr>
             <p:extLst>
               <p:ext uri="{386F3935-93C4-4BCD-93E2-E3B085C9AB24}">
-                <p16:designElem xmlns="" xmlns:p16="http://schemas.microsoft.com/office/powerpoint/2015/main" val="1"/>
+                <p16:designElem xmlns:p16="http://schemas.microsoft.com/office/powerpoint/2015/main" val="1"/>
               </p:ext>
             </p:extLst>
           </p:nvPr>
@@ -8837,10 +8703,10 @@
           <p:cNvPr id="75" name="Freeform: Shape 74">
             <a:extLst>
               <a:ext uri="{FF2B5EF4-FFF2-40B4-BE49-F238E27FC236}">
-                <a16:creationId xmlns="" xmlns:a16="http://schemas.microsoft.com/office/drawing/2014/main" id="{2E94A4F7-38E4-45EA-8E2E-CE1B5766B4F1}"/>
+                <a16:creationId xmlns:a16="http://schemas.microsoft.com/office/drawing/2014/main" id="{2E94A4F7-38E4-45EA-8E2E-CE1B5766B4F1}"/>
               </a:ext>
               <a:ext uri="{C183D7F6-B498-43B3-948B-1728B52AA6E4}">
-                <adec:decorative xmlns="" xmlns:adec="http://schemas.microsoft.com/office/drawing/2017/decorative" val="1"/>
+                <adec:decorative xmlns:adec="http://schemas.microsoft.com/office/drawing/2017/decorative" val="1"/>
               </a:ext>
             </a:extLst>
           </p:cNvPr>
@@ -8850,7 +8716,7 @@
           <p:nvPr>
             <p:extLst>
               <p:ext uri="{386F3935-93C4-4BCD-93E2-E3B085C9AB24}">
-                <p16:designElem xmlns="" xmlns:p16="http://schemas.microsoft.com/office/powerpoint/2015/main" val="1"/>
+                <p16:designElem xmlns:p16="http://schemas.microsoft.com/office/powerpoint/2015/main" val="1"/>
               </p:ext>
             </p:extLst>
           </p:nvPr>
@@ -8945,7 +8811,7 @@
           <p:cNvPr id="3" name="Content Placeholder 2">
             <a:extLst>
               <a:ext uri="{FF2B5EF4-FFF2-40B4-BE49-F238E27FC236}">
-                <a16:creationId xmlns="" xmlns:a16="http://schemas.microsoft.com/office/drawing/2014/main" id="{079BF112-FDD1-42F6-95B9-36FD43D06E72}"/>
+                <a16:creationId xmlns:a16="http://schemas.microsoft.com/office/drawing/2014/main" id="{079BF112-FDD1-42F6-95B9-36FD43D06E72}"/>
               </a:ext>
             </a:extLst>
           </p:cNvPr>
@@ -8969,7 +8835,7 @@
           <a:lstStyle/>
           <a:p>
             <a:r>
-              <a:rPr lang="en-US" sz="2000" dirty="0" smtClean="0">
+              <a:rPr lang="en-US" sz="2000" dirty="0">
                 <a:solidFill>
                   <a:srgbClr val="FFFFFF"/>
                 </a:solidFill>
@@ -8979,7 +8845,7 @@
           </a:p>
           <a:p>
             <a:r>
-              <a:rPr lang="en-US" sz="2000" dirty="0" smtClean="0">
+              <a:rPr lang="en-US" sz="2000" dirty="0">
                 <a:solidFill>
                   <a:srgbClr val="FFFFFF"/>
                 </a:solidFill>
@@ -8989,18 +8855,13 @@
           </a:p>
           <a:p>
             <a:r>
-              <a:rPr lang="en-US" sz="2000" dirty="0" smtClean="0">
+              <a:rPr lang="en-US" sz="2000" dirty="0">
                 <a:solidFill>
                   <a:srgbClr val="FFFFFF"/>
                 </a:solidFill>
               </a:rPr>
               <a:t>Categorical Vs Categorical</a:t>
             </a:r>
-            <a:endParaRPr lang="en-US" sz="2000" dirty="0">
-              <a:solidFill>
-                <a:srgbClr val="FFFFFF"/>
-              </a:solidFill>
-            </a:endParaRPr>
           </a:p>
         </p:txBody>
       </p:sp>
@@ -9047,7 +8908,7 @@
           <p:cNvPr id="2" name="Title 1">
             <a:extLst>
               <a:ext uri="{FF2B5EF4-FFF2-40B4-BE49-F238E27FC236}">
-                <a16:creationId xmlns="" xmlns:a16="http://schemas.microsoft.com/office/drawing/2014/main" id="{716496A3-9332-4B64-8FCB-E5D95941BD2E}"/>
+                <a16:creationId xmlns:a16="http://schemas.microsoft.com/office/drawing/2014/main" id="{716496A3-9332-4B64-8FCB-E5D95941BD2E}"/>
               </a:ext>
             </a:extLst>
           </p:cNvPr>
@@ -9082,10 +8943,10 @@
           <p:cNvPr id="13" name="Freeform: Shape 9">
             <a:extLst>
               <a:ext uri="{FF2B5EF4-FFF2-40B4-BE49-F238E27FC236}">
-                <a16:creationId xmlns="" xmlns:a16="http://schemas.microsoft.com/office/drawing/2014/main" id="{05C7EBC3-4672-4DAB-81C2-58661FAFAED6}"/>
+                <a16:creationId xmlns:a16="http://schemas.microsoft.com/office/drawing/2014/main" id="{05C7EBC3-4672-4DAB-81C2-58661FAFAED6}"/>
               </a:ext>
               <a:ext uri="{C183D7F6-B498-43B3-948B-1728B52AA6E4}">
-                <adec:decorative xmlns="" xmlns:adec="http://schemas.microsoft.com/office/drawing/2017/decorative" val="1"/>
+                <adec:decorative xmlns:adec="http://schemas.microsoft.com/office/drawing/2017/decorative" val="1"/>
               </a:ext>
             </a:extLst>
           </p:cNvPr>
@@ -9095,7 +8956,7 @@
           <p:nvPr>
             <p:extLst>
               <p:ext uri="{386F3935-93C4-4BCD-93E2-E3B085C9AB24}">
-                <p16:designElem xmlns="" xmlns:p16="http://schemas.microsoft.com/office/powerpoint/2015/main" val="1"/>
+                <p16:designElem xmlns:p16="http://schemas.microsoft.com/office/powerpoint/2015/main" val="1"/>
               </p:ext>
             </p:extLst>
           </p:nvPr>
@@ -9220,10 +9081,10 @@
           <p:cNvPr id="12" name="Freeform: Shape 11">
             <a:extLst>
               <a:ext uri="{FF2B5EF4-FFF2-40B4-BE49-F238E27FC236}">
-                <a16:creationId xmlns="" xmlns:a16="http://schemas.microsoft.com/office/drawing/2014/main" id="{40BF962F-4C6F-461E-86F2-C43F56CC939B}"/>
+                <a16:creationId xmlns:a16="http://schemas.microsoft.com/office/drawing/2014/main" id="{40BF962F-4C6F-461E-86F2-C43F56CC939B}"/>
               </a:ext>
               <a:ext uri="{C183D7F6-B498-43B3-948B-1728B52AA6E4}">
-                <adec:decorative xmlns="" xmlns:adec="http://schemas.microsoft.com/office/drawing/2017/decorative" val="1"/>
+                <adec:decorative xmlns:adec="http://schemas.microsoft.com/office/drawing/2017/decorative" val="1"/>
               </a:ext>
             </a:extLst>
           </p:cNvPr>
@@ -9233,7 +9094,7 @@
           <p:nvPr>
             <p:extLst>
               <p:ext uri="{386F3935-93C4-4BCD-93E2-E3B085C9AB24}">
-                <p16:designElem xmlns="" xmlns:p16="http://schemas.microsoft.com/office/powerpoint/2015/main" val="1"/>
+                <p16:designElem xmlns:p16="http://schemas.microsoft.com/office/powerpoint/2015/main" val="1"/>
               </p:ext>
             </p:extLst>
           </p:nvPr>
@@ -9360,10 +9221,10 @@
           <p:cNvPr id="14" name="Freeform: Shape 13">
             <a:extLst>
               <a:ext uri="{FF2B5EF4-FFF2-40B4-BE49-F238E27FC236}">
-                <a16:creationId xmlns="" xmlns:a16="http://schemas.microsoft.com/office/drawing/2014/main" id="{2E94A4F7-38E4-45EA-8E2E-CE1B5766B4F1}"/>
+                <a16:creationId xmlns:a16="http://schemas.microsoft.com/office/drawing/2014/main" id="{2E94A4F7-38E4-45EA-8E2E-CE1B5766B4F1}"/>
               </a:ext>
               <a:ext uri="{C183D7F6-B498-43B3-948B-1728B52AA6E4}">
-                <adec:decorative xmlns="" xmlns:adec="http://schemas.microsoft.com/office/drawing/2017/decorative" val="1"/>
+                <adec:decorative xmlns:adec="http://schemas.microsoft.com/office/drawing/2017/decorative" val="1"/>
               </a:ext>
             </a:extLst>
           </p:cNvPr>
@@ -9373,7 +9234,7 @@
           <p:nvPr>
             <p:extLst>
               <p:ext uri="{386F3935-93C4-4BCD-93E2-E3B085C9AB24}">
-                <p16:designElem xmlns="" xmlns:p16="http://schemas.microsoft.com/office/powerpoint/2015/main" val="1"/>
+                <p16:designElem xmlns:p16="http://schemas.microsoft.com/office/powerpoint/2015/main" val="1"/>
               </p:ext>
             </p:extLst>
           </p:nvPr>
@@ -9468,7 +9329,7 @@
           <p:cNvPr id="3" name="Content Placeholder 2">
             <a:extLst>
               <a:ext uri="{FF2B5EF4-FFF2-40B4-BE49-F238E27FC236}">
-                <a16:creationId xmlns="" xmlns:a16="http://schemas.microsoft.com/office/drawing/2014/main" id="{4DED1EE0-2C4B-44E6-8B93-0A8270A97F00}"/>
+                <a16:creationId xmlns:a16="http://schemas.microsoft.com/office/drawing/2014/main" id="{4DED1EE0-2C4B-44E6-8B93-0A8270A97F00}"/>
               </a:ext>
             </a:extLst>
           </p:cNvPr>
@@ -9533,7 +9394,7 @@
           <p:cNvPr id="5" name="Picture 4">
             <a:extLst>
               <a:ext uri="{FF2B5EF4-FFF2-40B4-BE49-F238E27FC236}">
-                <a16:creationId xmlns="" xmlns:a16="http://schemas.microsoft.com/office/drawing/2014/main" id="{72B47C94-7467-4D3A-9FD0-A2739C0C5E80}"/>
+                <a16:creationId xmlns:a16="http://schemas.microsoft.com/office/drawing/2014/main" id="{72B47C94-7467-4D3A-9FD0-A2739C0C5E80}"/>
               </a:ext>
             </a:extLst>
           </p:cNvPr>
@@ -9622,7 +9483,7 @@
           <p:cNvPr id="2" name="Title 1">
             <a:extLst>
               <a:ext uri="{FF2B5EF4-FFF2-40B4-BE49-F238E27FC236}">
-                <a16:creationId xmlns="" xmlns:a16="http://schemas.microsoft.com/office/drawing/2014/main" id="{F2484B18-58F6-4BA3-B8E2-2B7F6EDC5000}"/>
+                <a16:creationId xmlns:a16="http://schemas.microsoft.com/office/drawing/2014/main" id="{F2484B18-58F6-4BA3-B8E2-2B7F6EDC5000}"/>
               </a:ext>
             </a:extLst>
           </p:cNvPr>
@@ -9646,14 +9507,9 @@
           <a:lstStyle/>
           <a:p>
             <a:r>
-              <a:rPr lang="en-US" sz="3700" dirty="0" smtClean="0"/>
-              <a:t>Credit Amount VS Annuity Amount</a:t>
+              <a:rPr lang="en-US" sz="3700" dirty="0"/>
+              <a:t>Credit Amount VS Annuity Amount </a:t>
             </a:r>
-            <a:r>
-              <a:rPr lang="en-US" sz="3700" dirty="0" smtClean="0"/>
-              <a:t> </a:t>
-            </a:r>
-            <a:endParaRPr lang="en-US" sz="3700" dirty="0"/>
           </a:p>
         </p:txBody>
       </p:sp>
@@ -9662,10 +9518,10 @@
           <p:cNvPr id="8196" name="Freeform: Shape 70">
             <a:extLst>
               <a:ext uri="{FF2B5EF4-FFF2-40B4-BE49-F238E27FC236}">
-                <a16:creationId xmlns="" xmlns:a16="http://schemas.microsoft.com/office/drawing/2014/main" id="{05C7EBC3-4672-4DAB-81C2-58661FAFAED6}"/>
+                <a16:creationId xmlns:a16="http://schemas.microsoft.com/office/drawing/2014/main" id="{05C7EBC3-4672-4DAB-81C2-58661FAFAED6}"/>
               </a:ext>
               <a:ext uri="{C183D7F6-B498-43B3-948B-1728B52AA6E4}">
-                <adec:decorative xmlns="" xmlns:adec="http://schemas.microsoft.com/office/drawing/2017/decorative" val="1"/>
+                <adec:decorative xmlns:adec="http://schemas.microsoft.com/office/drawing/2017/decorative" val="1"/>
               </a:ext>
             </a:extLst>
           </p:cNvPr>
@@ -9675,7 +9531,7 @@
           <p:nvPr>
             <p:extLst>
               <p:ext uri="{386F3935-93C4-4BCD-93E2-E3B085C9AB24}">
-                <p16:designElem xmlns="" xmlns:p16="http://schemas.microsoft.com/office/powerpoint/2015/main" val="1"/>
+                <p16:designElem xmlns:p16="http://schemas.microsoft.com/office/powerpoint/2015/main" val="1"/>
               </p:ext>
             </p:extLst>
           </p:nvPr>
@@ -9800,10 +9656,10 @@
           <p:cNvPr id="73" name="Freeform: Shape 72">
             <a:extLst>
               <a:ext uri="{FF2B5EF4-FFF2-40B4-BE49-F238E27FC236}">
-                <a16:creationId xmlns="" xmlns:a16="http://schemas.microsoft.com/office/drawing/2014/main" id="{40BF962F-4C6F-461E-86F2-C43F56CC939B}"/>
+                <a16:creationId xmlns:a16="http://schemas.microsoft.com/office/drawing/2014/main" id="{40BF962F-4C6F-461E-86F2-C43F56CC939B}"/>
               </a:ext>
               <a:ext uri="{C183D7F6-B498-43B3-948B-1728B52AA6E4}">
-                <adec:decorative xmlns="" xmlns:adec="http://schemas.microsoft.com/office/drawing/2017/decorative" val="1"/>
+                <adec:decorative xmlns:adec="http://schemas.microsoft.com/office/drawing/2017/decorative" val="1"/>
               </a:ext>
             </a:extLst>
           </p:cNvPr>
@@ -9813,7 +9669,7 @@
           <p:nvPr>
             <p:extLst>
               <p:ext uri="{386F3935-93C4-4BCD-93E2-E3B085C9AB24}">
-                <p16:designElem xmlns="" xmlns:p16="http://schemas.microsoft.com/office/powerpoint/2015/main" val="1"/>
+                <p16:designElem xmlns:p16="http://schemas.microsoft.com/office/powerpoint/2015/main" val="1"/>
               </p:ext>
             </p:extLst>
           </p:nvPr>
@@ -9940,10 +9796,10 @@
           <p:cNvPr id="75" name="Freeform: Shape 74">
             <a:extLst>
               <a:ext uri="{FF2B5EF4-FFF2-40B4-BE49-F238E27FC236}">
-                <a16:creationId xmlns="" xmlns:a16="http://schemas.microsoft.com/office/drawing/2014/main" id="{2E94A4F7-38E4-45EA-8E2E-CE1B5766B4F1}"/>
+                <a16:creationId xmlns:a16="http://schemas.microsoft.com/office/drawing/2014/main" id="{2E94A4F7-38E4-45EA-8E2E-CE1B5766B4F1}"/>
               </a:ext>
               <a:ext uri="{C183D7F6-B498-43B3-948B-1728B52AA6E4}">
-                <adec:decorative xmlns="" xmlns:adec="http://schemas.microsoft.com/office/drawing/2017/decorative" val="1"/>
+                <adec:decorative xmlns:adec="http://schemas.microsoft.com/office/drawing/2017/decorative" val="1"/>
               </a:ext>
             </a:extLst>
           </p:cNvPr>
@@ -9953,7 +9809,7 @@
           <p:nvPr>
             <p:extLst>
               <p:ext uri="{386F3935-93C4-4BCD-93E2-E3B085C9AB24}">
-                <p16:designElem xmlns="" xmlns:p16="http://schemas.microsoft.com/office/powerpoint/2015/main" val="1"/>
+                <p16:designElem xmlns:p16="http://schemas.microsoft.com/office/powerpoint/2015/main" val="1"/>
               </p:ext>
             </p:extLst>
           </p:nvPr>
@@ -10048,7 +9904,7 @@
           <p:cNvPr id="3" name="Content Placeholder 2">
             <a:extLst>
               <a:ext uri="{FF2B5EF4-FFF2-40B4-BE49-F238E27FC236}">
-                <a16:creationId xmlns="" xmlns:a16="http://schemas.microsoft.com/office/drawing/2014/main" id="{079BF112-FDD1-42F6-95B9-36FD43D06E72}"/>
+                <a16:creationId xmlns:a16="http://schemas.microsoft.com/office/drawing/2014/main" id="{079BF112-FDD1-42F6-95B9-36FD43D06E72}"/>
               </a:ext>
             </a:extLst>
           </p:cNvPr>
@@ -10071,7 +9927,7 @@
           </a:bodyPr>
           <a:lstStyle/>
           <a:p>
-            <a:endParaRPr lang="en-US" sz="2000" dirty="0" smtClean="0">
+            <a:endParaRPr lang="en-US" sz="2000" dirty="0">
               <a:solidFill>
                 <a:srgbClr val="FFFFFF"/>
               </a:solidFill>
@@ -10079,25 +9935,17 @@
           </a:p>
           <a:p>
             <a:r>
-              <a:rPr lang="en-US" sz="2000" dirty="0" smtClean="0">
+              <a:rPr lang="en-US" sz="2000" dirty="0">
                 <a:solidFill>
                   <a:srgbClr val="FFFFFF"/>
                 </a:solidFill>
               </a:rPr>
-              <a:t>This is the analysis </a:t>
+              <a:t>This is the analysis of a numerical and numerical variable </a:t>
             </a:r>
+          </a:p>
+          <a:p>
             <a:r>
-              <a:rPr lang="en-US" sz="2000" dirty="0" smtClean="0">
-                <a:solidFill>
-                  <a:srgbClr val="FFFFFF"/>
-                </a:solidFill>
-              </a:rPr>
-              <a:t>of a numerical and numerical variable </a:t>
-            </a:r>
-          </a:p>
-          <a:p>
-            <a:r>
-              <a:rPr lang="en-US" sz="2000" dirty="0" err="1" smtClean="0">
+              <a:rPr lang="en-US" sz="2000" dirty="0" err="1">
                 <a:solidFill>
                   <a:srgbClr val="FFFFFF"/>
                 </a:solidFill>
@@ -10105,7 +9953,7 @@
               <a:t>ScatterPlot</a:t>
             </a:r>
             <a:r>
-              <a:rPr lang="en-US" sz="2000" dirty="0" smtClean="0">
+              <a:rPr lang="en-US" sz="2000" dirty="0">
                 <a:solidFill>
                   <a:srgbClr val="FFFFFF"/>
                 </a:solidFill>
@@ -10115,18 +9963,13 @@
           </a:p>
           <a:p>
             <a:r>
-              <a:rPr lang="en-US" sz="2000" dirty="0" smtClean="0">
+              <a:rPr lang="en-US" sz="2000" dirty="0">
                 <a:solidFill>
                   <a:srgbClr val="FFFFFF"/>
                 </a:solidFill>
               </a:rPr>
               <a:t>There are few outliers in the scatter plot of the Target 0 between credit amount and annuity amount.</a:t>
             </a:r>
-            <a:endParaRPr lang="en-US" sz="2000" dirty="0">
-              <a:solidFill>
-                <a:srgbClr val="FFFFFF"/>
-              </a:solidFill>
-            </a:endParaRPr>
           </a:p>
         </p:txBody>
       </p:sp>
@@ -10197,7 +10040,7 @@
           <p:cNvPr id="2" name="Title 1">
             <a:extLst>
               <a:ext uri="{FF2B5EF4-FFF2-40B4-BE49-F238E27FC236}">
-                <a16:creationId xmlns="" xmlns:a16="http://schemas.microsoft.com/office/drawing/2014/main" id="{F2484B18-58F6-4BA3-B8E2-2B7F6EDC5000}"/>
+                <a16:creationId xmlns:a16="http://schemas.microsoft.com/office/drawing/2014/main" id="{F2484B18-58F6-4BA3-B8E2-2B7F6EDC5000}"/>
               </a:ext>
             </a:extLst>
           </p:cNvPr>
@@ -10222,13 +10065,8 @@
           <a:p>
             <a:r>
               <a:rPr lang="en-US" sz="3700" dirty="0"/>
-              <a:t>Education Status VS </a:t>
+              <a:t>Education Status VS Amount Goods Loan </a:t>
             </a:r>
-            <a:r>
-              <a:rPr lang="en-US" sz="3700" dirty="0" smtClean="0"/>
-              <a:t>Amount Goods Loan </a:t>
-            </a:r>
-            <a:endParaRPr lang="en-US" sz="3700" dirty="0"/>
           </a:p>
         </p:txBody>
       </p:sp>
@@ -10237,10 +10075,10 @@
           <p:cNvPr id="73" name="Freeform: Shape 72">
             <a:extLst>
               <a:ext uri="{FF2B5EF4-FFF2-40B4-BE49-F238E27FC236}">
-                <a16:creationId xmlns="" xmlns:a16="http://schemas.microsoft.com/office/drawing/2014/main" id="{40BF962F-4C6F-461E-86F2-C43F56CC939B}"/>
+                <a16:creationId xmlns:a16="http://schemas.microsoft.com/office/drawing/2014/main" id="{40BF962F-4C6F-461E-86F2-C43F56CC939B}"/>
               </a:ext>
               <a:ext uri="{C183D7F6-B498-43B3-948B-1728B52AA6E4}">
-                <adec:decorative xmlns="" xmlns:adec="http://schemas.microsoft.com/office/drawing/2017/decorative" val="1"/>
+                <adec:decorative xmlns:adec="http://schemas.microsoft.com/office/drawing/2017/decorative" val="1"/>
               </a:ext>
             </a:extLst>
           </p:cNvPr>
@@ -10250,7 +10088,7 @@
           <p:nvPr>
             <p:extLst>
               <p:ext uri="{386F3935-93C4-4BCD-93E2-E3B085C9AB24}">
-                <p16:designElem xmlns="" xmlns:p16="http://schemas.microsoft.com/office/powerpoint/2015/main" val="1"/>
+                <p16:designElem xmlns:p16="http://schemas.microsoft.com/office/powerpoint/2015/main" val="1"/>
               </p:ext>
             </p:extLst>
           </p:nvPr>
@@ -10377,10 +10215,10 @@
           <p:cNvPr id="75" name="Freeform: Shape 74">
             <a:extLst>
               <a:ext uri="{FF2B5EF4-FFF2-40B4-BE49-F238E27FC236}">
-                <a16:creationId xmlns="" xmlns:a16="http://schemas.microsoft.com/office/drawing/2014/main" id="{2E94A4F7-38E4-45EA-8E2E-CE1B5766B4F1}"/>
+                <a16:creationId xmlns:a16="http://schemas.microsoft.com/office/drawing/2014/main" id="{2E94A4F7-38E4-45EA-8E2E-CE1B5766B4F1}"/>
               </a:ext>
               <a:ext uri="{C183D7F6-B498-43B3-948B-1728B52AA6E4}">
-                <adec:decorative xmlns="" xmlns:adec="http://schemas.microsoft.com/office/drawing/2017/decorative" val="1"/>
+                <adec:decorative xmlns:adec="http://schemas.microsoft.com/office/drawing/2017/decorative" val="1"/>
               </a:ext>
             </a:extLst>
           </p:cNvPr>
@@ -10390,7 +10228,7 @@
           <p:nvPr>
             <p:extLst>
               <p:ext uri="{386F3935-93C4-4BCD-93E2-E3B085C9AB24}">
-                <p16:designElem xmlns="" xmlns:p16="http://schemas.microsoft.com/office/powerpoint/2015/main" val="1"/>
+                <p16:designElem xmlns:p16="http://schemas.microsoft.com/office/powerpoint/2015/main" val="1"/>
               </p:ext>
             </p:extLst>
           </p:nvPr>
@@ -10485,7 +10323,7 @@
           <p:cNvPr id="3" name="Content Placeholder 2">
             <a:extLst>
               <a:ext uri="{FF2B5EF4-FFF2-40B4-BE49-F238E27FC236}">
-                <a16:creationId xmlns="" xmlns:a16="http://schemas.microsoft.com/office/drawing/2014/main" id="{079BF112-FDD1-42F6-95B9-36FD43D06E72}"/>
+                <a16:creationId xmlns:a16="http://schemas.microsoft.com/office/drawing/2014/main" id="{079BF112-FDD1-42F6-95B9-36FD43D06E72}"/>
               </a:ext>
             </a:extLst>
           </p:cNvPr>
@@ -10514,20 +10352,12 @@
                   <a:srgbClr val="FFFFFF"/>
                 </a:solidFill>
               </a:rPr>
-              <a:t>Performing categorical </a:t>
+              <a:t>Performing categorical vs categorical variable </a:t>
             </a:r>
+          </a:p>
+          <a:p>
             <a:r>
-              <a:rPr lang="en-US" sz="2000" dirty="0" smtClean="0">
-                <a:solidFill>
-                  <a:srgbClr val="FFFFFF"/>
-                </a:solidFill>
-              </a:rPr>
-              <a:t>vs categorical variable </a:t>
-            </a:r>
-          </a:p>
-          <a:p>
-            <a:r>
-              <a:rPr lang="en-US" sz="2000" dirty="0" smtClean="0">
+              <a:rPr lang="en-US" sz="2000" dirty="0">
                 <a:solidFill>
                   <a:srgbClr val="FFFFFF"/>
                 </a:solidFill>
@@ -10537,7 +10367,7 @@
           </a:p>
           <a:p>
             <a:r>
-              <a:rPr lang="en-US" sz="2000" dirty="0" smtClean="0">
+              <a:rPr lang="en-US" sz="2000" dirty="0">
                 <a:solidFill>
                   <a:srgbClr val="FFFFFF"/>
                 </a:solidFill>
@@ -10547,7 +10377,7 @@
           </a:p>
           <a:p>
             <a:r>
-              <a:rPr lang="en-US" sz="2000" dirty="0" smtClean="0">
+              <a:rPr lang="en-US" sz="2000" dirty="0">
                 <a:solidFill>
                   <a:srgbClr val="FFFFFF"/>
                 </a:solidFill>
@@ -10557,7 +10387,7 @@
           </a:p>
           <a:p>
             <a:r>
-              <a:rPr lang="en-US" sz="2000" dirty="0" smtClean="0">
+              <a:rPr lang="en-US" sz="2000" dirty="0">
                 <a:solidFill>
                   <a:srgbClr val="FFFFFF"/>
                 </a:solidFill>
@@ -10641,7 +10471,7 @@
           <p:cNvPr id="2" name="Title 1">
             <a:extLst>
               <a:ext uri="{FF2B5EF4-FFF2-40B4-BE49-F238E27FC236}">
-                <a16:creationId xmlns="" xmlns:a16="http://schemas.microsoft.com/office/drawing/2014/main" id="{B3A09DF8-4865-4CCA-B370-F6F14307BA48}"/>
+                <a16:creationId xmlns:a16="http://schemas.microsoft.com/office/drawing/2014/main" id="{B3A09DF8-4865-4CCA-B370-F6F14307BA48}"/>
               </a:ext>
             </a:extLst>
           </p:cNvPr>
@@ -10676,10 +10506,10 @@
           <p:cNvPr id="8" name="Freeform: Shape 7">
             <a:extLst>
               <a:ext uri="{FF2B5EF4-FFF2-40B4-BE49-F238E27FC236}">
-                <a16:creationId xmlns="" xmlns:a16="http://schemas.microsoft.com/office/drawing/2014/main" id="{7CB4857B-ED7C-444D-9F04-2F885114A1C2}"/>
+                <a16:creationId xmlns:a16="http://schemas.microsoft.com/office/drawing/2014/main" id="{7CB4857B-ED7C-444D-9F04-2F885114A1C2}"/>
               </a:ext>
               <a:ext uri="{C183D7F6-B498-43B3-948B-1728B52AA6E4}">
-                <adec:decorative xmlns="" xmlns:adec="http://schemas.microsoft.com/office/drawing/2017/decorative" val="1"/>
+                <adec:decorative xmlns:adec="http://schemas.microsoft.com/office/drawing/2017/decorative" val="1"/>
               </a:ext>
             </a:extLst>
           </p:cNvPr>
@@ -10689,7 +10519,7 @@
           <p:nvPr>
             <p:extLst>
               <p:ext uri="{386F3935-93C4-4BCD-93E2-E3B085C9AB24}">
-                <p16:designElem xmlns="" xmlns:p16="http://schemas.microsoft.com/office/powerpoint/2015/main" val="1"/>
+                <p16:designElem xmlns:p16="http://schemas.microsoft.com/office/powerpoint/2015/main" val="1"/>
               </p:ext>
             </p:extLst>
           </p:nvPr>
@@ -10784,10 +10614,10 @@
           <p:cNvPr id="10" name="Freeform: Shape 9">
             <a:extLst>
               <a:ext uri="{FF2B5EF4-FFF2-40B4-BE49-F238E27FC236}">
-                <a16:creationId xmlns="" xmlns:a16="http://schemas.microsoft.com/office/drawing/2014/main" id="{D18046FB-44EA-4FD8-A585-EA09A319B2D0}"/>
+                <a16:creationId xmlns:a16="http://schemas.microsoft.com/office/drawing/2014/main" id="{D18046FB-44EA-4FD8-A585-EA09A319B2D0}"/>
               </a:ext>
               <a:ext uri="{C183D7F6-B498-43B3-948B-1728B52AA6E4}">
-                <adec:decorative xmlns="" xmlns:adec="http://schemas.microsoft.com/office/drawing/2017/decorative" val="1"/>
+                <adec:decorative xmlns:adec="http://schemas.microsoft.com/office/drawing/2017/decorative" val="1"/>
               </a:ext>
             </a:extLst>
           </p:cNvPr>
@@ -10797,7 +10627,7 @@
           <p:nvPr>
             <p:extLst>
               <p:ext uri="{386F3935-93C4-4BCD-93E2-E3B085C9AB24}">
-                <p16:designElem xmlns="" xmlns:p16="http://schemas.microsoft.com/office/powerpoint/2015/main" val="1"/>
+                <p16:designElem xmlns:p16="http://schemas.microsoft.com/office/powerpoint/2015/main" val="1"/>
               </p:ext>
             </p:extLst>
           </p:nvPr>
@@ -11046,10 +10876,10 @@
           <p:cNvPr id="12" name="Freeform: Shape 11">
             <a:extLst>
               <a:ext uri="{FF2B5EF4-FFF2-40B4-BE49-F238E27FC236}">
-                <a16:creationId xmlns="" xmlns:a16="http://schemas.microsoft.com/office/drawing/2014/main" id="{479F5F2B-8B58-4140-AE6A-51F6C67B18D9}"/>
+                <a16:creationId xmlns:a16="http://schemas.microsoft.com/office/drawing/2014/main" id="{479F5F2B-8B58-4140-AE6A-51F6C67B18D9}"/>
               </a:ext>
               <a:ext uri="{C183D7F6-B498-43B3-948B-1728B52AA6E4}">
-                <adec:decorative xmlns="" xmlns:adec="http://schemas.microsoft.com/office/drawing/2017/decorative" val="1"/>
+                <adec:decorative xmlns:adec="http://schemas.microsoft.com/office/drawing/2017/decorative" val="1"/>
               </a:ext>
             </a:extLst>
           </p:cNvPr>
@@ -11059,7 +10889,7 @@
           <p:nvPr>
             <p:extLst>
               <p:ext uri="{386F3935-93C4-4BCD-93E2-E3B085C9AB24}">
-                <p16:designElem xmlns="" xmlns:p16="http://schemas.microsoft.com/office/powerpoint/2015/main" val="1"/>
+                <p16:designElem xmlns:p16="http://schemas.microsoft.com/office/powerpoint/2015/main" val="1"/>
               </p:ext>
             </p:extLst>
           </p:nvPr>
@@ -11146,7 +10976,7 @@
           <p:cNvPr id="3" name="Content Placeholder 2">
             <a:extLst>
               <a:ext uri="{FF2B5EF4-FFF2-40B4-BE49-F238E27FC236}">
-                <a16:creationId xmlns="" xmlns:a16="http://schemas.microsoft.com/office/drawing/2014/main" id="{059A0788-7DD6-46B6-99A3-893A0248E6F8}"/>
+                <a16:creationId xmlns:a16="http://schemas.microsoft.com/office/drawing/2014/main" id="{059A0788-7DD6-46B6-99A3-893A0248E6F8}"/>
               </a:ext>
             </a:extLst>
           </p:cNvPr>
@@ -11170,28 +11000,27 @@
           <a:lstStyle/>
           <a:p>
             <a:r>
-              <a:rPr lang="en-US" sz="2400" dirty="0" smtClean="0"/>
+              <a:rPr lang="en-US" sz="2400" dirty="0"/>
               <a:t>Performing analysis of categorical and numerical variables.</a:t>
             </a:r>
           </a:p>
           <a:p>
             <a:r>
-              <a:rPr lang="en-US" sz="2400" dirty="0" smtClean="0"/>
+              <a:rPr lang="en-US" sz="2400" dirty="0"/>
               <a:t>Target 1 – Graph 1</a:t>
             </a:r>
           </a:p>
           <a:p>
             <a:r>
-              <a:rPr lang="en-US" sz="2400" dirty="0" smtClean="0"/>
+              <a:rPr lang="en-US" sz="2400" dirty="0"/>
               <a:t>Target 0 – Graph 2</a:t>
             </a:r>
           </a:p>
           <a:p>
             <a:r>
-              <a:rPr lang="en-US" sz="2400" dirty="0" smtClean="0"/>
+              <a:rPr lang="en-US" sz="2400" dirty="0"/>
               <a:t>The following boxplot says that academic degree holders more ratio of defaulters than any other category.</a:t>
             </a:r>
-            <a:endParaRPr lang="en-US" sz="2400" dirty="0" smtClean="0"/>
           </a:p>
           <a:p>
             <a:endParaRPr lang="en-US" sz="2400" dirty="0"/>
@@ -11289,7 +11118,7 @@
           <p:cNvPr id="2" name="Title 1">
             <a:extLst>
               <a:ext uri="{FF2B5EF4-FFF2-40B4-BE49-F238E27FC236}">
-                <a16:creationId xmlns="" xmlns:a16="http://schemas.microsoft.com/office/drawing/2014/main" id="{B3A09DF8-4865-4CCA-B370-F6F14307BA48}"/>
+                <a16:creationId xmlns:a16="http://schemas.microsoft.com/office/drawing/2014/main" id="{B3A09DF8-4865-4CCA-B370-F6F14307BA48}"/>
               </a:ext>
             </a:extLst>
           </p:cNvPr>
@@ -11313,10 +11142,9 @@
           <a:lstStyle/>
           <a:p>
             <a:r>
-              <a:rPr lang="en-US" dirty="0" smtClean="0"/>
+              <a:rPr lang="en-US" dirty="0"/>
               <a:t>Correlation Matrix of Target 0</a:t>
             </a:r>
-            <a:endParaRPr lang="en-US" dirty="0"/>
           </a:p>
         </p:txBody>
       </p:sp>
@@ -11325,10 +11153,10 @@
           <p:cNvPr id="8" name="Freeform: Shape 7">
             <a:extLst>
               <a:ext uri="{FF2B5EF4-FFF2-40B4-BE49-F238E27FC236}">
-                <a16:creationId xmlns="" xmlns:a16="http://schemas.microsoft.com/office/drawing/2014/main" id="{7CB4857B-ED7C-444D-9F04-2F885114A1C2}"/>
+                <a16:creationId xmlns:a16="http://schemas.microsoft.com/office/drawing/2014/main" id="{7CB4857B-ED7C-444D-9F04-2F885114A1C2}"/>
               </a:ext>
               <a:ext uri="{C183D7F6-B498-43B3-948B-1728B52AA6E4}">
-                <adec:decorative xmlns="" xmlns:adec="http://schemas.microsoft.com/office/drawing/2017/decorative" val="1"/>
+                <adec:decorative xmlns:adec="http://schemas.microsoft.com/office/drawing/2017/decorative" val="1"/>
               </a:ext>
             </a:extLst>
           </p:cNvPr>
@@ -11338,7 +11166,7 @@
           <p:nvPr>
             <p:extLst>
               <p:ext uri="{386F3935-93C4-4BCD-93E2-E3B085C9AB24}">
-                <p16:designElem xmlns="" xmlns:p16="http://schemas.microsoft.com/office/powerpoint/2015/main" val="1"/>
+                <p16:designElem xmlns:p16="http://schemas.microsoft.com/office/powerpoint/2015/main" val="1"/>
               </p:ext>
             </p:extLst>
           </p:nvPr>
@@ -11433,10 +11261,10 @@
           <p:cNvPr id="10" name="Freeform: Shape 9">
             <a:extLst>
               <a:ext uri="{FF2B5EF4-FFF2-40B4-BE49-F238E27FC236}">
-                <a16:creationId xmlns="" xmlns:a16="http://schemas.microsoft.com/office/drawing/2014/main" id="{D18046FB-44EA-4FD8-A585-EA09A319B2D0}"/>
+                <a16:creationId xmlns:a16="http://schemas.microsoft.com/office/drawing/2014/main" id="{D18046FB-44EA-4FD8-A585-EA09A319B2D0}"/>
               </a:ext>
               <a:ext uri="{C183D7F6-B498-43B3-948B-1728B52AA6E4}">
-                <adec:decorative xmlns="" xmlns:adec="http://schemas.microsoft.com/office/drawing/2017/decorative" val="1"/>
+                <adec:decorative xmlns:adec="http://schemas.microsoft.com/office/drawing/2017/decorative" val="1"/>
               </a:ext>
             </a:extLst>
           </p:cNvPr>
@@ -11446,7 +11274,7 @@
           <p:nvPr>
             <p:extLst>
               <p:ext uri="{386F3935-93C4-4BCD-93E2-E3B085C9AB24}">
-                <p16:designElem xmlns="" xmlns:p16="http://schemas.microsoft.com/office/powerpoint/2015/main" val="1"/>
+                <p16:designElem xmlns:p16="http://schemas.microsoft.com/office/powerpoint/2015/main" val="1"/>
               </p:ext>
             </p:extLst>
           </p:nvPr>
@@ -11695,10 +11523,10 @@
           <p:cNvPr id="12" name="Freeform: Shape 11">
             <a:extLst>
               <a:ext uri="{FF2B5EF4-FFF2-40B4-BE49-F238E27FC236}">
-                <a16:creationId xmlns="" xmlns:a16="http://schemas.microsoft.com/office/drawing/2014/main" id="{479F5F2B-8B58-4140-AE6A-51F6C67B18D9}"/>
+                <a16:creationId xmlns:a16="http://schemas.microsoft.com/office/drawing/2014/main" id="{479F5F2B-8B58-4140-AE6A-51F6C67B18D9}"/>
               </a:ext>
               <a:ext uri="{C183D7F6-B498-43B3-948B-1728B52AA6E4}">
-                <adec:decorative xmlns="" xmlns:adec="http://schemas.microsoft.com/office/drawing/2017/decorative" val="1"/>
+                <adec:decorative xmlns:adec="http://schemas.microsoft.com/office/drawing/2017/decorative" val="1"/>
               </a:ext>
             </a:extLst>
           </p:cNvPr>
@@ -11708,7 +11536,7 @@
           <p:nvPr>
             <p:extLst>
               <p:ext uri="{386F3935-93C4-4BCD-93E2-E3B085C9AB24}">
-                <p16:designElem xmlns="" xmlns:p16="http://schemas.microsoft.com/office/powerpoint/2015/main" val="1"/>
+                <p16:designElem xmlns:p16="http://schemas.microsoft.com/office/powerpoint/2015/main" val="1"/>
               </p:ext>
             </p:extLst>
           </p:nvPr>
@@ -11795,7 +11623,7 @@
           <p:cNvPr id="3" name="Content Placeholder 2">
             <a:extLst>
               <a:ext uri="{FF2B5EF4-FFF2-40B4-BE49-F238E27FC236}">
-                <a16:creationId xmlns="" xmlns:a16="http://schemas.microsoft.com/office/drawing/2014/main" id="{059A0788-7DD6-46B6-99A3-893A0248E6F8}"/>
+                <a16:creationId xmlns:a16="http://schemas.microsoft.com/office/drawing/2014/main" id="{059A0788-7DD6-46B6-99A3-893A0248E6F8}"/>
               </a:ext>
             </a:extLst>
           </p:cNvPr>
@@ -11819,28 +11647,17 @@
           <a:lstStyle/>
           <a:p>
             <a:r>
-              <a:rPr lang="en-US" sz="2400" dirty="0" smtClean="0"/>
+              <a:rPr lang="en-US" sz="2400" dirty="0"/>
               <a:t>Observations from the matrix </a:t>
             </a:r>
           </a:p>
           <a:p>
             <a:r>
-              <a:rPr lang="en-US" sz="2400" dirty="0" smtClean="0"/>
+              <a:rPr lang="en-US" sz="2400" dirty="0"/>
               <a:t>Less children having clients live in densely populated areas.</a:t>
             </a:r>
           </a:p>
           <a:p>
-            <a:r>
-              <a:rPr lang="en-US" sz="2400" dirty="0" smtClean="0">
-                <a:solidFill>
-                  <a:schemeClr val="tx1">
-                    <a:lumMod val="95000"/>
-                    <a:lumOff val="5000"/>
-                  </a:schemeClr>
-                </a:solidFill>
-              </a:rPr>
-              <a:t>Credit </a:t>
-            </a:r>
             <a:r>
               <a:rPr lang="en-US" sz="2400" dirty="0">
                 <a:solidFill>
@@ -11850,23 +11667,12 @@
                   </a:schemeClr>
                 </a:solidFill>
               </a:rPr>
-              <a:t>amount is inversely proportional to the number of children client have, means Credit amount is higher for less children count client have and </a:t>
+              <a:t>Credit amount is inversely proportional to the number of children client have, means Credit amount is higher for less children count client have and vice-versa</a:t>
             </a:r>
+          </a:p>
+          <a:p>
             <a:r>
-              <a:rPr lang="en-US" sz="2400" dirty="0" smtClean="0">
-                <a:solidFill>
-                  <a:schemeClr val="tx1">
-                    <a:lumMod val="95000"/>
-                    <a:lumOff val="5000"/>
-                  </a:schemeClr>
-                </a:solidFill>
-              </a:rPr>
-              <a:t>vice-versa</a:t>
-            </a:r>
-          </a:p>
-          <a:p>
-            <a:r>
-              <a:rPr lang="en-US" sz="2400" dirty="0" smtClean="0">
+              <a:rPr lang="en-US" sz="2400" dirty="0">
                 <a:solidFill>
                   <a:schemeClr val="tx1">
                     <a:lumMod val="95000"/>
@@ -11876,14 +11682,6 @@
               </a:rPr>
               <a:t>Income amount is inversely proportional to the age of the person (i.e. DAYS_BIRTH)</a:t>
             </a:r>
-            <a:endParaRPr lang="en-US" sz="2400" dirty="0">
-              <a:solidFill>
-                <a:schemeClr val="tx1">
-                  <a:lumMod val="95000"/>
-                  <a:lumOff val="5000"/>
-                </a:schemeClr>
-              </a:solidFill>
-            </a:endParaRPr>
           </a:p>
         </p:txBody>
       </p:sp>
@@ -11892,7 +11690,7 @@
           <p:cNvPr id="9" name="Picture 2">
             <a:extLst>
               <a:ext uri="{FF2B5EF4-FFF2-40B4-BE49-F238E27FC236}">
-                <a16:creationId xmlns="" xmlns:a16="http://schemas.microsoft.com/office/drawing/2014/main" id="{F17070F8-4910-4333-A418-F28646565D6B}"/>
+                <a16:creationId xmlns:a16="http://schemas.microsoft.com/office/drawing/2014/main" id="{F17070F8-4910-4333-A418-F28646565D6B}"/>
               </a:ext>
             </a:extLst>
           </p:cNvPr>
@@ -11977,7 +11775,7 @@
           <p:cNvPr id="2" name="Title 1">
             <a:extLst>
               <a:ext uri="{FF2B5EF4-FFF2-40B4-BE49-F238E27FC236}">
-                <a16:creationId xmlns="" xmlns:a16="http://schemas.microsoft.com/office/drawing/2014/main" id="{B3A09DF8-4865-4CCA-B370-F6F14307BA48}"/>
+                <a16:creationId xmlns:a16="http://schemas.microsoft.com/office/drawing/2014/main" id="{B3A09DF8-4865-4CCA-B370-F6F14307BA48}"/>
               </a:ext>
             </a:extLst>
           </p:cNvPr>
@@ -12001,10 +11799,9 @@
           <a:lstStyle/>
           <a:p>
             <a:r>
-              <a:rPr lang="en-US" dirty="0" smtClean="0"/>
+              <a:rPr lang="en-US" dirty="0"/>
               <a:t>Correlation Matrix of Target 1</a:t>
             </a:r>
-            <a:endParaRPr lang="en-US" dirty="0"/>
           </a:p>
         </p:txBody>
       </p:sp>
@@ -12013,10 +11810,10 @@
           <p:cNvPr id="8" name="Freeform: Shape 7">
             <a:extLst>
               <a:ext uri="{FF2B5EF4-FFF2-40B4-BE49-F238E27FC236}">
-                <a16:creationId xmlns="" xmlns:a16="http://schemas.microsoft.com/office/drawing/2014/main" id="{7CB4857B-ED7C-444D-9F04-2F885114A1C2}"/>
+                <a16:creationId xmlns:a16="http://schemas.microsoft.com/office/drawing/2014/main" id="{7CB4857B-ED7C-444D-9F04-2F885114A1C2}"/>
               </a:ext>
               <a:ext uri="{C183D7F6-B498-43B3-948B-1728B52AA6E4}">
-                <adec:decorative xmlns="" xmlns:adec="http://schemas.microsoft.com/office/drawing/2017/decorative" val="1"/>
+                <adec:decorative xmlns:adec="http://schemas.microsoft.com/office/drawing/2017/decorative" val="1"/>
               </a:ext>
             </a:extLst>
           </p:cNvPr>
@@ -12026,7 +11823,7 @@
           <p:nvPr>
             <p:extLst>
               <p:ext uri="{386F3935-93C4-4BCD-93E2-E3B085C9AB24}">
-                <p16:designElem xmlns="" xmlns:p16="http://schemas.microsoft.com/office/powerpoint/2015/main" val="1"/>
+                <p16:designElem xmlns:p16="http://schemas.microsoft.com/office/powerpoint/2015/main" val="1"/>
               </p:ext>
             </p:extLst>
           </p:nvPr>
@@ -12121,10 +11918,10 @@
           <p:cNvPr id="10" name="Freeform: Shape 9">
             <a:extLst>
               <a:ext uri="{FF2B5EF4-FFF2-40B4-BE49-F238E27FC236}">
-                <a16:creationId xmlns="" xmlns:a16="http://schemas.microsoft.com/office/drawing/2014/main" id="{D18046FB-44EA-4FD8-A585-EA09A319B2D0}"/>
+                <a16:creationId xmlns:a16="http://schemas.microsoft.com/office/drawing/2014/main" id="{D18046FB-44EA-4FD8-A585-EA09A319B2D0}"/>
               </a:ext>
               <a:ext uri="{C183D7F6-B498-43B3-948B-1728B52AA6E4}">
-                <adec:decorative xmlns="" xmlns:adec="http://schemas.microsoft.com/office/drawing/2017/decorative" val="1"/>
+                <adec:decorative xmlns:adec="http://schemas.microsoft.com/office/drawing/2017/decorative" val="1"/>
               </a:ext>
             </a:extLst>
           </p:cNvPr>
@@ -12134,7 +11931,7 @@
           <p:nvPr>
             <p:extLst>
               <p:ext uri="{386F3935-93C4-4BCD-93E2-E3B085C9AB24}">
-                <p16:designElem xmlns="" xmlns:p16="http://schemas.microsoft.com/office/powerpoint/2015/main" val="1"/>
+                <p16:designElem xmlns:p16="http://schemas.microsoft.com/office/powerpoint/2015/main" val="1"/>
               </p:ext>
             </p:extLst>
           </p:nvPr>
@@ -12383,10 +12180,10 @@
           <p:cNvPr id="12" name="Freeform: Shape 11">
             <a:extLst>
               <a:ext uri="{FF2B5EF4-FFF2-40B4-BE49-F238E27FC236}">
-                <a16:creationId xmlns="" xmlns:a16="http://schemas.microsoft.com/office/drawing/2014/main" id="{479F5F2B-8B58-4140-AE6A-51F6C67B18D9}"/>
+                <a16:creationId xmlns:a16="http://schemas.microsoft.com/office/drawing/2014/main" id="{479F5F2B-8B58-4140-AE6A-51F6C67B18D9}"/>
               </a:ext>
               <a:ext uri="{C183D7F6-B498-43B3-948B-1728B52AA6E4}">
-                <adec:decorative xmlns="" xmlns:adec="http://schemas.microsoft.com/office/drawing/2017/decorative" val="1"/>
+                <adec:decorative xmlns:adec="http://schemas.microsoft.com/office/drawing/2017/decorative" val="1"/>
               </a:ext>
             </a:extLst>
           </p:cNvPr>
@@ -12396,7 +12193,7 @@
           <p:nvPr>
             <p:extLst>
               <p:ext uri="{386F3935-93C4-4BCD-93E2-E3B085C9AB24}">
-                <p16:designElem xmlns="" xmlns:p16="http://schemas.microsoft.com/office/powerpoint/2015/main" val="1"/>
+                <p16:designElem xmlns:p16="http://schemas.microsoft.com/office/powerpoint/2015/main" val="1"/>
               </p:ext>
             </p:extLst>
           </p:nvPr>
@@ -12483,7 +12280,7 @@
           <p:cNvPr id="3" name="Content Placeholder 2">
             <a:extLst>
               <a:ext uri="{FF2B5EF4-FFF2-40B4-BE49-F238E27FC236}">
-                <a16:creationId xmlns="" xmlns:a16="http://schemas.microsoft.com/office/drawing/2014/main" id="{059A0788-7DD6-46B6-99A3-893A0248E6F8}"/>
+                <a16:creationId xmlns:a16="http://schemas.microsoft.com/office/drawing/2014/main" id="{059A0788-7DD6-46B6-99A3-893A0248E6F8}"/>
               </a:ext>
             </a:extLst>
           </p:cNvPr>
@@ -12507,44 +12304,35 @@
           <a:lstStyle/>
           <a:p>
             <a:r>
-              <a:rPr lang="en-US" sz="2400" dirty="0" smtClean="0"/>
+              <a:rPr lang="en-US" sz="2400" dirty="0"/>
               <a:t>Observations from the matrix </a:t>
             </a:r>
           </a:p>
           <a:p>
             <a:r>
-              <a:rPr lang="en-US" sz="2400" dirty="0" smtClean="0"/>
+              <a:rPr lang="en-US" sz="2400" dirty="0"/>
               <a:t>Income amount is inversely proportional to the age of the loan holder.</a:t>
             </a:r>
           </a:p>
           <a:p>
             <a:r>
-              <a:rPr lang="en-US" sz="2400" dirty="0" smtClean="0"/>
-              <a:t>Credit amount and Annuity Amount is almost related to each </a:t>
+              <a:rPr lang="en-US" sz="2400" dirty="0"/>
+              <a:t>Credit amount and Annuity Amount is almost related to each other.</a:t>
+            </a:r>
+          </a:p>
+          <a:p>
+            <a:r>
+              <a:rPr lang="en-US" sz="2400" dirty="0"/>
+              <a:t>Children Count and age is inversely </a:t>
+            </a:r>
+            <a:r>
+              <a:rPr lang="en-US" sz="2400" dirty="0" err="1"/>
+              <a:t>propotional</a:t>
             </a:r>
             <a:r>
               <a:rPr lang="en-US" sz="2400" dirty="0"/>
-              <a:t>o</a:t>
-            </a:r>
-            <a:r>
-              <a:rPr lang="en-US" sz="2400" dirty="0" smtClean="0"/>
-              <a:t>ther.</a:t>
-            </a:r>
-          </a:p>
-          <a:p>
-            <a:r>
-              <a:rPr lang="en-US" sz="2400" dirty="0" smtClean="0"/>
-              <a:t>Children Count and age is inversely </a:t>
-            </a:r>
-            <a:r>
-              <a:rPr lang="en-US" sz="2400" dirty="0" err="1" smtClean="0"/>
-              <a:t>propotional</a:t>
-            </a:r>
-            <a:r>
-              <a:rPr lang="en-US" sz="2400" dirty="0" smtClean="0"/>
               <a:t>.</a:t>
             </a:r>
-            <a:endParaRPr lang="en-US" sz="2400" dirty="0" smtClean="0"/>
           </a:p>
         </p:txBody>
       </p:sp>
@@ -12615,7 +12403,7 @@
           <p:cNvPr id="2" name="Title 1">
             <a:extLst>
               <a:ext uri="{FF2B5EF4-FFF2-40B4-BE49-F238E27FC236}">
-                <a16:creationId xmlns="" xmlns:a16="http://schemas.microsoft.com/office/drawing/2014/main" id="{B3A09DF8-4865-4CCA-B370-F6F14307BA48}"/>
+                <a16:creationId xmlns:a16="http://schemas.microsoft.com/office/drawing/2014/main" id="{B3A09DF8-4865-4CCA-B370-F6F14307BA48}"/>
               </a:ext>
             </a:extLst>
           </p:cNvPr>
@@ -12639,10 +12427,9 @@
           <a:lstStyle/>
           <a:p>
             <a:r>
-              <a:rPr lang="en-US" sz="6000" dirty="0" smtClean="0"/>
+              <a:rPr lang="en-US" sz="6000" dirty="0"/>
               <a:t>Merged Data Set</a:t>
             </a:r>
-            <a:endParaRPr lang="en-US" sz="6000" dirty="0"/>
           </a:p>
         </p:txBody>
       </p:sp>
@@ -12651,10 +12438,10 @@
           <p:cNvPr id="8" name="Freeform: Shape 7">
             <a:extLst>
               <a:ext uri="{FF2B5EF4-FFF2-40B4-BE49-F238E27FC236}">
-                <a16:creationId xmlns="" xmlns:a16="http://schemas.microsoft.com/office/drawing/2014/main" id="{7CB4857B-ED7C-444D-9F04-2F885114A1C2}"/>
+                <a16:creationId xmlns:a16="http://schemas.microsoft.com/office/drawing/2014/main" id="{7CB4857B-ED7C-444D-9F04-2F885114A1C2}"/>
               </a:ext>
               <a:ext uri="{C183D7F6-B498-43B3-948B-1728B52AA6E4}">
-                <adec:decorative xmlns="" xmlns:adec="http://schemas.microsoft.com/office/drawing/2017/decorative" val="1"/>
+                <adec:decorative xmlns:adec="http://schemas.microsoft.com/office/drawing/2017/decorative" val="1"/>
               </a:ext>
             </a:extLst>
           </p:cNvPr>
@@ -12664,7 +12451,7 @@
           <p:nvPr>
             <p:extLst>
               <p:ext uri="{386F3935-93C4-4BCD-93E2-E3B085C9AB24}">
-                <p16:designElem xmlns="" xmlns:p16="http://schemas.microsoft.com/office/powerpoint/2015/main" val="1"/>
+                <p16:designElem xmlns:p16="http://schemas.microsoft.com/office/powerpoint/2015/main" val="1"/>
               </p:ext>
             </p:extLst>
           </p:nvPr>
@@ -12759,10 +12546,10 @@
           <p:cNvPr id="10" name="Freeform: Shape 9">
             <a:extLst>
               <a:ext uri="{FF2B5EF4-FFF2-40B4-BE49-F238E27FC236}">
-                <a16:creationId xmlns="" xmlns:a16="http://schemas.microsoft.com/office/drawing/2014/main" id="{D18046FB-44EA-4FD8-A585-EA09A319B2D0}"/>
+                <a16:creationId xmlns:a16="http://schemas.microsoft.com/office/drawing/2014/main" id="{D18046FB-44EA-4FD8-A585-EA09A319B2D0}"/>
               </a:ext>
               <a:ext uri="{C183D7F6-B498-43B3-948B-1728B52AA6E4}">
-                <adec:decorative xmlns="" xmlns:adec="http://schemas.microsoft.com/office/drawing/2017/decorative" val="1"/>
+                <adec:decorative xmlns:adec="http://schemas.microsoft.com/office/drawing/2017/decorative" val="1"/>
               </a:ext>
             </a:extLst>
           </p:cNvPr>
@@ -12772,7 +12559,7 @@
           <p:nvPr>
             <p:extLst>
               <p:ext uri="{386F3935-93C4-4BCD-93E2-E3B085C9AB24}">
-                <p16:designElem xmlns="" xmlns:p16="http://schemas.microsoft.com/office/powerpoint/2015/main" val="1"/>
+                <p16:designElem xmlns:p16="http://schemas.microsoft.com/office/powerpoint/2015/main" val="1"/>
               </p:ext>
             </p:extLst>
           </p:nvPr>
@@ -13021,10 +12808,10 @@
           <p:cNvPr id="12" name="Freeform: Shape 11">
             <a:extLst>
               <a:ext uri="{FF2B5EF4-FFF2-40B4-BE49-F238E27FC236}">
-                <a16:creationId xmlns="" xmlns:a16="http://schemas.microsoft.com/office/drawing/2014/main" id="{479F5F2B-8B58-4140-AE6A-51F6C67B18D9}"/>
+                <a16:creationId xmlns:a16="http://schemas.microsoft.com/office/drawing/2014/main" id="{479F5F2B-8B58-4140-AE6A-51F6C67B18D9}"/>
               </a:ext>
               <a:ext uri="{C183D7F6-B498-43B3-948B-1728B52AA6E4}">
-                <adec:decorative xmlns="" xmlns:adec="http://schemas.microsoft.com/office/drawing/2017/decorative" val="1"/>
+                <adec:decorative xmlns:adec="http://schemas.microsoft.com/office/drawing/2017/decorative" val="1"/>
               </a:ext>
             </a:extLst>
           </p:cNvPr>
@@ -13034,7 +12821,7 @@
           <p:nvPr>
             <p:extLst>
               <p:ext uri="{386F3935-93C4-4BCD-93E2-E3B085C9AB24}">
-                <p16:designElem xmlns="" xmlns:p16="http://schemas.microsoft.com/office/powerpoint/2015/main" val="1"/>
+                <p16:designElem xmlns:p16="http://schemas.microsoft.com/office/powerpoint/2015/main" val="1"/>
               </p:ext>
             </p:extLst>
           </p:nvPr>
@@ -13121,7 +12908,7 @@
           <p:cNvPr id="3" name="Content Placeholder 2">
             <a:extLst>
               <a:ext uri="{FF2B5EF4-FFF2-40B4-BE49-F238E27FC236}">
-                <a16:creationId xmlns="" xmlns:a16="http://schemas.microsoft.com/office/drawing/2014/main" id="{059A0788-7DD6-46B6-99A3-893A0248E6F8}"/>
+                <a16:creationId xmlns:a16="http://schemas.microsoft.com/office/drawing/2014/main" id="{059A0788-7DD6-46B6-99A3-893A0248E6F8}"/>
               </a:ext>
             </a:extLst>
           </p:cNvPr>
@@ -13144,14 +12931,14 @@
           </a:bodyPr>
           <a:lstStyle/>
           <a:p>
-            <a:endParaRPr lang="en-US" sz="3600" dirty="0" smtClean="0"/>
-          </a:p>
-          <a:p>
             <a:endParaRPr lang="en-US" sz="3600" dirty="0"/>
           </a:p>
           <a:p>
+            <a:endParaRPr lang="en-US" sz="3600" dirty="0"/>
+          </a:p>
+          <a:p>
             <a:r>
-              <a:rPr lang="en-US" sz="3600" dirty="0" smtClean="0"/>
+              <a:rPr lang="en-US" sz="3600" dirty="0"/>
               <a:t>Univariate Analysis of the merged data sets </a:t>
             </a:r>
           </a:p>
@@ -13200,7 +12987,7 @@
           <p:cNvPr id="2" name="Title 1">
             <a:extLst>
               <a:ext uri="{FF2B5EF4-FFF2-40B4-BE49-F238E27FC236}">
-                <a16:creationId xmlns="" xmlns:a16="http://schemas.microsoft.com/office/drawing/2014/main" id="{B3A09DF8-4865-4CCA-B370-F6F14307BA48}"/>
+                <a16:creationId xmlns:a16="http://schemas.microsoft.com/office/drawing/2014/main" id="{B3A09DF8-4865-4CCA-B370-F6F14307BA48}"/>
               </a:ext>
             </a:extLst>
           </p:cNvPr>
@@ -13224,10 +13011,9 @@
           <a:lstStyle/>
           <a:p>
             <a:r>
-              <a:rPr lang="en-US" sz="4000" dirty="0" smtClean="0"/>
+              <a:rPr lang="en-US" sz="4000" dirty="0"/>
               <a:t>Organization Type</a:t>
             </a:r>
-            <a:endParaRPr lang="en-US" sz="4000" dirty="0"/>
           </a:p>
         </p:txBody>
       </p:sp>
@@ -13236,10 +13022,10 @@
           <p:cNvPr id="8" name="Freeform: Shape 7">
             <a:extLst>
               <a:ext uri="{FF2B5EF4-FFF2-40B4-BE49-F238E27FC236}">
-                <a16:creationId xmlns="" xmlns:a16="http://schemas.microsoft.com/office/drawing/2014/main" id="{7CB4857B-ED7C-444D-9F04-2F885114A1C2}"/>
+                <a16:creationId xmlns:a16="http://schemas.microsoft.com/office/drawing/2014/main" id="{7CB4857B-ED7C-444D-9F04-2F885114A1C2}"/>
               </a:ext>
               <a:ext uri="{C183D7F6-B498-43B3-948B-1728B52AA6E4}">
-                <adec:decorative xmlns="" xmlns:adec="http://schemas.microsoft.com/office/drawing/2017/decorative" val="1"/>
+                <adec:decorative xmlns:adec="http://schemas.microsoft.com/office/drawing/2017/decorative" val="1"/>
               </a:ext>
             </a:extLst>
           </p:cNvPr>
@@ -13249,7 +13035,7 @@
           <p:nvPr>
             <p:extLst>
               <p:ext uri="{386F3935-93C4-4BCD-93E2-E3B085C9AB24}">
-                <p16:designElem xmlns="" xmlns:p16="http://schemas.microsoft.com/office/powerpoint/2015/main" val="1"/>
+                <p16:designElem xmlns:p16="http://schemas.microsoft.com/office/powerpoint/2015/main" val="1"/>
               </p:ext>
             </p:extLst>
           </p:nvPr>
@@ -13344,10 +13130,10 @@
           <p:cNvPr id="10" name="Freeform: Shape 9">
             <a:extLst>
               <a:ext uri="{FF2B5EF4-FFF2-40B4-BE49-F238E27FC236}">
-                <a16:creationId xmlns="" xmlns:a16="http://schemas.microsoft.com/office/drawing/2014/main" id="{D18046FB-44EA-4FD8-A585-EA09A319B2D0}"/>
+                <a16:creationId xmlns:a16="http://schemas.microsoft.com/office/drawing/2014/main" id="{D18046FB-44EA-4FD8-A585-EA09A319B2D0}"/>
               </a:ext>
               <a:ext uri="{C183D7F6-B498-43B3-948B-1728B52AA6E4}">
-                <adec:decorative xmlns="" xmlns:adec="http://schemas.microsoft.com/office/drawing/2017/decorative" val="1"/>
+                <adec:decorative xmlns:adec="http://schemas.microsoft.com/office/drawing/2017/decorative" val="1"/>
               </a:ext>
             </a:extLst>
           </p:cNvPr>
@@ -13357,7 +13143,7 @@
           <p:nvPr>
             <p:extLst>
               <p:ext uri="{386F3935-93C4-4BCD-93E2-E3B085C9AB24}">
-                <p16:designElem xmlns="" xmlns:p16="http://schemas.microsoft.com/office/powerpoint/2015/main" val="1"/>
+                <p16:designElem xmlns:p16="http://schemas.microsoft.com/office/powerpoint/2015/main" val="1"/>
               </p:ext>
             </p:extLst>
           </p:nvPr>
@@ -13606,10 +13392,10 @@
           <p:cNvPr id="12" name="Freeform: Shape 11">
             <a:extLst>
               <a:ext uri="{FF2B5EF4-FFF2-40B4-BE49-F238E27FC236}">
-                <a16:creationId xmlns="" xmlns:a16="http://schemas.microsoft.com/office/drawing/2014/main" id="{479F5F2B-8B58-4140-AE6A-51F6C67B18D9}"/>
+                <a16:creationId xmlns:a16="http://schemas.microsoft.com/office/drawing/2014/main" id="{479F5F2B-8B58-4140-AE6A-51F6C67B18D9}"/>
               </a:ext>
               <a:ext uri="{C183D7F6-B498-43B3-948B-1728B52AA6E4}">
-                <adec:decorative xmlns="" xmlns:adec="http://schemas.microsoft.com/office/drawing/2017/decorative" val="1"/>
+                <adec:decorative xmlns:adec="http://schemas.microsoft.com/office/drawing/2017/decorative" val="1"/>
               </a:ext>
             </a:extLst>
           </p:cNvPr>
@@ -13619,7 +13405,7 @@
           <p:nvPr>
             <p:extLst>
               <p:ext uri="{386F3935-93C4-4BCD-93E2-E3B085C9AB24}">
-                <p16:designElem xmlns="" xmlns:p16="http://schemas.microsoft.com/office/powerpoint/2015/main" val="1"/>
+                <p16:designElem xmlns:p16="http://schemas.microsoft.com/office/powerpoint/2015/main" val="1"/>
               </p:ext>
             </p:extLst>
           </p:nvPr>
@@ -13706,7 +13492,7 @@
           <p:cNvPr id="3" name="Content Placeholder 2">
             <a:extLst>
               <a:ext uri="{FF2B5EF4-FFF2-40B4-BE49-F238E27FC236}">
-                <a16:creationId xmlns="" xmlns:a16="http://schemas.microsoft.com/office/drawing/2014/main" id="{059A0788-7DD6-46B6-99A3-893A0248E6F8}"/>
+                <a16:creationId xmlns:a16="http://schemas.microsoft.com/office/drawing/2014/main" id="{059A0788-7DD6-46B6-99A3-893A0248E6F8}"/>
               </a:ext>
             </a:extLst>
           </p:cNvPr>
@@ -13730,13 +13516,13 @@
           <a:lstStyle/>
           <a:p>
             <a:r>
-              <a:rPr lang="en-US" dirty="0" smtClean="0"/>
+              <a:rPr lang="en-US" dirty="0"/>
               <a:t>The graph depicts that the major no. of people work in the organization type “Business Entity Type 3”</a:t>
             </a:r>
           </a:p>
           <a:p>
             <a:r>
-              <a:rPr lang="en-US" dirty="0" smtClean="0"/>
+              <a:rPr lang="en-US" dirty="0"/>
               <a:t>Least no. of loan holders work in the organization type of Industry type - 13 ,5 and Trade type – 4,5</a:t>
             </a:r>
           </a:p>
@@ -13810,10 +13596,10 @@
           <p:cNvPr id="40" name="Rectangle 39">
             <a:extLst>
               <a:ext uri="{FF2B5EF4-FFF2-40B4-BE49-F238E27FC236}">
-                <a16:creationId xmlns="" xmlns:a16="http://schemas.microsoft.com/office/drawing/2014/main" id="{9A5D6D04-32E9-4AF7-BB82-DB2D0C0B478B}"/>
+                <a16:creationId xmlns:a16="http://schemas.microsoft.com/office/drawing/2014/main" id="{9A5D6D04-32E9-4AF7-BB82-DB2D0C0B478B}"/>
               </a:ext>
               <a:ext uri="{C183D7F6-B498-43B3-948B-1728B52AA6E4}">
-                <adec:decorative xmlns="" xmlns:adec="http://schemas.microsoft.com/office/drawing/2017/decorative" val="1"/>
+                <adec:decorative xmlns:adec="http://schemas.microsoft.com/office/drawing/2017/decorative" val="1"/>
               </a:ext>
             </a:extLst>
           </p:cNvPr>
@@ -13823,7 +13609,7 @@
           <p:nvPr>
             <p:extLst>
               <p:ext uri="{386F3935-93C4-4BCD-93E2-E3B085C9AB24}">
-                <p16:designElem xmlns="" xmlns:p16="http://schemas.microsoft.com/office/powerpoint/2015/main" val="1"/>
+                <p16:designElem xmlns:p16="http://schemas.microsoft.com/office/powerpoint/2015/main" val="1"/>
               </p:ext>
             </p:extLst>
           </p:nvPr>
@@ -13873,10 +13659,10 @@
           <p:cNvPr id="42" name="Freeform: Shape 41">
             <a:extLst>
               <a:ext uri="{FF2B5EF4-FFF2-40B4-BE49-F238E27FC236}">
-                <a16:creationId xmlns="" xmlns:a16="http://schemas.microsoft.com/office/drawing/2014/main" id="{BD5BB1EC-C99A-474B-8874-52B41096D667}"/>
+                <a16:creationId xmlns:a16="http://schemas.microsoft.com/office/drawing/2014/main" id="{BD5BB1EC-C99A-474B-8874-52B41096D667}"/>
               </a:ext>
               <a:ext uri="{C183D7F6-B498-43B3-948B-1728B52AA6E4}">
-                <adec:decorative xmlns="" xmlns:adec="http://schemas.microsoft.com/office/drawing/2017/decorative" val="1"/>
+                <adec:decorative xmlns:adec="http://schemas.microsoft.com/office/drawing/2017/decorative" val="1"/>
               </a:ext>
             </a:extLst>
           </p:cNvPr>
@@ -13886,7 +13672,7 @@
           <p:nvPr>
             <p:extLst>
               <p:ext uri="{386F3935-93C4-4BCD-93E2-E3B085C9AB24}">
-                <p16:designElem xmlns="" xmlns:p16="http://schemas.microsoft.com/office/powerpoint/2015/main" val="1"/>
+                <p16:designElem xmlns:p16="http://schemas.microsoft.com/office/powerpoint/2015/main" val="1"/>
               </p:ext>
             </p:extLst>
           </p:nvPr>
@@ -14079,10 +13865,10 @@
           <p:cNvPr id="44" name="Freeform: Shape 43">
             <a:extLst>
               <a:ext uri="{FF2B5EF4-FFF2-40B4-BE49-F238E27FC236}">
-                <a16:creationId xmlns="" xmlns:a16="http://schemas.microsoft.com/office/drawing/2014/main" id="{9C16096C-9FFA-410C-B7AC-DF791DCF1B2F}"/>
+                <a16:creationId xmlns:a16="http://schemas.microsoft.com/office/drawing/2014/main" id="{9C16096C-9FFA-410C-B7AC-DF791DCF1B2F}"/>
               </a:ext>
               <a:ext uri="{C183D7F6-B498-43B3-948B-1728B52AA6E4}">
-                <adec:decorative xmlns="" xmlns:adec="http://schemas.microsoft.com/office/drawing/2017/decorative" val="1"/>
+                <adec:decorative xmlns:adec="http://schemas.microsoft.com/office/drawing/2017/decorative" val="1"/>
               </a:ext>
             </a:extLst>
           </p:cNvPr>
@@ -14092,7 +13878,7 @@
           <p:nvPr>
             <p:extLst>
               <p:ext uri="{386F3935-93C4-4BCD-93E2-E3B085C9AB24}">
-                <p16:designElem xmlns="" xmlns:p16="http://schemas.microsoft.com/office/powerpoint/2015/main" val="1"/>
+                <p16:designElem xmlns:p16="http://schemas.microsoft.com/office/powerpoint/2015/main" val="1"/>
               </p:ext>
             </p:extLst>
           </p:nvPr>
@@ -14193,7 +13979,7 @@
           <p:cNvPr id="2" name="Title 1">
             <a:extLst>
               <a:ext uri="{FF2B5EF4-FFF2-40B4-BE49-F238E27FC236}">
-                <a16:creationId xmlns="" xmlns:a16="http://schemas.microsoft.com/office/drawing/2014/main" id="{97183128-6D67-4B6A-BDFE-4D930B16E917}"/>
+                <a16:creationId xmlns:a16="http://schemas.microsoft.com/office/drawing/2014/main" id="{97183128-6D67-4B6A-BDFE-4D930B16E917}"/>
               </a:ext>
             </a:extLst>
           </p:cNvPr>
@@ -14217,18 +14003,13 @@
           <a:lstStyle/>
           <a:p>
             <a:r>
-              <a:rPr lang="en-US" dirty="0" smtClean="0">
+              <a:rPr lang="en-US" dirty="0">
                 <a:solidFill>
                   <a:schemeClr val="bg1"/>
                 </a:solidFill>
               </a:rPr>
               <a:t>Distribution based on code Gender</a:t>
             </a:r>
-            <a:endParaRPr lang="en-US" dirty="0">
-              <a:solidFill>
-                <a:schemeClr val="bg1"/>
-              </a:solidFill>
-            </a:endParaRPr>
           </a:p>
         </p:txBody>
       </p:sp>
@@ -14237,7 +14018,7 @@
           <p:cNvPr id="3" name="Content Placeholder 2">
             <a:extLst>
               <a:ext uri="{FF2B5EF4-FFF2-40B4-BE49-F238E27FC236}">
-                <a16:creationId xmlns="" xmlns:a16="http://schemas.microsoft.com/office/drawing/2014/main" id="{0EFF15B1-B386-4612-B981-CD2CDC5F756F}"/>
+                <a16:creationId xmlns:a16="http://schemas.microsoft.com/office/drawing/2014/main" id="{0EFF15B1-B386-4612-B981-CD2CDC5F756F}"/>
               </a:ext>
             </a:extLst>
           </p:cNvPr>
@@ -14261,48 +14042,33 @@
           <a:lstStyle/>
           <a:p>
             <a:r>
-              <a:rPr lang="en-US" sz="2000" dirty="0" smtClean="0">
+              <a:rPr lang="en-US" sz="2000" dirty="0">
                 <a:solidFill>
                   <a:schemeClr val="bg1"/>
                 </a:solidFill>
               </a:rPr>
               <a:t>The first graph represents the distribution of Target 1 and the second one represents the distribution of Target 0</a:t>
             </a:r>
-            <a:endParaRPr lang="en-US" sz="2000" dirty="0">
-              <a:solidFill>
-                <a:schemeClr val="bg1"/>
-              </a:solidFill>
-            </a:endParaRPr>
           </a:p>
           <a:p>
             <a:r>
-              <a:rPr lang="en-US" sz="2000" dirty="0" smtClean="0">
+              <a:rPr lang="en-US" sz="2000" dirty="0">
                 <a:solidFill>
                   <a:schemeClr val="bg1"/>
                 </a:solidFill>
               </a:rPr>
               <a:t>It is proved from both the graphs that most no. of defaulters and credit payers both are of Females.</a:t>
             </a:r>
-            <a:endParaRPr lang="en-US" sz="2000" dirty="0">
-              <a:solidFill>
-                <a:schemeClr val="bg1"/>
-              </a:solidFill>
-            </a:endParaRPr>
           </a:p>
           <a:p>
             <a:r>
-              <a:rPr lang="en-US" sz="2000" dirty="0" smtClean="0">
+              <a:rPr lang="en-US" sz="2000" dirty="0">
                 <a:solidFill>
                   <a:schemeClr val="bg1"/>
                 </a:solidFill>
               </a:rPr>
               <a:t>The ratio of Male defaulters are more than the ratio of Males who paid the loan on time when compared to Female of the same category.</a:t>
             </a:r>
-            <a:endParaRPr lang="en-US" sz="2000" dirty="0">
-              <a:solidFill>
-                <a:schemeClr val="bg1"/>
-              </a:solidFill>
-            </a:endParaRPr>
           </a:p>
         </p:txBody>
       </p:sp>
@@ -14365,10 +14131,10 @@
           <p:cNvPr id="40" name="Rectangle 39">
             <a:extLst>
               <a:ext uri="{FF2B5EF4-FFF2-40B4-BE49-F238E27FC236}">
-                <a16:creationId xmlns="" xmlns:a16="http://schemas.microsoft.com/office/drawing/2014/main" id="{9A5D6D04-32E9-4AF7-BB82-DB2D0C0B478B}"/>
+                <a16:creationId xmlns:a16="http://schemas.microsoft.com/office/drawing/2014/main" id="{9A5D6D04-32E9-4AF7-BB82-DB2D0C0B478B}"/>
               </a:ext>
               <a:ext uri="{C183D7F6-B498-43B3-948B-1728B52AA6E4}">
-                <adec:decorative xmlns="" xmlns:adec="http://schemas.microsoft.com/office/drawing/2017/decorative" val="1"/>
+                <adec:decorative xmlns:adec="http://schemas.microsoft.com/office/drawing/2017/decorative" val="1"/>
               </a:ext>
             </a:extLst>
           </p:cNvPr>
@@ -14378,7 +14144,7 @@
           <p:nvPr>
             <p:extLst>
               <p:ext uri="{386F3935-93C4-4BCD-93E2-E3B085C9AB24}">
-                <p16:designElem xmlns="" xmlns:p16="http://schemas.microsoft.com/office/powerpoint/2015/main" val="1"/>
+                <p16:designElem xmlns:p16="http://schemas.microsoft.com/office/powerpoint/2015/main" val="1"/>
               </p:ext>
             </p:extLst>
           </p:nvPr>
@@ -14428,10 +14194,10 @@
           <p:cNvPr id="42" name="Freeform: Shape 41">
             <a:extLst>
               <a:ext uri="{FF2B5EF4-FFF2-40B4-BE49-F238E27FC236}">
-                <a16:creationId xmlns="" xmlns:a16="http://schemas.microsoft.com/office/drawing/2014/main" id="{BD5BB1EC-C99A-474B-8874-52B41096D667}"/>
+                <a16:creationId xmlns:a16="http://schemas.microsoft.com/office/drawing/2014/main" id="{BD5BB1EC-C99A-474B-8874-52B41096D667}"/>
               </a:ext>
               <a:ext uri="{C183D7F6-B498-43B3-948B-1728B52AA6E4}">
-                <adec:decorative xmlns="" xmlns:adec="http://schemas.microsoft.com/office/drawing/2017/decorative" val="1"/>
+                <adec:decorative xmlns:adec="http://schemas.microsoft.com/office/drawing/2017/decorative" val="1"/>
               </a:ext>
             </a:extLst>
           </p:cNvPr>
@@ -14441,7 +14207,7 @@
           <p:nvPr>
             <p:extLst>
               <p:ext uri="{386F3935-93C4-4BCD-93E2-E3B085C9AB24}">
-                <p16:designElem xmlns="" xmlns:p16="http://schemas.microsoft.com/office/powerpoint/2015/main" val="1"/>
+                <p16:designElem xmlns:p16="http://schemas.microsoft.com/office/powerpoint/2015/main" val="1"/>
               </p:ext>
             </p:extLst>
           </p:nvPr>
@@ -14634,10 +14400,10 @@
           <p:cNvPr id="44" name="Freeform: Shape 43">
             <a:extLst>
               <a:ext uri="{FF2B5EF4-FFF2-40B4-BE49-F238E27FC236}">
-                <a16:creationId xmlns="" xmlns:a16="http://schemas.microsoft.com/office/drawing/2014/main" id="{9C16096C-9FFA-410C-B7AC-DF791DCF1B2F}"/>
+                <a16:creationId xmlns:a16="http://schemas.microsoft.com/office/drawing/2014/main" id="{9C16096C-9FFA-410C-B7AC-DF791DCF1B2F}"/>
               </a:ext>
               <a:ext uri="{C183D7F6-B498-43B3-948B-1728B52AA6E4}">
-                <adec:decorative xmlns="" xmlns:adec="http://schemas.microsoft.com/office/drawing/2017/decorative" val="1"/>
+                <adec:decorative xmlns:adec="http://schemas.microsoft.com/office/drawing/2017/decorative" val="1"/>
               </a:ext>
             </a:extLst>
           </p:cNvPr>
@@ -14647,7 +14413,7 @@
           <p:nvPr>
             <p:extLst>
               <p:ext uri="{386F3935-93C4-4BCD-93E2-E3B085C9AB24}">
-                <p16:designElem xmlns="" xmlns:p16="http://schemas.microsoft.com/office/powerpoint/2015/main" val="1"/>
+                <p16:designElem xmlns:p16="http://schemas.microsoft.com/office/powerpoint/2015/main" val="1"/>
               </p:ext>
             </p:extLst>
           </p:nvPr>
@@ -14748,7 +14514,7 @@
           <p:cNvPr id="2" name="Title 1">
             <a:extLst>
               <a:ext uri="{FF2B5EF4-FFF2-40B4-BE49-F238E27FC236}">
-                <a16:creationId xmlns="" xmlns:a16="http://schemas.microsoft.com/office/drawing/2014/main" id="{97183128-6D67-4B6A-BDFE-4D930B16E917}"/>
+                <a16:creationId xmlns:a16="http://schemas.microsoft.com/office/drawing/2014/main" id="{97183128-6D67-4B6A-BDFE-4D930B16E917}"/>
               </a:ext>
             </a:extLst>
           </p:cNvPr>
@@ -14800,7 +14566,7 @@
           <p:cNvPr id="3" name="Content Placeholder 2">
             <a:extLst>
               <a:ext uri="{FF2B5EF4-FFF2-40B4-BE49-F238E27FC236}">
-                <a16:creationId xmlns="" xmlns:a16="http://schemas.microsoft.com/office/drawing/2014/main" id="{0EFF15B1-B386-4612-B981-CD2CDC5F756F}"/>
+                <a16:creationId xmlns:a16="http://schemas.microsoft.com/office/drawing/2014/main" id="{0EFF15B1-B386-4612-B981-CD2CDC5F756F}"/>
               </a:ext>
             </a:extLst>
           </p:cNvPr>
@@ -14824,7 +14590,7 @@
           <a:lstStyle/>
           <a:p>
             <a:r>
-              <a:rPr lang="en-US" sz="2000" dirty="0" smtClean="0">
+              <a:rPr lang="en-US" sz="2000" dirty="0">
                 <a:solidFill>
                   <a:schemeClr val="bg1"/>
                 </a:solidFill>
@@ -14834,7 +14600,7 @@
           </a:p>
           <a:p>
             <a:r>
-              <a:rPr lang="en-US" sz="2000" dirty="0" smtClean="0">
+              <a:rPr lang="en-US" sz="2000" dirty="0">
                 <a:solidFill>
                   <a:schemeClr val="bg1"/>
                 </a:solidFill>
@@ -14903,10 +14669,10 @@
           <p:cNvPr id="40" name="Rectangle 39">
             <a:extLst>
               <a:ext uri="{FF2B5EF4-FFF2-40B4-BE49-F238E27FC236}">
-                <a16:creationId xmlns="" xmlns:a16="http://schemas.microsoft.com/office/drawing/2014/main" id="{9A5D6D04-32E9-4AF7-BB82-DB2D0C0B478B}"/>
+                <a16:creationId xmlns:a16="http://schemas.microsoft.com/office/drawing/2014/main" id="{9A5D6D04-32E9-4AF7-BB82-DB2D0C0B478B}"/>
               </a:ext>
               <a:ext uri="{C183D7F6-B498-43B3-948B-1728B52AA6E4}">
-                <adec:decorative xmlns="" xmlns:adec="http://schemas.microsoft.com/office/drawing/2017/decorative" val="1"/>
+                <adec:decorative xmlns:adec="http://schemas.microsoft.com/office/drawing/2017/decorative" val="1"/>
               </a:ext>
             </a:extLst>
           </p:cNvPr>
@@ -14916,7 +14682,7 @@
           <p:nvPr>
             <p:extLst>
               <p:ext uri="{386F3935-93C4-4BCD-93E2-E3B085C9AB24}">
-                <p16:designElem xmlns="" xmlns:p16="http://schemas.microsoft.com/office/powerpoint/2015/main" val="1"/>
+                <p16:designElem xmlns:p16="http://schemas.microsoft.com/office/powerpoint/2015/main" val="1"/>
               </p:ext>
             </p:extLst>
           </p:nvPr>
@@ -14966,10 +14732,10 @@
           <p:cNvPr id="42" name="Freeform: Shape 41">
             <a:extLst>
               <a:ext uri="{FF2B5EF4-FFF2-40B4-BE49-F238E27FC236}">
-                <a16:creationId xmlns="" xmlns:a16="http://schemas.microsoft.com/office/drawing/2014/main" id="{BD5BB1EC-C99A-474B-8874-52B41096D667}"/>
+                <a16:creationId xmlns:a16="http://schemas.microsoft.com/office/drawing/2014/main" id="{BD5BB1EC-C99A-474B-8874-52B41096D667}"/>
               </a:ext>
               <a:ext uri="{C183D7F6-B498-43B3-948B-1728B52AA6E4}">
-                <adec:decorative xmlns="" xmlns:adec="http://schemas.microsoft.com/office/drawing/2017/decorative" val="1"/>
+                <adec:decorative xmlns:adec="http://schemas.microsoft.com/office/drawing/2017/decorative" val="1"/>
               </a:ext>
             </a:extLst>
           </p:cNvPr>
@@ -14979,7 +14745,7 @@
           <p:nvPr>
             <p:extLst>
               <p:ext uri="{386F3935-93C4-4BCD-93E2-E3B085C9AB24}">
-                <p16:designElem xmlns="" xmlns:p16="http://schemas.microsoft.com/office/powerpoint/2015/main" val="1"/>
+                <p16:designElem xmlns:p16="http://schemas.microsoft.com/office/powerpoint/2015/main" val="1"/>
               </p:ext>
             </p:extLst>
           </p:nvPr>
@@ -15172,10 +14938,10 @@
           <p:cNvPr id="44" name="Freeform: Shape 43">
             <a:extLst>
               <a:ext uri="{FF2B5EF4-FFF2-40B4-BE49-F238E27FC236}">
-                <a16:creationId xmlns="" xmlns:a16="http://schemas.microsoft.com/office/drawing/2014/main" id="{9C16096C-9FFA-410C-B7AC-DF791DCF1B2F}"/>
+                <a16:creationId xmlns:a16="http://schemas.microsoft.com/office/drawing/2014/main" id="{9C16096C-9FFA-410C-B7AC-DF791DCF1B2F}"/>
               </a:ext>
               <a:ext uri="{C183D7F6-B498-43B3-948B-1728B52AA6E4}">
-                <adec:decorative xmlns="" xmlns:adec="http://schemas.microsoft.com/office/drawing/2017/decorative" val="1"/>
+                <adec:decorative xmlns:adec="http://schemas.microsoft.com/office/drawing/2017/decorative" val="1"/>
               </a:ext>
             </a:extLst>
           </p:cNvPr>
@@ -15185,7 +14951,7 @@
           <p:nvPr>
             <p:extLst>
               <p:ext uri="{386F3935-93C4-4BCD-93E2-E3B085C9AB24}">
-                <p16:designElem xmlns="" xmlns:p16="http://schemas.microsoft.com/office/powerpoint/2015/main" val="1"/>
+                <p16:designElem xmlns:p16="http://schemas.microsoft.com/office/powerpoint/2015/main" val="1"/>
               </p:ext>
             </p:extLst>
           </p:nvPr>
@@ -15286,7 +15052,7 @@
           <p:cNvPr id="2" name="Title 1">
             <a:extLst>
               <a:ext uri="{FF2B5EF4-FFF2-40B4-BE49-F238E27FC236}">
-                <a16:creationId xmlns="" xmlns:a16="http://schemas.microsoft.com/office/drawing/2014/main" id="{97183128-6D67-4B6A-BDFE-4D930B16E917}"/>
+                <a16:creationId xmlns:a16="http://schemas.microsoft.com/office/drawing/2014/main" id="{97183128-6D67-4B6A-BDFE-4D930B16E917}"/>
               </a:ext>
             </a:extLst>
           </p:cNvPr>
@@ -15317,11 +15083,6 @@
               </a:rPr>
               <a:t>Analysis of NAME_CONTRACT_STATUS</a:t>
             </a:r>
-            <a:endParaRPr lang="en-US" dirty="0">
-              <a:solidFill>
-                <a:schemeClr val="bg1"/>
-              </a:solidFill>
-            </a:endParaRPr>
           </a:p>
         </p:txBody>
       </p:sp>
@@ -15330,7 +15091,7 @@
           <p:cNvPr id="3" name="Content Placeholder 2">
             <a:extLst>
               <a:ext uri="{FF2B5EF4-FFF2-40B4-BE49-F238E27FC236}">
-                <a16:creationId xmlns="" xmlns:a16="http://schemas.microsoft.com/office/drawing/2014/main" id="{0EFF15B1-B386-4612-B981-CD2CDC5F756F}"/>
+                <a16:creationId xmlns:a16="http://schemas.microsoft.com/office/drawing/2014/main" id="{0EFF15B1-B386-4612-B981-CD2CDC5F756F}"/>
               </a:ext>
             </a:extLst>
           </p:cNvPr>
@@ -15353,7 +15114,7 @@
           </a:bodyPr>
           <a:lstStyle/>
           <a:p>
-            <a:endParaRPr lang="en-US" sz="2000" dirty="0" smtClean="0">
+            <a:endParaRPr lang="en-US" sz="2000" dirty="0">
               <a:solidFill>
                 <a:schemeClr val="bg1"/>
               </a:solidFill>
@@ -15361,7 +15122,7 @@
           </a:p>
           <a:p>
             <a:r>
-              <a:rPr lang="en-US" sz="2000" dirty="0" smtClean="0">
+              <a:rPr lang="en-US" sz="2000" dirty="0">
                 <a:solidFill>
                   <a:schemeClr val="bg1"/>
                 </a:solidFill>
@@ -15371,7 +15132,7 @@
           </a:p>
           <a:p>
             <a:r>
-              <a:rPr lang="en-US" sz="2000" dirty="0" smtClean="0">
+              <a:rPr lang="en-US" sz="2000" dirty="0">
                 <a:solidFill>
                   <a:schemeClr val="bg1"/>
                 </a:solidFill>
@@ -15380,7 +15141,7 @@
             </a:r>
           </a:p>
           <a:p>
-            <a:endParaRPr lang="en-US" sz="2000" dirty="0" smtClean="0">
+            <a:endParaRPr lang="en-US" sz="2000" dirty="0">
               <a:solidFill>
                 <a:schemeClr val="bg1"/>
               </a:solidFill>
@@ -15455,7 +15216,7 @@
           <p:cNvPr id="2" name="Title 1">
             <a:extLst>
               <a:ext uri="{FF2B5EF4-FFF2-40B4-BE49-F238E27FC236}">
-                <a16:creationId xmlns="" xmlns:a16="http://schemas.microsoft.com/office/drawing/2014/main" id="{77F4CA9B-99AF-42A3-9491-3AD25FA3E540}"/>
+                <a16:creationId xmlns:a16="http://schemas.microsoft.com/office/drawing/2014/main" id="{77F4CA9B-99AF-42A3-9491-3AD25FA3E540}"/>
               </a:ext>
             </a:extLst>
           </p:cNvPr>
@@ -15490,10 +15251,10 @@
           <p:cNvPr id="8" name="Freeform: Shape 7">
             <a:extLst>
               <a:ext uri="{FF2B5EF4-FFF2-40B4-BE49-F238E27FC236}">
-                <a16:creationId xmlns="" xmlns:a16="http://schemas.microsoft.com/office/drawing/2014/main" id="{7CB4857B-ED7C-444D-9F04-2F885114A1C2}"/>
+                <a16:creationId xmlns:a16="http://schemas.microsoft.com/office/drawing/2014/main" id="{7CB4857B-ED7C-444D-9F04-2F885114A1C2}"/>
               </a:ext>
               <a:ext uri="{C183D7F6-B498-43B3-948B-1728B52AA6E4}">
-                <adec:decorative xmlns="" xmlns:adec="http://schemas.microsoft.com/office/drawing/2017/decorative" val="1"/>
+                <adec:decorative xmlns:adec="http://schemas.microsoft.com/office/drawing/2017/decorative" val="1"/>
               </a:ext>
             </a:extLst>
           </p:cNvPr>
@@ -15503,7 +15264,7 @@
           <p:nvPr>
             <p:extLst>
               <p:ext uri="{386F3935-93C4-4BCD-93E2-E3B085C9AB24}">
-                <p16:designElem xmlns="" xmlns:p16="http://schemas.microsoft.com/office/powerpoint/2015/main" val="1"/>
+                <p16:designElem xmlns:p16="http://schemas.microsoft.com/office/powerpoint/2015/main" val="1"/>
               </p:ext>
             </p:extLst>
           </p:nvPr>
@@ -15598,10 +15359,10 @@
           <p:cNvPr id="10" name="Freeform: Shape 9">
             <a:extLst>
               <a:ext uri="{FF2B5EF4-FFF2-40B4-BE49-F238E27FC236}">
-                <a16:creationId xmlns="" xmlns:a16="http://schemas.microsoft.com/office/drawing/2014/main" id="{D18046FB-44EA-4FD8-A585-EA09A319B2D0}"/>
+                <a16:creationId xmlns:a16="http://schemas.microsoft.com/office/drawing/2014/main" id="{D18046FB-44EA-4FD8-A585-EA09A319B2D0}"/>
               </a:ext>
               <a:ext uri="{C183D7F6-B498-43B3-948B-1728B52AA6E4}">
-                <adec:decorative xmlns="" xmlns:adec="http://schemas.microsoft.com/office/drawing/2017/decorative" val="1"/>
+                <adec:decorative xmlns:adec="http://schemas.microsoft.com/office/drawing/2017/decorative" val="1"/>
               </a:ext>
             </a:extLst>
           </p:cNvPr>
@@ -15611,7 +15372,7 @@
           <p:nvPr>
             <p:extLst>
               <p:ext uri="{386F3935-93C4-4BCD-93E2-E3B085C9AB24}">
-                <p16:designElem xmlns="" xmlns:p16="http://schemas.microsoft.com/office/powerpoint/2015/main" val="1"/>
+                <p16:designElem xmlns:p16="http://schemas.microsoft.com/office/powerpoint/2015/main" val="1"/>
               </p:ext>
             </p:extLst>
           </p:nvPr>
@@ -15860,10 +15621,10 @@
           <p:cNvPr id="12" name="Freeform: Shape 11">
             <a:extLst>
               <a:ext uri="{FF2B5EF4-FFF2-40B4-BE49-F238E27FC236}">
-                <a16:creationId xmlns="" xmlns:a16="http://schemas.microsoft.com/office/drawing/2014/main" id="{479F5F2B-8B58-4140-AE6A-51F6C67B18D9}"/>
+                <a16:creationId xmlns:a16="http://schemas.microsoft.com/office/drawing/2014/main" id="{479F5F2B-8B58-4140-AE6A-51F6C67B18D9}"/>
               </a:ext>
               <a:ext uri="{C183D7F6-B498-43B3-948B-1728B52AA6E4}">
-                <adec:decorative xmlns="" xmlns:adec="http://schemas.microsoft.com/office/drawing/2017/decorative" val="1"/>
+                <adec:decorative xmlns:adec="http://schemas.microsoft.com/office/drawing/2017/decorative" val="1"/>
               </a:ext>
             </a:extLst>
           </p:cNvPr>
@@ -15873,7 +15634,7 @@
           <p:nvPr>
             <p:extLst>
               <p:ext uri="{386F3935-93C4-4BCD-93E2-E3B085C9AB24}">
-                <p16:designElem xmlns="" xmlns:p16="http://schemas.microsoft.com/office/powerpoint/2015/main" val="1"/>
+                <p16:designElem xmlns:p16="http://schemas.microsoft.com/office/powerpoint/2015/main" val="1"/>
               </p:ext>
             </p:extLst>
           </p:nvPr>
@@ -15960,7 +15721,7 @@
           <p:cNvPr id="3" name="Content Placeholder 2">
             <a:extLst>
               <a:ext uri="{FF2B5EF4-FFF2-40B4-BE49-F238E27FC236}">
-                <a16:creationId xmlns="" xmlns:a16="http://schemas.microsoft.com/office/drawing/2014/main" id="{C4179734-4EBF-4DB0-AF53-CEC17536A6AF}"/>
+                <a16:creationId xmlns:a16="http://schemas.microsoft.com/office/drawing/2014/main" id="{C4179734-4EBF-4DB0-AF53-CEC17536A6AF}"/>
               </a:ext>
             </a:extLst>
           </p:cNvPr>
@@ -16007,7 +15768,7 @@
           <p:cNvPr id="5" name="Picture 4">
             <a:extLst>
               <a:ext uri="{FF2B5EF4-FFF2-40B4-BE49-F238E27FC236}">
-                <a16:creationId xmlns="" xmlns:a16="http://schemas.microsoft.com/office/drawing/2014/main" id="{DB50EEC8-0A1A-408B-A06B-0DFC40B79A10}"/>
+                <a16:creationId xmlns:a16="http://schemas.microsoft.com/office/drawing/2014/main" id="{DB50EEC8-0A1A-408B-A06B-0DFC40B79A10}"/>
               </a:ext>
             </a:extLst>
           </p:cNvPr>
@@ -16067,10 +15828,10 @@
           <p:cNvPr id="40" name="Rectangle 39">
             <a:extLst>
               <a:ext uri="{FF2B5EF4-FFF2-40B4-BE49-F238E27FC236}">
-                <a16:creationId xmlns="" xmlns:a16="http://schemas.microsoft.com/office/drawing/2014/main" id="{9A5D6D04-32E9-4AF7-BB82-DB2D0C0B478B}"/>
+                <a16:creationId xmlns:a16="http://schemas.microsoft.com/office/drawing/2014/main" id="{9A5D6D04-32E9-4AF7-BB82-DB2D0C0B478B}"/>
               </a:ext>
               <a:ext uri="{C183D7F6-B498-43B3-948B-1728B52AA6E4}">
-                <adec:decorative xmlns="" xmlns:adec="http://schemas.microsoft.com/office/drawing/2017/decorative" val="1"/>
+                <adec:decorative xmlns:adec="http://schemas.microsoft.com/office/drawing/2017/decorative" val="1"/>
               </a:ext>
             </a:extLst>
           </p:cNvPr>
@@ -16080,7 +15841,7 @@
           <p:nvPr>
             <p:extLst>
               <p:ext uri="{386F3935-93C4-4BCD-93E2-E3B085C9AB24}">
-                <p16:designElem xmlns="" xmlns:p16="http://schemas.microsoft.com/office/powerpoint/2015/main" val="1"/>
+                <p16:designElem xmlns:p16="http://schemas.microsoft.com/office/powerpoint/2015/main" val="1"/>
               </p:ext>
             </p:extLst>
           </p:nvPr>
@@ -16130,10 +15891,10 @@
           <p:cNvPr id="42" name="Freeform: Shape 41">
             <a:extLst>
               <a:ext uri="{FF2B5EF4-FFF2-40B4-BE49-F238E27FC236}">
-                <a16:creationId xmlns="" xmlns:a16="http://schemas.microsoft.com/office/drawing/2014/main" id="{BD5BB1EC-C99A-474B-8874-52B41096D667}"/>
+                <a16:creationId xmlns:a16="http://schemas.microsoft.com/office/drawing/2014/main" id="{BD5BB1EC-C99A-474B-8874-52B41096D667}"/>
               </a:ext>
               <a:ext uri="{C183D7F6-B498-43B3-948B-1728B52AA6E4}">
-                <adec:decorative xmlns="" xmlns:adec="http://schemas.microsoft.com/office/drawing/2017/decorative" val="1"/>
+                <adec:decorative xmlns:adec="http://schemas.microsoft.com/office/drawing/2017/decorative" val="1"/>
               </a:ext>
             </a:extLst>
           </p:cNvPr>
@@ -16143,7 +15904,7 @@
           <p:nvPr>
             <p:extLst>
               <p:ext uri="{386F3935-93C4-4BCD-93E2-E3B085C9AB24}">
-                <p16:designElem xmlns="" xmlns:p16="http://schemas.microsoft.com/office/powerpoint/2015/main" val="1"/>
+                <p16:designElem xmlns:p16="http://schemas.microsoft.com/office/powerpoint/2015/main" val="1"/>
               </p:ext>
             </p:extLst>
           </p:nvPr>
@@ -16336,10 +16097,10 @@
           <p:cNvPr id="44" name="Freeform: Shape 43">
             <a:extLst>
               <a:ext uri="{FF2B5EF4-FFF2-40B4-BE49-F238E27FC236}">
-                <a16:creationId xmlns="" xmlns:a16="http://schemas.microsoft.com/office/drawing/2014/main" id="{9C16096C-9FFA-410C-B7AC-DF791DCF1B2F}"/>
+                <a16:creationId xmlns:a16="http://schemas.microsoft.com/office/drawing/2014/main" id="{9C16096C-9FFA-410C-B7AC-DF791DCF1B2F}"/>
               </a:ext>
               <a:ext uri="{C183D7F6-B498-43B3-948B-1728B52AA6E4}">
-                <adec:decorative xmlns="" xmlns:adec="http://schemas.microsoft.com/office/drawing/2017/decorative" val="1"/>
+                <adec:decorative xmlns:adec="http://schemas.microsoft.com/office/drawing/2017/decorative" val="1"/>
               </a:ext>
             </a:extLst>
           </p:cNvPr>
@@ -16349,7 +16110,7 @@
           <p:nvPr>
             <p:extLst>
               <p:ext uri="{386F3935-93C4-4BCD-93E2-E3B085C9AB24}">
-                <p16:designElem xmlns="" xmlns:p16="http://schemas.microsoft.com/office/powerpoint/2015/main" val="1"/>
+                <p16:designElem xmlns:p16="http://schemas.microsoft.com/office/powerpoint/2015/main" val="1"/>
               </p:ext>
             </p:extLst>
           </p:nvPr>
@@ -16450,7 +16211,7 @@
           <p:cNvPr id="2" name="Title 1">
             <a:extLst>
               <a:ext uri="{FF2B5EF4-FFF2-40B4-BE49-F238E27FC236}">
-                <a16:creationId xmlns="" xmlns:a16="http://schemas.microsoft.com/office/drawing/2014/main" id="{97183128-6D67-4B6A-BDFE-4D930B16E917}"/>
+                <a16:creationId xmlns:a16="http://schemas.microsoft.com/office/drawing/2014/main" id="{97183128-6D67-4B6A-BDFE-4D930B16E917}"/>
               </a:ext>
             </a:extLst>
           </p:cNvPr>
@@ -16481,11 +16242,6 @@
               </a:rPr>
               <a:t>Analysis of FLAG_OWN_CAR</a:t>
             </a:r>
-            <a:endParaRPr lang="en-US" dirty="0">
-              <a:solidFill>
-                <a:schemeClr val="bg1"/>
-              </a:solidFill>
-            </a:endParaRPr>
           </a:p>
         </p:txBody>
       </p:sp>
@@ -16494,7 +16250,7 @@
           <p:cNvPr id="3" name="Content Placeholder 2">
             <a:extLst>
               <a:ext uri="{FF2B5EF4-FFF2-40B4-BE49-F238E27FC236}">
-                <a16:creationId xmlns="" xmlns:a16="http://schemas.microsoft.com/office/drawing/2014/main" id="{0EFF15B1-B386-4612-B981-CD2CDC5F756F}"/>
+                <a16:creationId xmlns:a16="http://schemas.microsoft.com/office/drawing/2014/main" id="{0EFF15B1-B386-4612-B981-CD2CDC5F756F}"/>
               </a:ext>
             </a:extLst>
           </p:cNvPr>
@@ -16517,7 +16273,7 @@
           </a:bodyPr>
           <a:lstStyle/>
           <a:p>
-            <a:endParaRPr lang="en-US" sz="2000" dirty="0" smtClean="0">
+            <a:endParaRPr lang="en-US" sz="2000" dirty="0">
               <a:solidFill>
                 <a:schemeClr val="bg1"/>
               </a:solidFill>
@@ -16525,7 +16281,7 @@
           </a:p>
           <a:p>
             <a:r>
-              <a:rPr lang="en-US" sz="2000" dirty="0" smtClean="0">
+              <a:rPr lang="en-US" sz="2000" dirty="0">
                 <a:solidFill>
                   <a:schemeClr val="bg1"/>
                 </a:solidFill>
@@ -16535,7 +16291,7 @@
           </a:p>
           <a:p>
             <a:r>
-              <a:rPr lang="en-US" sz="2000" dirty="0" smtClean="0">
+              <a:rPr lang="en-US" sz="2000" dirty="0">
                 <a:solidFill>
                   <a:schemeClr val="bg1"/>
                 </a:solidFill>
@@ -16604,10 +16360,10 @@
           <p:cNvPr id="40" name="Rectangle 39">
             <a:extLst>
               <a:ext uri="{FF2B5EF4-FFF2-40B4-BE49-F238E27FC236}">
-                <a16:creationId xmlns="" xmlns:a16="http://schemas.microsoft.com/office/drawing/2014/main" id="{9A5D6D04-32E9-4AF7-BB82-DB2D0C0B478B}"/>
+                <a16:creationId xmlns:a16="http://schemas.microsoft.com/office/drawing/2014/main" id="{9A5D6D04-32E9-4AF7-BB82-DB2D0C0B478B}"/>
               </a:ext>
               <a:ext uri="{C183D7F6-B498-43B3-948B-1728B52AA6E4}">
-                <adec:decorative xmlns="" xmlns:adec="http://schemas.microsoft.com/office/drawing/2017/decorative" val="1"/>
+                <adec:decorative xmlns:adec="http://schemas.microsoft.com/office/drawing/2017/decorative" val="1"/>
               </a:ext>
             </a:extLst>
           </p:cNvPr>
@@ -16617,7 +16373,7 @@
           <p:nvPr>
             <p:extLst>
               <p:ext uri="{386F3935-93C4-4BCD-93E2-E3B085C9AB24}">
-                <p16:designElem xmlns="" xmlns:p16="http://schemas.microsoft.com/office/powerpoint/2015/main" val="1"/>
+                <p16:designElem xmlns:p16="http://schemas.microsoft.com/office/powerpoint/2015/main" val="1"/>
               </p:ext>
             </p:extLst>
           </p:nvPr>
@@ -16667,10 +16423,10 @@
           <p:cNvPr id="42" name="Freeform: Shape 41">
             <a:extLst>
               <a:ext uri="{FF2B5EF4-FFF2-40B4-BE49-F238E27FC236}">
-                <a16:creationId xmlns="" xmlns:a16="http://schemas.microsoft.com/office/drawing/2014/main" id="{BD5BB1EC-C99A-474B-8874-52B41096D667}"/>
+                <a16:creationId xmlns:a16="http://schemas.microsoft.com/office/drawing/2014/main" id="{BD5BB1EC-C99A-474B-8874-52B41096D667}"/>
               </a:ext>
               <a:ext uri="{C183D7F6-B498-43B3-948B-1728B52AA6E4}">
-                <adec:decorative xmlns="" xmlns:adec="http://schemas.microsoft.com/office/drawing/2017/decorative" val="1"/>
+                <adec:decorative xmlns:adec="http://schemas.microsoft.com/office/drawing/2017/decorative" val="1"/>
               </a:ext>
             </a:extLst>
           </p:cNvPr>
@@ -16680,7 +16436,7 @@
           <p:nvPr>
             <p:extLst>
               <p:ext uri="{386F3935-93C4-4BCD-93E2-E3B085C9AB24}">
-                <p16:designElem xmlns="" xmlns:p16="http://schemas.microsoft.com/office/powerpoint/2015/main" val="1"/>
+                <p16:designElem xmlns:p16="http://schemas.microsoft.com/office/powerpoint/2015/main" val="1"/>
               </p:ext>
             </p:extLst>
           </p:nvPr>
@@ -16873,10 +16629,10 @@
           <p:cNvPr id="44" name="Freeform: Shape 43">
             <a:extLst>
               <a:ext uri="{FF2B5EF4-FFF2-40B4-BE49-F238E27FC236}">
-                <a16:creationId xmlns="" xmlns:a16="http://schemas.microsoft.com/office/drawing/2014/main" id="{9C16096C-9FFA-410C-B7AC-DF791DCF1B2F}"/>
+                <a16:creationId xmlns:a16="http://schemas.microsoft.com/office/drawing/2014/main" id="{9C16096C-9FFA-410C-B7AC-DF791DCF1B2F}"/>
               </a:ext>
               <a:ext uri="{C183D7F6-B498-43B3-948B-1728B52AA6E4}">
-                <adec:decorative xmlns="" xmlns:adec="http://schemas.microsoft.com/office/drawing/2017/decorative" val="1"/>
+                <adec:decorative xmlns:adec="http://schemas.microsoft.com/office/drawing/2017/decorative" val="1"/>
               </a:ext>
             </a:extLst>
           </p:cNvPr>
@@ -16886,7 +16642,7 @@
           <p:nvPr>
             <p:extLst>
               <p:ext uri="{386F3935-93C4-4BCD-93E2-E3B085C9AB24}">
-                <p16:designElem xmlns="" xmlns:p16="http://schemas.microsoft.com/office/powerpoint/2015/main" val="1"/>
+                <p16:designElem xmlns:p16="http://schemas.microsoft.com/office/powerpoint/2015/main" val="1"/>
               </p:ext>
             </p:extLst>
           </p:nvPr>
@@ -16987,7 +16743,7 @@
           <p:cNvPr id="2" name="Title 1">
             <a:extLst>
               <a:ext uri="{FF2B5EF4-FFF2-40B4-BE49-F238E27FC236}">
-                <a16:creationId xmlns="" xmlns:a16="http://schemas.microsoft.com/office/drawing/2014/main" id="{97183128-6D67-4B6A-BDFE-4D930B16E917}"/>
+                <a16:creationId xmlns:a16="http://schemas.microsoft.com/office/drawing/2014/main" id="{97183128-6D67-4B6A-BDFE-4D930B16E917}"/>
               </a:ext>
             </a:extLst>
           </p:cNvPr>
@@ -17016,21 +16772,8 @@
                   <a:schemeClr val="bg1"/>
                 </a:solidFill>
               </a:rPr>
-              <a:t>Analysis of </a:t>
+              <a:t>Analysis of Credit amount</a:t>
             </a:r>
-            <a:r>
-              <a:rPr lang="en-US" dirty="0" smtClean="0">
-                <a:solidFill>
-                  <a:schemeClr val="bg1"/>
-                </a:solidFill>
-              </a:rPr>
-              <a:t>Credit amount</a:t>
-            </a:r>
-            <a:endParaRPr lang="en-US" dirty="0">
-              <a:solidFill>
-                <a:schemeClr val="bg1"/>
-              </a:solidFill>
-            </a:endParaRPr>
           </a:p>
         </p:txBody>
       </p:sp>
@@ -17039,7 +16782,7 @@
           <p:cNvPr id="3" name="Content Placeholder 2">
             <a:extLst>
               <a:ext uri="{FF2B5EF4-FFF2-40B4-BE49-F238E27FC236}">
-                <a16:creationId xmlns="" xmlns:a16="http://schemas.microsoft.com/office/drawing/2014/main" id="{0EFF15B1-B386-4612-B981-CD2CDC5F756F}"/>
+                <a16:creationId xmlns:a16="http://schemas.microsoft.com/office/drawing/2014/main" id="{0EFF15B1-B386-4612-B981-CD2CDC5F756F}"/>
               </a:ext>
             </a:extLst>
           </p:cNvPr>
@@ -17062,7 +16805,7 @@
           </a:bodyPr>
           <a:lstStyle/>
           <a:p>
-            <a:endParaRPr lang="en-US" sz="2000" dirty="0" smtClean="0">
+            <a:endParaRPr lang="en-US" sz="2000" dirty="0">
               <a:solidFill>
                 <a:schemeClr val="bg1"/>
               </a:solidFill>
@@ -17070,7 +16813,7 @@
           </a:p>
           <a:p>
             <a:r>
-              <a:rPr lang="en-US" sz="2000" dirty="0" smtClean="0">
+              <a:rPr lang="en-US" sz="2000" dirty="0">
                 <a:solidFill>
                   <a:schemeClr val="bg1"/>
                 </a:solidFill>
@@ -17080,7 +16823,7 @@
           </a:p>
           <a:p>
             <a:r>
-              <a:rPr lang="en-US" sz="2000" dirty="0" smtClean="0">
+              <a:rPr lang="en-US" sz="2000" dirty="0">
                 <a:solidFill>
                   <a:schemeClr val="bg1"/>
                 </a:solidFill>
@@ -17155,7 +16898,7 @@
           <p:cNvPr id="2" name="Title 1">
             <a:extLst>
               <a:ext uri="{FF2B5EF4-FFF2-40B4-BE49-F238E27FC236}">
-                <a16:creationId xmlns="" xmlns:a16="http://schemas.microsoft.com/office/drawing/2014/main" id="{B3A09DF8-4865-4CCA-B370-F6F14307BA48}"/>
+                <a16:creationId xmlns:a16="http://schemas.microsoft.com/office/drawing/2014/main" id="{B3A09DF8-4865-4CCA-B370-F6F14307BA48}"/>
               </a:ext>
             </a:extLst>
           </p:cNvPr>
@@ -17179,10 +16922,9 @@
           <a:lstStyle/>
           <a:p>
             <a:r>
-              <a:rPr lang="en-US" sz="6000" dirty="0" smtClean="0"/>
+              <a:rPr lang="en-US" sz="6000" dirty="0"/>
               <a:t>Merged Data Set</a:t>
             </a:r>
-            <a:endParaRPr lang="en-US" sz="6000" dirty="0"/>
           </a:p>
         </p:txBody>
       </p:sp>
@@ -17191,10 +16933,10 @@
           <p:cNvPr id="8" name="Freeform: Shape 7">
             <a:extLst>
               <a:ext uri="{FF2B5EF4-FFF2-40B4-BE49-F238E27FC236}">
-                <a16:creationId xmlns="" xmlns:a16="http://schemas.microsoft.com/office/drawing/2014/main" id="{7CB4857B-ED7C-444D-9F04-2F885114A1C2}"/>
+                <a16:creationId xmlns:a16="http://schemas.microsoft.com/office/drawing/2014/main" id="{7CB4857B-ED7C-444D-9F04-2F885114A1C2}"/>
               </a:ext>
               <a:ext uri="{C183D7F6-B498-43B3-948B-1728B52AA6E4}">
-                <adec:decorative xmlns="" xmlns:adec="http://schemas.microsoft.com/office/drawing/2017/decorative" val="1"/>
+                <adec:decorative xmlns:adec="http://schemas.microsoft.com/office/drawing/2017/decorative" val="1"/>
               </a:ext>
             </a:extLst>
           </p:cNvPr>
@@ -17204,7 +16946,7 @@
           <p:nvPr>
             <p:extLst>
               <p:ext uri="{386F3935-93C4-4BCD-93E2-E3B085C9AB24}">
-                <p16:designElem xmlns="" xmlns:p16="http://schemas.microsoft.com/office/powerpoint/2015/main" val="1"/>
+                <p16:designElem xmlns:p16="http://schemas.microsoft.com/office/powerpoint/2015/main" val="1"/>
               </p:ext>
             </p:extLst>
           </p:nvPr>
@@ -17299,10 +17041,10 @@
           <p:cNvPr id="10" name="Freeform: Shape 9">
             <a:extLst>
               <a:ext uri="{FF2B5EF4-FFF2-40B4-BE49-F238E27FC236}">
-                <a16:creationId xmlns="" xmlns:a16="http://schemas.microsoft.com/office/drawing/2014/main" id="{D18046FB-44EA-4FD8-A585-EA09A319B2D0}"/>
+                <a16:creationId xmlns:a16="http://schemas.microsoft.com/office/drawing/2014/main" id="{D18046FB-44EA-4FD8-A585-EA09A319B2D0}"/>
               </a:ext>
               <a:ext uri="{C183D7F6-B498-43B3-948B-1728B52AA6E4}">
-                <adec:decorative xmlns="" xmlns:adec="http://schemas.microsoft.com/office/drawing/2017/decorative" val="1"/>
+                <adec:decorative xmlns:adec="http://schemas.microsoft.com/office/drawing/2017/decorative" val="1"/>
               </a:ext>
             </a:extLst>
           </p:cNvPr>
@@ -17312,7 +17054,7 @@
           <p:nvPr>
             <p:extLst>
               <p:ext uri="{386F3935-93C4-4BCD-93E2-E3B085C9AB24}">
-                <p16:designElem xmlns="" xmlns:p16="http://schemas.microsoft.com/office/powerpoint/2015/main" val="1"/>
+                <p16:designElem xmlns:p16="http://schemas.microsoft.com/office/powerpoint/2015/main" val="1"/>
               </p:ext>
             </p:extLst>
           </p:nvPr>
@@ -17561,10 +17303,10 @@
           <p:cNvPr id="12" name="Freeform: Shape 11">
             <a:extLst>
               <a:ext uri="{FF2B5EF4-FFF2-40B4-BE49-F238E27FC236}">
-                <a16:creationId xmlns="" xmlns:a16="http://schemas.microsoft.com/office/drawing/2014/main" id="{479F5F2B-8B58-4140-AE6A-51F6C67B18D9}"/>
+                <a16:creationId xmlns:a16="http://schemas.microsoft.com/office/drawing/2014/main" id="{479F5F2B-8B58-4140-AE6A-51F6C67B18D9}"/>
               </a:ext>
               <a:ext uri="{C183D7F6-B498-43B3-948B-1728B52AA6E4}">
-                <adec:decorative xmlns="" xmlns:adec="http://schemas.microsoft.com/office/drawing/2017/decorative" val="1"/>
+                <adec:decorative xmlns:adec="http://schemas.microsoft.com/office/drawing/2017/decorative" val="1"/>
               </a:ext>
             </a:extLst>
           </p:cNvPr>
@@ -17574,7 +17316,7 @@
           <p:nvPr>
             <p:extLst>
               <p:ext uri="{386F3935-93C4-4BCD-93E2-E3B085C9AB24}">
-                <p16:designElem xmlns="" xmlns:p16="http://schemas.microsoft.com/office/powerpoint/2015/main" val="1"/>
+                <p16:designElem xmlns:p16="http://schemas.microsoft.com/office/powerpoint/2015/main" val="1"/>
               </p:ext>
             </p:extLst>
           </p:nvPr>
@@ -17661,7 +17403,7 @@
           <p:cNvPr id="3" name="Content Placeholder 2">
             <a:extLst>
               <a:ext uri="{FF2B5EF4-FFF2-40B4-BE49-F238E27FC236}">
-                <a16:creationId xmlns="" xmlns:a16="http://schemas.microsoft.com/office/drawing/2014/main" id="{059A0788-7DD6-46B6-99A3-893A0248E6F8}"/>
+                <a16:creationId xmlns:a16="http://schemas.microsoft.com/office/drawing/2014/main" id="{059A0788-7DD6-46B6-99A3-893A0248E6F8}"/>
               </a:ext>
             </a:extLst>
           </p:cNvPr>
@@ -17684,7 +17426,7 @@
           </a:bodyPr>
           <a:lstStyle/>
           <a:p>
-            <a:endParaRPr lang="en-US" sz="3600" dirty="0" smtClean="0"/>
+            <a:endParaRPr lang="en-US" sz="3600" dirty="0"/>
           </a:p>
           <a:p>
             <a:endParaRPr lang="en-US" sz="3600" dirty="0"/>
@@ -17692,11 +17434,7 @@
           <a:p>
             <a:r>
               <a:rPr lang="en-US" sz="3600" dirty="0"/>
-              <a:t>B</a:t>
-            </a:r>
-            <a:r>
-              <a:rPr lang="en-US" sz="3600" dirty="0" smtClean="0"/>
-              <a:t>ivariate Analysis of the merged data sets </a:t>
+              <a:t>Bivariate Analysis of the merged data sets </a:t>
             </a:r>
           </a:p>
         </p:txBody>
@@ -17736,10 +17474,10 @@
           <p:cNvPr id="40" name="Rectangle 39">
             <a:extLst>
               <a:ext uri="{FF2B5EF4-FFF2-40B4-BE49-F238E27FC236}">
-                <a16:creationId xmlns="" xmlns:a16="http://schemas.microsoft.com/office/drawing/2014/main" id="{9A5D6D04-32E9-4AF7-BB82-DB2D0C0B478B}"/>
+                <a16:creationId xmlns:a16="http://schemas.microsoft.com/office/drawing/2014/main" id="{9A5D6D04-32E9-4AF7-BB82-DB2D0C0B478B}"/>
               </a:ext>
               <a:ext uri="{C183D7F6-B498-43B3-948B-1728B52AA6E4}">
-                <adec:decorative xmlns="" xmlns:adec="http://schemas.microsoft.com/office/drawing/2017/decorative" val="1"/>
+                <adec:decorative xmlns:adec="http://schemas.microsoft.com/office/drawing/2017/decorative" val="1"/>
               </a:ext>
             </a:extLst>
           </p:cNvPr>
@@ -17749,7 +17487,7 @@
           <p:nvPr>
             <p:extLst>
               <p:ext uri="{386F3935-93C4-4BCD-93E2-E3B085C9AB24}">
-                <p16:designElem xmlns="" xmlns:p16="http://schemas.microsoft.com/office/powerpoint/2015/main" val="1"/>
+                <p16:designElem xmlns:p16="http://schemas.microsoft.com/office/powerpoint/2015/main" val="1"/>
               </p:ext>
             </p:extLst>
           </p:nvPr>
@@ -17799,10 +17537,10 @@
           <p:cNvPr id="42" name="Freeform: Shape 41">
             <a:extLst>
               <a:ext uri="{FF2B5EF4-FFF2-40B4-BE49-F238E27FC236}">
-                <a16:creationId xmlns="" xmlns:a16="http://schemas.microsoft.com/office/drawing/2014/main" id="{BD5BB1EC-C99A-474B-8874-52B41096D667}"/>
+                <a16:creationId xmlns:a16="http://schemas.microsoft.com/office/drawing/2014/main" id="{BD5BB1EC-C99A-474B-8874-52B41096D667}"/>
               </a:ext>
               <a:ext uri="{C183D7F6-B498-43B3-948B-1728B52AA6E4}">
-                <adec:decorative xmlns="" xmlns:adec="http://schemas.microsoft.com/office/drawing/2017/decorative" val="1"/>
+                <adec:decorative xmlns:adec="http://schemas.microsoft.com/office/drawing/2017/decorative" val="1"/>
               </a:ext>
             </a:extLst>
           </p:cNvPr>
@@ -17812,7 +17550,7 @@
           <p:nvPr>
             <p:extLst>
               <p:ext uri="{386F3935-93C4-4BCD-93E2-E3B085C9AB24}">
-                <p16:designElem xmlns="" xmlns:p16="http://schemas.microsoft.com/office/powerpoint/2015/main" val="1"/>
+                <p16:designElem xmlns:p16="http://schemas.microsoft.com/office/powerpoint/2015/main" val="1"/>
               </p:ext>
             </p:extLst>
           </p:nvPr>
@@ -18005,10 +17743,10 @@
           <p:cNvPr id="44" name="Freeform: Shape 43">
             <a:extLst>
               <a:ext uri="{FF2B5EF4-FFF2-40B4-BE49-F238E27FC236}">
-                <a16:creationId xmlns="" xmlns:a16="http://schemas.microsoft.com/office/drawing/2014/main" id="{9C16096C-9FFA-410C-B7AC-DF791DCF1B2F}"/>
+                <a16:creationId xmlns:a16="http://schemas.microsoft.com/office/drawing/2014/main" id="{9C16096C-9FFA-410C-B7AC-DF791DCF1B2F}"/>
               </a:ext>
               <a:ext uri="{C183D7F6-B498-43B3-948B-1728B52AA6E4}">
-                <adec:decorative xmlns="" xmlns:adec="http://schemas.microsoft.com/office/drawing/2017/decorative" val="1"/>
+                <adec:decorative xmlns:adec="http://schemas.microsoft.com/office/drawing/2017/decorative" val="1"/>
               </a:ext>
             </a:extLst>
           </p:cNvPr>
@@ -18018,7 +17756,7 @@
           <p:nvPr>
             <p:extLst>
               <p:ext uri="{386F3935-93C4-4BCD-93E2-E3B085C9AB24}">
-                <p16:designElem xmlns="" xmlns:p16="http://schemas.microsoft.com/office/powerpoint/2015/main" val="1"/>
+                <p16:designElem xmlns:p16="http://schemas.microsoft.com/office/powerpoint/2015/main" val="1"/>
               </p:ext>
             </p:extLst>
           </p:nvPr>
@@ -18119,7 +17857,7 @@
           <p:cNvPr id="2" name="Title 1">
             <a:extLst>
               <a:ext uri="{FF2B5EF4-FFF2-40B4-BE49-F238E27FC236}">
-                <a16:creationId xmlns="" xmlns:a16="http://schemas.microsoft.com/office/drawing/2014/main" id="{97183128-6D67-4B6A-BDFE-4D930B16E917}"/>
+                <a16:creationId xmlns:a16="http://schemas.microsoft.com/office/drawing/2014/main" id="{97183128-6D67-4B6A-BDFE-4D930B16E917}"/>
               </a:ext>
             </a:extLst>
           </p:cNvPr>
@@ -18143,18 +17881,13 @@
           <a:lstStyle/>
           <a:p>
             <a:r>
-              <a:rPr lang="en-US" dirty="0" smtClean="0">
+              <a:rPr lang="en-US" dirty="0">
                 <a:solidFill>
                   <a:schemeClr val="bg1"/>
                 </a:solidFill>
               </a:rPr>
               <a:t>Credit Amount Vs Annuity Amount</a:t>
             </a:r>
-            <a:endParaRPr lang="en-US" dirty="0">
-              <a:solidFill>
-                <a:schemeClr val="bg1"/>
-              </a:solidFill>
-            </a:endParaRPr>
           </a:p>
         </p:txBody>
       </p:sp>
@@ -18163,7 +17896,7 @@
           <p:cNvPr id="3" name="Content Placeholder 2">
             <a:extLst>
               <a:ext uri="{FF2B5EF4-FFF2-40B4-BE49-F238E27FC236}">
-                <a16:creationId xmlns="" xmlns:a16="http://schemas.microsoft.com/office/drawing/2014/main" id="{0EFF15B1-B386-4612-B981-CD2CDC5F756F}"/>
+                <a16:creationId xmlns:a16="http://schemas.microsoft.com/office/drawing/2014/main" id="{0EFF15B1-B386-4612-B981-CD2CDC5F756F}"/>
               </a:ext>
             </a:extLst>
           </p:cNvPr>
@@ -18186,7 +17919,7 @@
           </a:bodyPr>
           <a:lstStyle/>
           <a:p>
-            <a:endParaRPr lang="en-US" sz="2000" dirty="0" smtClean="0">
+            <a:endParaRPr lang="en-US" sz="2000" dirty="0">
               <a:solidFill>
                 <a:schemeClr val="bg1"/>
               </a:solidFill>
@@ -18194,7 +17927,7 @@
           </a:p>
           <a:p>
             <a:r>
-              <a:rPr lang="en-US" sz="2000" dirty="0" smtClean="0">
+              <a:rPr lang="en-US" sz="2000" dirty="0">
                 <a:solidFill>
                   <a:schemeClr val="bg1"/>
                 </a:solidFill>
@@ -18204,7 +17937,7 @@
           </a:p>
           <a:p>
             <a:r>
-              <a:rPr lang="en-US" sz="2000" dirty="0" smtClean="0">
+              <a:rPr lang="en-US" sz="2000" dirty="0">
                 <a:solidFill>
                   <a:schemeClr val="bg1"/>
                 </a:solidFill>
@@ -18214,7 +17947,7 @@
           </a:p>
           <a:p>
             <a:r>
-              <a:rPr lang="en-US" sz="2000" dirty="0" smtClean="0">
+              <a:rPr lang="en-US" sz="2000" dirty="0">
                 <a:solidFill>
                   <a:schemeClr val="bg1"/>
                 </a:solidFill>
@@ -18227,7 +17960,7 @@
               <a:buNone/>
             </a:pPr>
             <a:r>
-              <a:rPr lang="en-US" sz="2000" dirty="0" smtClean="0">
+              <a:rPr lang="en-US" sz="2000" dirty="0">
                 <a:solidFill>
                   <a:schemeClr val="bg1"/>
                 </a:solidFill>
@@ -18320,7 +18053,7 @@
           <p:cNvPr id="2" name="Title 1">
             <a:extLst>
               <a:ext uri="{FF2B5EF4-FFF2-40B4-BE49-F238E27FC236}">
-                <a16:creationId xmlns="" xmlns:a16="http://schemas.microsoft.com/office/drawing/2014/main" id="{B3A09DF8-4865-4CCA-B370-F6F14307BA48}"/>
+                <a16:creationId xmlns:a16="http://schemas.microsoft.com/office/drawing/2014/main" id="{B3A09DF8-4865-4CCA-B370-F6F14307BA48}"/>
               </a:ext>
             </a:extLst>
           </p:cNvPr>
@@ -18344,10 +18077,9 @@
           <a:lstStyle/>
           <a:p>
             <a:r>
-              <a:rPr lang="en-US" dirty="0" smtClean="0"/>
+              <a:rPr lang="en-US" dirty="0"/>
               <a:t>Purpose of the Loan VS Annuity Amount</a:t>
             </a:r>
-            <a:endParaRPr lang="en-US" dirty="0"/>
           </a:p>
         </p:txBody>
       </p:sp>
@@ -18356,10 +18088,10 @@
           <p:cNvPr id="8" name="Freeform: Shape 7">
             <a:extLst>
               <a:ext uri="{FF2B5EF4-FFF2-40B4-BE49-F238E27FC236}">
-                <a16:creationId xmlns="" xmlns:a16="http://schemas.microsoft.com/office/drawing/2014/main" id="{7CB4857B-ED7C-444D-9F04-2F885114A1C2}"/>
+                <a16:creationId xmlns:a16="http://schemas.microsoft.com/office/drawing/2014/main" id="{7CB4857B-ED7C-444D-9F04-2F885114A1C2}"/>
               </a:ext>
               <a:ext uri="{C183D7F6-B498-43B3-948B-1728B52AA6E4}">
-                <adec:decorative xmlns="" xmlns:adec="http://schemas.microsoft.com/office/drawing/2017/decorative" val="1"/>
+                <adec:decorative xmlns:adec="http://schemas.microsoft.com/office/drawing/2017/decorative" val="1"/>
               </a:ext>
             </a:extLst>
           </p:cNvPr>
@@ -18369,7 +18101,7 @@
           <p:nvPr>
             <p:extLst>
               <p:ext uri="{386F3935-93C4-4BCD-93E2-E3B085C9AB24}">
-                <p16:designElem xmlns="" xmlns:p16="http://schemas.microsoft.com/office/powerpoint/2015/main" val="1"/>
+                <p16:designElem xmlns:p16="http://schemas.microsoft.com/office/powerpoint/2015/main" val="1"/>
               </p:ext>
             </p:extLst>
           </p:nvPr>
@@ -18464,10 +18196,10 @@
           <p:cNvPr id="10" name="Freeform: Shape 9">
             <a:extLst>
               <a:ext uri="{FF2B5EF4-FFF2-40B4-BE49-F238E27FC236}">
-                <a16:creationId xmlns="" xmlns:a16="http://schemas.microsoft.com/office/drawing/2014/main" id="{D18046FB-44EA-4FD8-A585-EA09A319B2D0}"/>
+                <a16:creationId xmlns:a16="http://schemas.microsoft.com/office/drawing/2014/main" id="{D18046FB-44EA-4FD8-A585-EA09A319B2D0}"/>
               </a:ext>
               <a:ext uri="{C183D7F6-B498-43B3-948B-1728B52AA6E4}">
-                <adec:decorative xmlns="" xmlns:adec="http://schemas.microsoft.com/office/drawing/2017/decorative" val="1"/>
+                <adec:decorative xmlns:adec="http://schemas.microsoft.com/office/drawing/2017/decorative" val="1"/>
               </a:ext>
             </a:extLst>
           </p:cNvPr>
@@ -18477,7 +18209,7 @@
           <p:nvPr>
             <p:extLst>
               <p:ext uri="{386F3935-93C4-4BCD-93E2-E3B085C9AB24}">
-                <p16:designElem xmlns="" xmlns:p16="http://schemas.microsoft.com/office/powerpoint/2015/main" val="1"/>
+                <p16:designElem xmlns:p16="http://schemas.microsoft.com/office/powerpoint/2015/main" val="1"/>
               </p:ext>
             </p:extLst>
           </p:nvPr>
@@ -18726,10 +18458,10 @@
           <p:cNvPr id="12" name="Freeform: Shape 11">
             <a:extLst>
               <a:ext uri="{FF2B5EF4-FFF2-40B4-BE49-F238E27FC236}">
-                <a16:creationId xmlns="" xmlns:a16="http://schemas.microsoft.com/office/drawing/2014/main" id="{479F5F2B-8B58-4140-AE6A-51F6C67B18D9}"/>
+                <a16:creationId xmlns:a16="http://schemas.microsoft.com/office/drawing/2014/main" id="{479F5F2B-8B58-4140-AE6A-51F6C67B18D9}"/>
               </a:ext>
               <a:ext uri="{C183D7F6-B498-43B3-948B-1728B52AA6E4}">
-                <adec:decorative xmlns="" xmlns:adec="http://schemas.microsoft.com/office/drawing/2017/decorative" val="1"/>
+                <adec:decorative xmlns:adec="http://schemas.microsoft.com/office/drawing/2017/decorative" val="1"/>
               </a:ext>
             </a:extLst>
           </p:cNvPr>
@@ -18739,7 +18471,7 @@
           <p:nvPr>
             <p:extLst>
               <p:ext uri="{386F3935-93C4-4BCD-93E2-E3B085C9AB24}">
-                <p16:designElem xmlns="" xmlns:p16="http://schemas.microsoft.com/office/powerpoint/2015/main" val="1"/>
+                <p16:designElem xmlns:p16="http://schemas.microsoft.com/office/powerpoint/2015/main" val="1"/>
               </p:ext>
             </p:extLst>
           </p:nvPr>
@@ -18826,7 +18558,7 @@
           <p:cNvPr id="3" name="Content Placeholder 2">
             <a:extLst>
               <a:ext uri="{FF2B5EF4-FFF2-40B4-BE49-F238E27FC236}">
-                <a16:creationId xmlns="" xmlns:a16="http://schemas.microsoft.com/office/drawing/2014/main" id="{059A0788-7DD6-46B6-99A3-893A0248E6F8}"/>
+                <a16:creationId xmlns:a16="http://schemas.microsoft.com/office/drawing/2014/main" id="{059A0788-7DD6-46B6-99A3-893A0248E6F8}"/>
               </a:ext>
             </a:extLst>
           </p:cNvPr>
@@ -18850,31 +18582,31 @@
           <a:lstStyle/>
           <a:p>
             <a:r>
-              <a:rPr lang="en-US" dirty="0" smtClean="0"/>
+              <a:rPr lang="en-US" dirty="0"/>
               <a:t>Numerical VS Categorical Variable </a:t>
             </a:r>
           </a:p>
           <a:p>
             <a:r>
-              <a:rPr lang="en-US" dirty="0" smtClean="0"/>
+              <a:rPr lang="en-US" dirty="0"/>
               <a:t>Target 1 – Graph 1 </a:t>
             </a:r>
           </a:p>
           <a:p>
             <a:r>
-              <a:rPr lang="en-US" dirty="0" smtClean="0"/>
+              <a:rPr lang="en-US" dirty="0"/>
               <a:t>Target 0 – Graph 2</a:t>
             </a:r>
           </a:p>
           <a:p>
             <a:r>
-              <a:rPr lang="en-US" dirty="0" smtClean="0"/>
+              <a:rPr lang="en-US" dirty="0"/>
               <a:t>Boxplot is used for the analysis </a:t>
             </a:r>
           </a:p>
           <a:p>
             <a:r>
-              <a:rPr lang="en-US" dirty="0" smtClean="0"/>
+              <a:rPr lang="en-US" dirty="0"/>
               <a:t>Housing Loan is the highest percent of the loan applied by the defaulters.</a:t>
             </a:r>
           </a:p>
@@ -18963,7 +18695,7 @@
           <p:cNvPr id="2" name="Title 1">
             <a:extLst>
               <a:ext uri="{FF2B5EF4-FFF2-40B4-BE49-F238E27FC236}">
-                <a16:creationId xmlns="" xmlns:a16="http://schemas.microsoft.com/office/drawing/2014/main" id="{B3A09DF8-4865-4CCA-B370-F6F14307BA48}"/>
+                <a16:creationId xmlns:a16="http://schemas.microsoft.com/office/drawing/2014/main" id="{B3A09DF8-4865-4CCA-B370-F6F14307BA48}"/>
               </a:ext>
             </a:extLst>
           </p:cNvPr>
@@ -18987,10 +18719,9 @@
           <a:lstStyle/>
           <a:p>
             <a:r>
-              <a:rPr lang="en-US" dirty="0" smtClean="0"/>
+              <a:rPr lang="en-US" dirty="0"/>
               <a:t>Portfolio of the Loan VS Annuity Amount</a:t>
             </a:r>
-            <a:endParaRPr lang="en-US" dirty="0"/>
           </a:p>
         </p:txBody>
       </p:sp>
@@ -18999,10 +18730,10 @@
           <p:cNvPr id="8" name="Freeform: Shape 7">
             <a:extLst>
               <a:ext uri="{FF2B5EF4-FFF2-40B4-BE49-F238E27FC236}">
-                <a16:creationId xmlns="" xmlns:a16="http://schemas.microsoft.com/office/drawing/2014/main" id="{7CB4857B-ED7C-444D-9F04-2F885114A1C2}"/>
+                <a16:creationId xmlns:a16="http://schemas.microsoft.com/office/drawing/2014/main" id="{7CB4857B-ED7C-444D-9F04-2F885114A1C2}"/>
               </a:ext>
               <a:ext uri="{C183D7F6-B498-43B3-948B-1728B52AA6E4}">
-                <adec:decorative xmlns="" xmlns:adec="http://schemas.microsoft.com/office/drawing/2017/decorative" val="1"/>
+                <adec:decorative xmlns:adec="http://schemas.microsoft.com/office/drawing/2017/decorative" val="1"/>
               </a:ext>
             </a:extLst>
           </p:cNvPr>
@@ -19012,7 +18743,7 @@
           <p:nvPr>
             <p:extLst>
               <p:ext uri="{386F3935-93C4-4BCD-93E2-E3B085C9AB24}">
-                <p16:designElem xmlns="" xmlns:p16="http://schemas.microsoft.com/office/powerpoint/2015/main" val="1"/>
+                <p16:designElem xmlns:p16="http://schemas.microsoft.com/office/powerpoint/2015/main" val="1"/>
               </p:ext>
             </p:extLst>
           </p:nvPr>
@@ -19107,10 +18838,10 @@
           <p:cNvPr id="10" name="Freeform: Shape 9">
             <a:extLst>
               <a:ext uri="{FF2B5EF4-FFF2-40B4-BE49-F238E27FC236}">
-                <a16:creationId xmlns="" xmlns:a16="http://schemas.microsoft.com/office/drawing/2014/main" id="{D18046FB-44EA-4FD8-A585-EA09A319B2D0}"/>
+                <a16:creationId xmlns:a16="http://schemas.microsoft.com/office/drawing/2014/main" id="{D18046FB-44EA-4FD8-A585-EA09A319B2D0}"/>
               </a:ext>
               <a:ext uri="{C183D7F6-B498-43B3-948B-1728B52AA6E4}">
-                <adec:decorative xmlns="" xmlns:adec="http://schemas.microsoft.com/office/drawing/2017/decorative" val="1"/>
+                <adec:decorative xmlns:adec="http://schemas.microsoft.com/office/drawing/2017/decorative" val="1"/>
               </a:ext>
             </a:extLst>
           </p:cNvPr>
@@ -19120,7 +18851,7 @@
           <p:nvPr>
             <p:extLst>
               <p:ext uri="{386F3935-93C4-4BCD-93E2-E3B085C9AB24}">
-                <p16:designElem xmlns="" xmlns:p16="http://schemas.microsoft.com/office/powerpoint/2015/main" val="1"/>
+                <p16:designElem xmlns:p16="http://schemas.microsoft.com/office/powerpoint/2015/main" val="1"/>
               </p:ext>
             </p:extLst>
           </p:nvPr>
@@ -19369,10 +19100,10 @@
           <p:cNvPr id="12" name="Freeform: Shape 11">
             <a:extLst>
               <a:ext uri="{FF2B5EF4-FFF2-40B4-BE49-F238E27FC236}">
-                <a16:creationId xmlns="" xmlns:a16="http://schemas.microsoft.com/office/drawing/2014/main" id="{479F5F2B-8B58-4140-AE6A-51F6C67B18D9}"/>
+                <a16:creationId xmlns:a16="http://schemas.microsoft.com/office/drawing/2014/main" id="{479F5F2B-8B58-4140-AE6A-51F6C67B18D9}"/>
               </a:ext>
               <a:ext uri="{C183D7F6-B498-43B3-948B-1728B52AA6E4}">
-                <adec:decorative xmlns="" xmlns:adec="http://schemas.microsoft.com/office/drawing/2017/decorative" val="1"/>
+                <adec:decorative xmlns:adec="http://schemas.microsoft.com/office/drawing/2017/decorative" val="1"/>
               </a:ext>
             </a:extLst>
           </p:cNvPr>
@@ -19382,7 +19113,7 @@
           <p:nvPr>
             <p:extLst>
               <p:ext uri="{386F3935-93C4-4BCD-93E2-E3B085C9AB24}">
-                <p16:designElem xmlns="" xmlns:p16="http://schemas.microsoft.com/office/powerpoint/2015/main" val="1"/>
+                <p16:designElem xmlns:p16="http://schemas.microsoft.com/office/powerpoint/2015/main" val="1"/>
               </p:ext>
             </p:extLst>
           </p:nvPr>
@@ -19469,7 +19200,7 @@
           <p:cNvPr id="3" name="Content Placeholder 2">
             <a:extLst>
               <a:ext uri="{FF2B5EF4-FFF2-40B4-BE49-F238E27FC236}">
-                <a16:creationId xmlns="" xmlns:a16="http://schemas.microsoft.com/office/drawing/2014/main" id="{059A0788-7DD6-46B6-99A3-893A0248E6F8}"/>
+                <a16:creationId xmlns:a16="http://schemas.microsoft.com/office/drawing/2014/main" id="{059A0788-7DD6-46B6-99A3-893A0248E6F8}"/>
               </a:ext>
             </a:extLst>
           </p:cNvPr>
@@ -19493,31 +19224,31 @@
           <a:lstStyle/>
           <a:p>
             <a:r>
-              <a:rPr lang="en-US" dirty="0" smtClean="0"/>
+              <a:rPr lang="en-US" dirty="0"/>
               <a:t>Numerical VS Categorical Variable </a:t>
             </a:r>
           </a:p>
           <a:p>
             <a:r>
-              <a:rPr lang="en-US" dirty="0" smtClean="0"/>
+              <a:rPr lang="en-US" dirty="0"/>
               <a:t>Target 1 – Graph 1 </a:t>
             </a:r>
           </a:p>
           <a:p>
             <a:r>
-              <a:rPr lang="en-US" dirty="0" smtClean="0"/>
+              <a:rPr lang="en-US" dirty="0"/>
               <a:t>Target 0 – Graph 2</a:t>
             </a:r>
           </a:p>
           <a:p>
             <a:r>
-              <a:rPr lang="en-US" dirty="0" smtClean="0"/>
+              <a:rPr lang="en-US" dirty="0"/>
               <a:t>Boxplot is used for the analysis</a:t>
             </a:r>
           </a:p>
           <a:p>
             <a:r>
-              <a:rPr lang="en-US" dirty="0" smtClean="0"/>
+              <a:rPr lang="en-US" dirty="0"/>
               <a:t>The graph depicts that more defaulters are people whose previous application was for car loans.</a:t>
             </a:r>
           </a:p>
@@ -19606,7 +19337,7 @@
           <p:cNvPr id="2" name="Title 1">
             <a:extLst>
               <a:ext uri="{FF2B5EF4-FFF2-40B4-BE49-F238E27FC236}">
-                <a16:creationId xmlns="" xmlns:a16="http://schemas.microsoft.com/office/drawing/2014/main" id="{B3A09DF8-4865-4CCA-B370-F6F14307BA48}"/>
+                <a16:creationId xmlns:a16="http://schemas.microsoft.com/office/drawing/2014/main" id="{B3A09DF8-4865-4CCA-B370-F6F14307BA48}"/>
               </a:ext>
             </a:extLst>
           </p:cNvPr>
@@ -19630,10 +19361,9 @@
           <a:lstStyle/>
           <a:p>
             <a:r>
-              <a:rPr lang="en-US" sz="3200" dirty="0" smtClean="0"/>
+              <a:rPr lang="en-US" sz="3200" dirty="0"/>
               <a:t>Industry of Seller VS Purpose of Cash Loan</a:t>
             </a:r>
-            <a:endParaRPr lang="en-US" sz="3200" dirty="0"/>
           </a:p>
         </p:txBody>
       </p:sp>
@@ -19642,10 +19372,10 @@
           <p:cNvPr id="8" name="Freeform: Shape 7">
             <a:extLst>
               <a:ext uri="{FF2B5EF4-FFF2-40B4-BE49-F238E27FC236}">
-                <a16:creationId xmlns="" xmlns:a16="http://schemas.microsoft.com/office/drawing/2014/main" id="{7CB4857B-ED7C-444D-9F04-2F885114A1C2}"/>
+                <a16:creationId xmlns:a16="http://schemas.microsoft.com/office/drawing/2014/main" id="{7CB4857B-ED7C-444D-9F04-2F885114A1C2}"/>
               </a:ext>
               <a:ext uri="{C183D7F6-B498-43B3-948B-1728B52AA6E4}">
-                <adec:decorative xmlns="" xmlns:adec="http://schemas.microsoft.com/office/drawing/2017/decorative" val="1"/>
+                <adec:decorative xmlns:adec="http://schemas.microsoft.com/office/drawing/2017/decorative" val="1"/>
               </a:ext>
             </a:extLst>
           </p:cNvPr>
@@ -19655,7 +19385,7 @@
           <p:nvPr>
             <p:extLst>
               <p:ext uri="{386F3935-93C4-4BCD-93E2-E3B085C9AB24}">
-                <p16:designElem xmlns="" xmlns:p16="http://schemas.microsoft.com/office/powerpoint/2015/main" val="1"/>
+                <p16:designElem xmlns:p16="http://schemas.microsoft.com/office/powerpoint/2015/main" val="1"/>
               </p:ext>
             </p:extLst>
           </p:nvPr>
@@ -19750,10 +19480,10 @@
           <p:cNvPr id="10" name="Freeform: Shape 9">
             <a:extLst>
               <a:ext uri="{FF2B5EF4-FFF2-40B4-BE49-F238E27FC236}">
-                <a16:creationId xmlns="" xmlns:a16="http://schemas.microsoft.com/office/drawing/2014/main" id="{D18046FB-44EA-4FD8-A585-EA09A319B2D0}"/>
+                <a16:creationId xmlns:a16="http://schemas.microsoft.com/office/drawing/2014/main" id="{D18046FB-44EA-4FD8-A585-EA09A319B2D0}"/>
               </a:ext>
               <a:ext uri="{C183D7F6-B498-43B3-948B-1728B52AA6E4}">
-                <adec:decorative xmlns="" xmlns:adec="http://schemas.microsoft.com/office/drawing/2017/decorative" val="1"/>
+                <adec:decorative xmlns:adec="http://schemas.microsoft.com/office/drawing/2017/decorative" val="1"/>
               </a:ext>
             </a:extLst>
           </p:cNvPr>
@@ -19763,7 +19493,7 @@
           <p:nvPr>
             <p:extLst>
               <p:ext uri="{386F3935-93C4-4BCD-93E2-E3B085C9AB24}">
-                <p16:designElem xmlns="" xmlns:p16="http://schemas.microsoft.com/office/powerpoint/2015/main" val="1"/>
+                <p16:designElem xmlns:p16="http://schemas.microsoft.com/office/powerpoint/2015/main" val="1"/>
               </p:ext>
             </p:extLst>
           </p:nvPr>
@@ -20012,10 +19742,10 @@
           <p:cNvPr id="12" name="Freeform: Shape 11">
             <a:extLst>
               <a:ext uri="{FF2B5EF4-FFF2-40B4-BE49-F238E27FC236}">
-                <a16:creationId xmlns="" xmlns:a16="http://schemas.microsoft.com/office/drawing/2014/main" id="{479F5F2B-8B58-4140-AE6A-51F6C67B18D9}"/>
+                <a16:creationId xmlns:a16="http://schemas.microsoft.com/office/drawing/2014/main" id="{479F5F2B-8B58-4140-AE6A-51F6C67B18D9}"/>
               </a:ext>
               <a:ext uri="{C183D7F6-B498-43B3-948B-1728B52AA6E4}">
-                <adec:decorative xmlns="" xmlns:adec="http://schemas.microsoft.com/office/drawing/2017/decorative" val="1"/>
+                <adec:decorative xmlns:adec="http://schemas.microsoft.com/office/drawing/2017/decorative" val="1"/>
               </a:ext>
             </a:extLst>
           </p:cNvPr>
@@ -20025,7 +19755,7 @@
           <p:nvPr>
             <p:extLst>
               <p:ext uri="{386F3935-93C4-4BCD-93E2-E3B085C9AB24}">
-                <p16:designElem xmlns="" xmlns:p16="http://schemas.microsoft.com/office/powerpoint/2015/main" val="1"/>
+                <p16:designElem xmlns:p16="http://schemas.microsoft.com/office/powerpoint/2015/main" val="1"/>
               </p:ext>
             </p:extLst>
           </p:nvPr>
@@ -20112,7 +19842,7 @@
           <p:cNvPr id="3" name="Content Placeholder 2">
             <a:extLst>
               <a:ext uri="{FF2B5EF4-FFF2-40B4-BE49-F238E27FC236}">
-                <a16:creationId xmlns="" xmlns:a16="http://schemas.microsoft.com/office/drawing/2014/main" id="{059A0788-7DD6-46B6-99A3-893A0248E6F8}"/>
+                <a16:creationId xmlns:a16="http://schemas.microsoft.com/office/drawing/2014/main" id="{059A0788-7DD6-46B6-99A3-893A0248E6F8}"/>
               </a:ext>
             </a:extLst>
           </p:cNvPr>
@@ -20136,39 +19866,35 @@
           <a:lstStyle/>
           <a:p>
             <a:r>
-              <a:rPr lang="en-US" dirty="0" smtClean="0"/>
-              <a:t>Categorical</a:t>
+              <a:rPr lang="en-US" dirty="0"/>
+              <a:t>Categorical VS Categorical Variable </a:t>
             </a:r>
+          </a:p>
+          <a:p>
             <a:r>
-              <a:rPr lang="en-US" dirty="0" smtClean="0"/>
-              <a:t> VS Categorical Variable </a:t>
-            </a:r>
-          </a:p>
-          <a:p>
-            <a:r>
-              <a:rPr lang="en-US" dirty="0" smtClean="0"/>
+              <a:rPr lang="en-US" dirty="0"/>
               <a:t>Target 1 – Graph 1 </a:t>
             </a:r>
           </a:p>
           <a:p>
             <a:r>
-              <a:rPr lang="en-US" dirty="0" smtClean="0"/>
+              <a:rPr lang="en-US" dirty="0"/>
               <a:t>Target 0 – Graph 2</a:t>
             </a:r>
           </a:p>
           <a:p>
             <a:r>
-              <a:rPr lang="en-US" dirty="0" err="1" smtClean="0"/>
+              <a:rPr lang="en-US" dirty="0" err="1"/>
               <a:t>Bargraph</a:t>
             </a:r>
             <a:r>
-              <a:rPr lang="en-US" dirty="0" smtClean="0"/>
+              <a:rPr lang="en-US" dirty="0"/>
               <a:t> is used for the analysis</a:t>
             </a:r>
           </a:p>
           <a:p>
             <a:r>
-              <a:rPr lang="en-US" dirty="0" smtClean="0"/>
+              <a:rPr lang="en-US" dirty="0"/>
               <a:t>The graph depicts that more defaulters are people who belong to the industry of XNA.</a:t>
             </a:r>
           </a:p>
@@ -20257,7 +19983,7 @@
           <p:cNvPr id="2" name="Title 1">
             <a:extLst>
               <a:ext uri="{FF2B5EF4-FFF2-40B4-BE49-F238E27FC236}">
-                <a16:creationId xmlns="" xmlns:a16="http://schemas.microsoft.com/office/drawing/2014/main" id="{B3A09DF8-4865-4CCA-B370-F6F14307BA48}"/>
+                <a16:creationId xmlns:a16="http://schemas.microsoft.com/office/drawing/2014/main" id="{B3A09DF8-4865-4CCA-B370-F6F14307BA48}"/>
               </a:ext>
             </a:extLst>
           </p:cNvPr>
@@ -20281,10 +20007,9 @@
           <a:lstStyle/>
           <a:p>
             <a:r>
-              <a:rPr lang="en-US" sz="3600" dirty="0" smtClean="0"/>
+              <a:rPr lang="en-US" sz="3600" dirty="0"/>
               <a:t>Conclusion of the Analysis</a:t>
             </a:r>
-            <a:endParaRPr lang="en-US" sz="3600" dirty="0"/>
           </a:p>
         </p:txBody>
       </p:sp>
@@ -20293,10 +20018,10 @@
           <p:cNvPr id="8" name="Freeform: Shape 7">
             <a:extLst>
               <a:ext uri="{FF2B5EF4-FFF2-40B4-BE49-F238E27FC236}">
-                <a16:creationId xmlns="" xmlns:a16="http://schemas.microsoft.com/office/drawing/2014/main" id="{7CB4857B-ED7C-444D-9F04-2F885114A1C2}"/>
+                <a16:creationId xmlns:a16="http://schemas.microsoft.com/office/drawing/2014/main" id="{7CB4857B-ED7C-444D-9F04-2F885114A1C2}"/>
               </a:ext>
               <a:ext uri="{C183D7F6-B498-43B3-948B-1728B52AA6E4}">
-                <adec:decorative xmlns="" xmlns:adec="http://schemas.microsoft.com/office/drawing/2017/decorative" val="1"/>
+                <adec:decorative xmlns:adec="http://schemas.microsoft.com/office/drawing/2017/decorative" val="1"/>
               </a:ext>
             </a:extLst>
           </p:cNvPr>
@@ -20306,7 +20031,7 @@
           <p:nvPr>
             <p:extLst>
               <p:ext uri="{386F3935-93C4-4BCD-93E2-E3B085C9AB24}">
-                <p16:designElem xmlns="" xmlns:p16="http://schemas.microsoft.com/office/powerpoint/2015/main" val="1"/>
+                <p16:designElem xmlns:p16="http://schemas.microsoft.com/office/powerpoint/2015/main" val="1"/>
               </p:ext>
             </p:extLst>
           </p:nvPr>
@@ -20401,10 +20126,10 @@
           <p:cNvPr id="10" name="Freeform: Shape 9">
             <a:extLst>
               <a:ext uri="{FF2B5EF4-FFF2-40B4-BE49-F238E27FC236}">
-                <a16:creationId xmlns="" xmlns:a16="http://schemas.microsoft.com/office/drawing/2014/main" id="{D18046FB-44EA-4FD8-A585-EA09A319B2D0}"/>
+                <a16:creationId xmlns:a16="http://schemas.microsoft.com/office/drawing/2014/main" id="{D18046FB-44EA-4FD8-A585-EA09A319B2D0}"/>
               </a:ext>
               <a:ext uri="{C183D7F6-B498-43B3-948B-1728B52AA6E4}">
-                <adec:decorative xmlns="" xmlns:adec="http://schemas.microsoft.com/office/drawing/2017/decorative" val="1"/>
+                <adec:decorative xmlns:adec="http://schemas.microsoft.com/office/drawing/2017/decorative" val="1"/>
               </a:ext>
             </a:extLst>
           </p:cNvPr>
@@ -20414,7 +20139,7 @@
           <p:nvPr>
             <p:extLst>
               <p:ext uri="{386F3935-93C4-4BCD-93E2-E3B085C9AB24}">
-                <p16:designElem xmlns="" xmlns:p16="http://schemas.microsoft.com/office/powerpoint/2015/main" val="1"/>
+                <p16:designElem xmlns:p16="http://schemas.microsoft.com/office/powerpoint/2015/main" val="1"/>
               </p:ext>
             </p:extLst>
           </p:nvPr>
@@ -20663,10 +20388,10 @@
           <p:cNvPr id="12" name="Freeform: Shape 11">
             <a:extLst>
               <a:ext uri="{FF2B5EF4-FFF2-40B4-BE49-F238E27FC236}">
-                <a16:creationId xmlns="" xmlns:a16="http://schemas.microsoft.com/office/drawing/2014/main" id="{479F5F2B-8B58-4140-AE6A-51F6C67B18D9}"/>
+                <a16:creationId xmlns:a16="http://schemas.microsoft.com/office/drawing/2014/main" id="{479F5F2B-8B58-4140-AE6A-51F6C67B18D9}"/>
               </a:ext>
               <a:ext uri="{C183D7F6-B498-43B3-948B-1728B52AA6E4}">
-                <adec:decorative xmlns="" xmlns:adec="http://schemas.microsoft.com/office/drawing/2017/decorative" val="1"/>
+                <adec:decorative xmlns:adec="http://schemas.microsoft.com/office/drawing/2017/decorative" val="1"/>
               </a:ext>
             </a:extLst>
           </p:cNvPr>
@@ -20676,7 +20401,7 @@
           <p:nvPr>
             <p:extLst>
               <p:ext uri="{386F3935-93C4-4BCD-93E2-E3B085C9AB24}">
-                <p16:designElem xmlns="" xmlns:p16="http://schemas.microsoft.com/office/powerpoint/2015/main" val="1"/>
+                <p16:designElem xmlns:p16="http://schemas.microsoft.com/office/powerpoint/2015/main" val="1"/>
               </p:ext>
             </p:extLst>
           </p:nvPr>
@@ -20763,7 +20488,7 @@
           <p:cNvPr id="3" name="Content Placeholder 2">
             <a:extLst>
               <a:ext uri="{FF2B5EF4-FFF2-40B4-BE49-F238E27FC236}">
-                <a16:creationId xmlns="" xmlns:a16="http://schemas.microsoft.com/office/drawing/2014/main" id="{059A0788-7DD6-46B6-99A3-893A0248E6F8}"/>
+                <a16:creationId xmlns:a16="http://schemas.microsoft.com/office/drawing/2014/main" id="{059A0788-7DD6-46B6-99A3-893A0248E6F8}"/>
               </a:ext>
             </a:extLst>
           </p:cNvPr>
@@ -20795,23 +20520,12 @@
                   </a:schemeClr>
                 </a:solidFill>
               </a:rPr>
-              <a:t>Banks should focus less on income type ‘Working’ as they are having most number of unsuccessful payments</a:t>
+              <a:t>Banks should focus less on income type ‘Working’ as they are having most number of unsuccessful payments.</a:t>
             </a:r>
+          </a:p>
+          <a:p>
             <a:r>
-              <a:rPr lang="en-US" dirty="0" smtClean="0">
-                <a:solidFill>
-                  <a:schemeClr val="tx1">
-                    <a:lumMod val="95000"/>
-                    <a:lumOff val="5000"/>
-                  </a:schemeClr>
-                </a:solidFill>
-              </a:rPr>
-              <a:t>.</a:t>
-            </a:r>
-          </a:p>
-          <a:p>
-            <a:r>
-              <a:rPr lang="en-US" dirty="0" smtClean="0">
+              <a:rPr lang="en-US" dirty="0">
                 <a:solidFill>
                   <a:schemeClr val="tx1">
                     <a:lumMod val="95000"/>
@@ -20832,18 +20546,7 @@
                   </a:schemeClr>
                 </a:solidFill>
               </a:rPr>
-              <a:t>Banks should focus </a:t>
-            </a:r>
-            <a:r>
-              <a:rPr lang="en-US" dirty="0" smtClean="0">
-                <a:solidFill>
-                  <a:schemeClr val="tx1">
-                    <a:lumMod val="95000"/>
-                    <a:lumOff val="5000"/>
-                  </a:schemeClr>
-                </a:solidFill>
-              </a:rPr>
-              <a:t>on people with educational qualification as Academic Degree as they were having least number of unsuccessful payments.</a:t>
+              <a:t>Banks should focus on people with educational qualification as Academic Degree as they were having least number of unsuccessful payments.</a:t>
             </a:r>
           </a:p>
           <a:p>
@@ -20856,72 +20559,8 @@
                   </a:schemeClr>
                 </a:solidFill>
               </a:rPr>
-              <a:t>Banks should focus on people with </a:t>
+              <a:t>Banks should focus on people with occupation type as IT Staff, HR Staff as they were having the least number of unsuccessful payments.</a:t>
             </a:r>
-            <a:r>
-              <a:rPr lang="en-US" dirty="0" smtClean="0">
-                <a:solidFill>
-                  <a:schemeClr val="tx1">
-                    <a:lumMod val="95000"/>
-                    <a:lumOff val="5000"/>
-                  </a:schemeClr>
-                </a:solidFill>
-              </a:rPr>
-              <a:t>occupation type as IT Staff, HR Staff as </a:t>
-            </a:r>
-            <a:r>
-              <a:rPr lang="en-US" dirty="0">
-                <a:solidFill>
-                  <a:schemeClr val="tx1">
-                    <a:lumMod val="95000"/>
-                    <a:lumOff val="5000"/>
-                  </a:schemeClr>
-                </a:solidFill>
-              </a:rPr>
-              <a:t>they were </a:t>
-            </a:r>
-            <a:r>
-              <a:rPr lang="en-US" dirty="0" smtClean="0">
-                <a:solidFill>
-                  <a:schemeClr val="tx1">
-                    <a:lumMod val="95000"/>
-                    <a:lumOff val="5000"/>
-                  </a:schemeClr>
-                </a:solidFill>
-              </a:rPr>
-              <a:t>having the </a:t>
-            </a:r>
-            <a:r>
-              <a:rPr lang="en-US" dirty="0">
-                <a:solidFill>
-                  <a:schemeClr val="tx1">
-                    <a:lumMod val="95000"/>
-                    <a:lumOff val="5000"/>
-                  </a:schemeClr>
-                </a:solidFill>
-              </a:rPr>
-              <a:t>least number of unsuccessful payments.</a:t>
-            </a:r>
-          </a:p>
-          <a:p>
-            <a:endParaRPr lang="en-US" dirty="0" smtClean="0">
-              <a:solidFill>
-                <a:schemeClr val="tx1">
-                  <a:lumMod val="95000"/>
-                  <a:lumOff val="5000"/>
-                </a:schemeClr>
-              </a:solidFill>
-            </a:endParaRPr>
-          </a:p>
-          <a:p>
-            <a:endParaRPr lang="en-US" dirty="0" smtClean="0">
-              <a:solidFill>
-                <a:schemeClr val="tx1">
-                  <a:lumMod val="95000"/>
-                  <a:lumOff val="5000"/>
-                </a:schemeClr>
-              </a:solidFill>
-            </a:endParaRPr>
           </a:p>
           <a:p>
             <a:endParaRPr lang="en-US" dirty="0">
@@ -20934,16 +20573,6 @@
             </a:endParaRPr>
           </a:p>
           <a:p>
-            <a:endParaRPr lang="en-US" dirty="0" smtClean="0">
-              <a:solidFill>
-                <a:schemeClr val="tx1">
-                  <a:lumMod val="95000"/>
-                  <a:lumOff val="5000"/>
-                </a:schemeClr>
-              </a:solidFill>
-            </a:endParaRPr>
-          </a:p>
-          <a:p>
             <a:endParaRPr lang="en-US" dirty="0">
               <a:solidFill>
                 <a:schemeClr val="tx1">
@@ -20954,7 +20583,37 @@
             </a:endParaRPr>
           </a:p>
           <a:p>
-            <a:endParaRPr lang="en-US" dirty="0" smtClean="0"/>
+            <a:endParaRPr lang="en-US" dirty="0">
+              <a:solidFill>
+                <a:schemeClr val="tx1">
+                  <a:lumMod val="95000"/>
+                  <a:lumOff val="5000"/>
+                </a:schemeClr>
+              </a:solidFill>
+            </a:endParaRPr>
+          </a:p>
+          <a:p>
+            <a:endParaRPr lang="en-US" dirty="0">
+              <a:solidFill>
+                <a:schemeClr val="tx1">
+                  <a:lumMod val="95000"/>
+                  <a:lumOff val="5000"/>
+                </a:schemeClr>
+              </a:solidFill>
+            </a:endParaRPr>
+          </a:p>
+          <a:p>
+            <a:endParaRPr lang="en-US" dirty="0">
+              <a:solidFill>
+                <a:schemeClr val="tx1">
+                  <a:lumMod val="95000"/>
+                  <a:lumOff val="5000"/>
+                </a:schemeClr>
+              </a:solidFill>
+            </a:endParaRPr>
+          </a:p>
+          <a:p>
+            <a:endParaRPr lang="en-US" dirty="0"/>
           </a:p>
         </p:txBody>
       </p:sp>
@@ -21001,7 +20660,7 @@
           <p:cNvPr id="2" name="Title 1">
             <a:extLst>
               <a:ext uri="{FF2B5EF4-FFF2-40B4-BE49-F238E27FC236}">
-                <a16:creationId xmlns="" xmlns:a16="http://schemas.microsoft.com/office/drawing/2014/main" id="{F5F527B4-B4A0-405E-AB11-454432B3CEFB}"/>
+                <a16:creationId xmlns:a16="http://schemas.microsoft.com/office/drawing/2014/main" id="{F5F527B4-B4A0-405E-AB11-454432B3CEFB}"/>
               </a:ext>
             </a:extLst>
           </p:cNvPr>
@@ -21036,10 +20695,10 @@
           <p:cNvPr id="10" name="Freeform: Shape 9">
             <a:extLst>
               <a:ext uri="{FF2B5EF4-FFF2-40B4-BE49-F238E27FC236}">
-                <a16:creationId xmlns="" xmlns:a16="http://schemas.microsoft.com/office/drawing/2014/main" id="{05C7EBC3-4672-4DAB-81C2-58661FAFAED6}"/>
+                <a16:creationId xmlns:a16="http://schemas.microsoft.com/office/drawing/2014/main" id="{05C7EBC3-4672-4DAB-81C2-58661FAFAED6}"/>
               </a:ext>
               <a:ext uri="{C183D7F6-B498-43B3-948B-1728B52AA6E4}">
-                <adec:decorative xmlns="" xmlns:adec="http://schemas.microsoft.com/office/drawing/2017/decorative" val="1"/>
+                <adec:decorative xmlns:adec="http://schemas.microsoft.com/office/drawing/2017/decorative" val="1"/>
               </a:ext>
             </a:extLst>
           </p:cNvPr>
@@ -21049,7 +20708,7 @@
           <p:nvPr>
             <p:extLst>
               <p:ext uri="{386F3935-93C4-4BCD-93E2-E3B085C9AB24}">
-                <p16:designElem xmlns="" xmlns:p16="http://schemas.microsoft.com/office/powerpoint/2015/main" val="1"/>
+                <p16:designElem xmlns:p16="http://schemas.microsoft.com/office/powerpoint/2015/main" val="1"/>
               </p:ext>
             </p:extLst>
           </p:nvPr>
@@ -21174,10 +20833,10 @@
           <p:cNvPr id="12" name="Freeform: Shape 11">
             <a:extLst>
               <a:ext uri="{FF2B5EF4-FFF2-40B4-BE49-F238E27FC236}">
-                <a16:creationId xmlns="" xmlns:a16="http://schemas.microsoft.com/office/drawing/2014/main" id="{40BF962F-4C6F-461E-86F2-C43F56CC939B}"/>
+                <a16:creationId xmlns:a16="http://schemas.microsoft.com/office/drawing/2014/main" id="{40BF962F-4C6F-461E-86F2-C43F56CC939B}"/>
               </a:ext>
               <a:ext uri="{C183D7F6-B498-43B3-948B-1728B52AA6E4}">
-                <adec:decorative xmlns="" xmlns:adec="http://schemas.microsoft.com/office/drawing/2017/decorative" val="1"/>
+                <adec:decorative xmlns:adec="http://schemas.microsoft.com/office/drawing/2017/decorative" val="1"/>
               </a:ext>
             </a:extLst>
           </p:cNvPr>
@@ -21187,7 +20846,7 @@
           <p:nvPr>
             <p:extLst>
               <p:ext uri="{386F3935-93C4-4BCD-93E2-E3B085C9AB24}">
-                <p16:designElem xmlns="" xmlns:p16="http://schemas.microsoft.com/office/powerpoint/2015/main" val="1"/>
+                <p16:designElem xmlns:p16="http://schemas.microsoft.com/office/powerpoint/2015/main" val="1"/>
               </p:ext>
             </p:extLst>
           </p:nvPr>
@@ -21314,10 +20973,10 @@
           <p:cNvPr id="14" name="Freeform: Shape 13">
             <a:extLst>
               <a:ext uri="{FF2B5EF4-FFF2-40B4-BE49-F238E27FC236}">
-                <a16:creationId xmlns="" xmlns:a16="http://schemas.microsoft.com/office/drawing/2014/main" id="{2E94A4F7-38E4-45EA-8E2E-CE1B5766B4F1}"/>
+                <a16:creationId xmlns:a16="http://schemas.microsoft.com/office/drawing/2014/main" id="{2E94A4F7-38E4-45EA-8E2E-CE1B5766B4F1}"/>
               </a:ext>
               <a:ext uri="{C183D7F6-B498-43B3-948B-1728B52AA6E4}">
-                <adec:decorative xmlns="" xmlns:adec="http://schemas.microsoft.com/office/drawing/2017/decorative" val="1"/>
+                <adec:decorative xmlns:adec="http://schemas.microsoft.com/office/drawing/2017/decorative" val="1"/>
               </a:ext>
             </a:extLst>
           </p:cNvPr>
@@ -21327,7 +20986,7 @@
           <p:nvPr>
             <p:extLst>
               <p:ext uri="{386F3935-93C4-4BCD-93E2-E3B085C9AB24}">
-                <p16:designElem xmlns="" xmlns:p16="http://schemas.microsoft.com/office/powerpoint/2015/main" val="1"/>
+                <p16:designElem xmlns:p16="http://schemas.microsoft.com/office/powerpoint/2015/main" val="1"/>
               </p:ext>
             </p:extLst>
           </p:nvPr>
@@ -21422,7 +21081,7 @@
           <p:cNvPr id="3" name="Content Placeholder 2">
             <a:extLst>
               <a:ext uri="{FF2B5EF4-FFF2-40B4-BE49-F238E27FC236}">
-                <a16:creationId xmlns="" xmlns:a16="http://schemas.microsoft.com/office/drawing/2014/main" id="{860FE96E-21C5-4E80-BD79-2B0AE4ADC336}"/>
+                <a16:creationId xmlns:a16="http://schemas.microsoft.com/office/drawing/2014/main" id="{860FE96E-21C5-4E80-BD79-2B0AE4ADC336}"/>
               </a:ext>
             </a:extLst>
           </p:cNvPr>
@@ -21498,7 +21157,7 @@
           <p:cNvPr id="5" name="Picture 4">
             <a:extLst>
               <a:ext uri="{FF2B5EF4-FFF2-40B4-BE49-F238E27FC236}">
-                <a16:creationId xmlns="" xmlns:a16="http://schemas.microsoft.com/office/drawing/2014/main" id="{D891B9E9-2337-4DCD-8D3B-7DBD6BF961A6}"/>
+                <a16:creationId xmlns:a16="http://schemas.microsoft.com/office/drawing/2014/main" id="{D891B9E9-2337-4DCD-8D3B-7DBD6BF961A6}"/>
               </a:ext>
             </a:extLst>
           </p:cNvPr>
@@ -21549,7 +21208,7 @@
           <p:cNvPr id="7" name="Picture 6">
             <a:extLst>
               <a:ext uri="{FF2B5EF4-FFF2-40B4-BE49-F238E27FC236}">
-                <a16:creationId xmlns="" xmlns:a16="http://schemas.microsoft.com/office/drawing/2014/main" id="{A64C4F05-6B61-492D-A3A7-42C2562E8C95}"/>
+                <a16:creationId xmlns:a16="http://schemas.microsoft.com/office/drawing/2014/main" id="{A64C4F05-6B61-492D-A3A7-42C2562E8C95}"/>
               </a:ext>
             </a:extLst>
           </p:cNvPr>
@@ -21617,7 +21276,7 @@
           <p:cNvPr id="2" name="Title 1">
             <a:extLst>
               <a:ext uri="{FF2B5EF4-FFF2-40B4-BE49-F238E27FC236}">
-                <a16:creationId xmlns="" xmlns:a16="http://schemas.microsoft.com/office/drawing/2014/main" id="{BDC9C5D7-B800-4CA1-8E8B-B555ACC3292A}"/>
+                <a16:creationId xmlns:a16="http://schemas.microsoft.com/office/drawing/2014/main" id="{BDC9C5D7-B800-4CA1-8E8B-B555ACC3292A}"/>
               </a:ext>
             </a:extLst>
           </p:cNvPr>
@@ -21652,10 +21311,10 @@
           <p:cNvPr id="8" name="Freeform: Shape 7">
             <a:extLst>
               <a:ext uri="{FF2B5EF4-FFF2-40B4-BE49-F238E27FC236}">
-                <a16:creationId xmlns="" xmlns:a16="http://schemas.microsoft.com/office/drawing/2014/main" id="{7CB4857B-ED7C-444D-9F04-2F885114A1C2}"/>
+                <a16:creationId xmlns:a16="http://schemas.microsoft.com/office/drawing/2014/main" id="{7CB4857B-ED7C-444D-9F04-2F885114A1C2}"/>
               </a:ext>
               <a:ext uri="{C183D7F6-B498-43B3-948B-1728B52AA6E4}">
-                <adec:decorative xmlns="" xmlns:adec="http://schemas.microsoft.com/office/drawing/2017/decorative" val="1"/>
+                <adec:decorative xmlns:adec="http://schemas.microsoft.com/office/drawing/2017/decorative" val="1"/>
               </a:ext>
             </a:extLst>
           </p:cNvPr>
@@ -21665,7 +21324,7 @@
           <p:nvPr>
             <p:extLst>
               <p:ext uri="{386F3935-93C4-4BCD-93E2-E3B085C9AB24}">
-                <p16:designElem xmlns="" xmlns:p16="http://schemas.microsoft.com/office/powerpoint/2015/main" val="1"/>
+                <p16:designElem xmlns:p16="http://schemas.microsoft.com/office/powerpoint/2015/main" val="1"/>
               </p:ext>
             </p:extLst>
           </p:nvPr>
@@ -21760,10 +21419,10 @@
           <p:cNvPr id="10" name="Freeform: Shape 9">
             <a:extLst>
               <a:ext uri="{FF2B5EF4-FFF2-40B4-BE49-F238E27FC236}">
-                <a16:creationId xmlns="" xmlns:a16="http://schemas.microsoft.com/office/drawing/2014/main" id="{D18046FB-44EA-4FD8-A585-EA09A319B2D0}"/>
+                <a16:creationId xmlns:a16="http://schemas.microsoft.com/office/drawing/2014/main" id="{D18046FB-44EA-4FD8-A585-EA09A319B2D0}"/>
               </a:ext>
               <a:ext uri="{C183D7F6-B498-43B3-948B-1728B52AA6E4}">
-                <adec:decorative xmlns="" xmlns:adec="http://schemas.microsoft.com/office/drawing/2017/decorative" val="1"/>
+                <adec:decorative xmlns:adec="http://schemas.microsoft.com/office/drawing/2017/decorative" val="1"/>
               </a:ext>
             </a:extLst>
           </p:cNvPr>
@@ -21773,7 +21432,7 @@
           <p:nvPr>
             <p:extLst>
               <p:ext uri="{386F3935-93C4-4BCD-93E2-E3B085C9AB24}">
-                <p16:designElem xmlns="" xmlns:p16="http://schemas.microsoft.com/office/powerpoint/2015/main" val="1"/>
+                <p16:designElem xmlns:p16="http://schemas.microsoft.com/office/powerpoint/2015/main" val="1"/>
               </p:ext>
             </p:extLst>
           </p:nvPr>
@@ -22022,10 +21681,10 @@
           <p:cNvPr id="12" name="Freeform: Shape 11">
             <a:extLst>
               <a:ext uri="{FF2B5EF4-FFF2-40B4-BE49-F238E27FC236}">
-                <a16:creationId xmlns="" xmlns:a16="http://schemas.microsoft.com/office/drawing/2014/main" id="{479F5F2B-8B58-4140-AE6A-51F6C67B18D9}"/>
+                <a16:creationId xmlns:a16="http://schemas.microsoft.com/office/drawing/2014/main" id="{479F5F2B-8B58-4140-AE6A-51F6C67B18D9}"/>
               </a:ext>
               <a:ext uri="{C183D7F6-B498-43B3-948B-1728B52AA6E4}">
-                <adec:decorative xmlns="" xmlns:adec="http://schemas.microsoft.com/office/drawing/2017/decorative" val="1"/>
+                <adec:decorative xmlns:adec="http://schemas.microsoft.com/office/drawing/2017/decorative" val="1"/>
               </a:ext>
             </a:extLst>
           </p:cNvPr>
@@ -22035,7 +21694,7 @@
           <p:nvPr>
             <p:extLst>
               <p:ext uri="{386F3935-93C4-4BCD-93E2-E3B085C9AB24}">
-                <p16:designElem xmlns="" xmlns:p16="http://schemas.microsoft.com/office/powerpoint/2015/main" val="1"/>
+                <p16:designElem xmlns:p16="http://schemas.microsoft.com/office/powerpoint/2015/main" val="1"/>
               </p:ext>
             </p:extLst>
           </p:nvPr>
@@ -22122,7 +21781,7 @@
           <p:cNvPr id="3" name="Content Placeholder 2">
             <a:extLst>
               <a:ext uri="{FF2B5EF4-FFF2-40B4-BE49-F238E27FC236}">
-                <a16:creationId xmlns="" xmlns:a16="http://schemas.microsoft.com/office/drawing/2014/main" id="{042188A9-30F7-458E-8029-93D407A5A290}"/>
+                <a16:creationId xmlns:a16="http://schemas.microsoft.com/office/drawing/2014/main" id="{042188A9-30F7-458E-8029-93D407A5A290}"/>
               </a:ext>
             </a:extLst>
           </p:cNvPr>
@@ -22172,7 +21831,7 @@
           <p:cNvPr id="5" name="Picture 4">
             <a:extLst>
               <a:ext uri="{FF2B5EF4-FFF2-40B4-BE49-F238E27FC236}">
-                <a16:creationId xmlns="" xmlns:a16="http://schemas.microsoft.com/office/drawing/2014/main" id="{6C06C520-4A5E-422F-90A7-AEED0B110CCC}"/>
+                <a16:creationId xmlns:a16="http://schemas.microsoft.com/office/drawing/2014/main" id="{6C06C520-4A5E-422F-90A7-AEED0B110CCC}"/>
               </a:ext>
             </a:extLst>
           </p:cNvPr>
@@ -22202,7 +21861,7 @@
           <p:cNvPr id="7" name="Picture 6">
             <a:extLst>
               <a:ext uri="{FF2B5EF4-FFF2-40B4-BE49-F238E27FC236}">
-                <a16:creationId xmlns="" xmlns:a16="http://schemas.microsoft.com/office/drawing/2014/main" id="{42C31FC1-75C6-48C2-A937-D98A7BE09BE3}"/>
+                <a16:creationId xmlns:a16="http://schemas.microsoft.com/office/drawing/2014/main" id="{42C31FC1-75C6-48C2-A937-D98A7BE09BE3}"/>
               </a:ext>
             </a:extLst>
           </p:cNvPr>
@@ -22270,10 +21929,10 @@
           <p:cNvPr id="19" name="Freeform: Shape 18">
             <a:extLst>
               <a:ext uri="{FF2B5EF4-FFF2-40B4-BE49-F238E27FC236}">
-                <a16:creationId xmlns="" xmlns:a16="http://schemas.microsoft.com/office/drawing/2014/main" id="{3D5CAF16-1F3A-4148-87A8-78A710D1EF81}"/>
+                <a16:creationId xmlns:a16="http://schemas.microsoft.com/office/drawing/2014/main" id="{3D5CAF16-1F3A-4148-87A8-78A710D1EF81}"/>
               </a:ext>
               <a:ext uri="{C183D7F6-B498-43B3-948B-1728B52AA6E4}">
-                <adec:decorative xmlns="" xmlns:adec="http://schemas.microsoft.com/office/drawing/2017/decorative" val="1"/>
+                <adec:decorative xmlns:adec="http://schemas.microsoft.com/office/drawing/2017/decorative" val="1"/>
               </a:ext>
             </a:extLst>
           </p:cNvPr>
@@ -22283,7 +21942,7 @@
           <p:nvPr>
             <p:extLst>
               <p:ext uri="{386F3935-93C4-4BCD-93E2-E3B085C9AB24}">
-                <p16:designElem xmlns="" xmlns:p16="http://schemas.microsoft.com/office/powerpoint/2015/main" val="1"/>
+                <p16:designElem xmlns:p16="http://schemas.microsoft.com/office/powerpoint/2015/main" val="1"/>
               </p:ext>
             </p:extLst>
           </p:nvPr>
@@ -22458,10 +22117,10 @@
           <p:cNvPr id="21" name="Freeform 11">
             <a:extLst>
               <a:ext uri="{FF2B5EF4-FFF2-40B4-BE49-F238E27FC236}">
-                <a16:creationId xmlns="" xmlns:a16="http://schemas.microsoft.com/office/drawing/2014/main" id="{A0BF428C-DA8B-4D99-9930-18F7F91D873D}"/>
+                <a16:creationId xmlns:a16="http://schemas.microsoft.com/office/drawing/2014/main" id="{A0BF428C-DA8B-4D99-9930-18F7F91D873D}"/>
               </a:ext>
               <a:ext uri="{C183D7F6-B498-43B3-948B-1728B52AA6E4}">
-                <adec:decorative xmlns="" xmlns:adec="http://schemas.microsoft.com/office/drawing/2017/decorative" val="1"/>
+                <adec:decorative xmlns:adec="http://schemas.microsoft.com/office/drawing/2017/decorative" val="1"/>
               </a:ext>
             </a:extLst>
           </p:cNvPr>
@@ -22471,7 +22130,7 @@
           <p:nvPr>
             <p:extLst>
               <p:ext uri="{386F3935-93C4-4BCD-93E2-E3B085C9AB24}">
-                <p16:designElem xmlns="" xmlns:p16="http://schemas.microsoft.com/office/powerpoint/2015/main" val="1"/>
+                <p16:designElem xmlns:p16="http://schemas.microsoft.com/office/powerpoint/2015/main" val="1"/>
               </p:ext>
             </p:extLst>
           </p:nvPr>
@@ -22584,10 +22243,10 @@
           <p:cNvPr id="23" name="Freeform 37">
             <a:extLst>
               <a:ext uri="{FF2B5EF4-FFF2-40B4-BE49-F238E27FC236}">
-                <a16:creationId xmlns="" xmlns:a16="http://schemas.microsoft.com/office/drawing/2014/main" id="{A03E2379-8871-408A-95CE-7AAE8FA53AE5}"/>
+                <a16:creationId xmlns:a16="http://schemas.microsoft.com/office/drawing/2014/main" id="{A03E2379-8871-408A-95CE-7AAE8FA53AE5}"/>
               </a:ext>
               <a:ext uri="{C183D7F6-B498-43B3-948B-1728B52AA6E4}">
-                <adec:decorative xmlns="" xmlns:adec="http://schemas.microsoft.com/office/drawing/2017/decorative" val="1"/>
+                <adec:decorative xmlns:adec="http://schemas.microsoft.com/office/drawing/2017/decorative" val="1"/>
               </a:ext>
             </a:extLst>
           </p:cNvPr>
@@ -22597,7 +22256,7 @@
           <p:nvPr>
             <p:extLst>
               <p:ext uri="{386F3935-93C4-4BCD-93E2-E3B085C9AB24}">
-                <p16:designElem xmlns="" xmlns:p16="http://schemas.microsoft.com/office/powerpoint/2015/main" val="1"/>
+                <p16:designElem xmlns:p16="http://schemas.microsoft.com/office/powerpoint/2015/main" val="1"/>
               </p:ext>
             </p:extLst>
           </p:nvPr>
@@ -22716,7 +22375,7 @@
           <p:cNvPr id="2" name="Title 1">
             <a:extLst>
               <a:ext uri="{FF2B5EF4-FFF2-40B4-BE49-F238E27FC236}">
-                <a16:creationId xmlns="" xmlns:a16="http://schemas.microsoft.com/office/drawing/2014/main" id="{CE367B22-9330-46BA-AD88-6D12D873AC55}"/>
+                <a16:creationId xmlns:a16="http://schemas.microsoft.com/office/drawing/2014/main" id="{CE367B22-9330-46BA-AD88-6D12D873AC55}"/>
               </a:ext>
             </a:extLst>
           </p:cNvPr>
@@ -22751,7 +22410,7 @@
           <p:cNvPr id="3" name="Content Placeholder 2">
             <a:extLst>
               <a:ext uri="{FF2B5EF4-FFF2-40B4-BE49-F238E27FC236}">
-                <a16:creationId xmlns="" xmlns:a16="http://schemas.microsoft.com/office/drawing/2014/main" id="{0CD35CF8-B767-480C-BC92-9BC7678126DD}"/>
+                <a16:creationId xmlns:a16="http://schemas.microsoft.com/office/drawing/2014/main" id="{0CD35CF8-B767-480C-BC92-9BC7678126DD}"/>
               </a:ext>
             </a:extLst>
           </p:cNvPr>
@@ -22852,7 +22511,7 @@
           <p:cNvPr id="5" name="Picture 4">
             <a:extLst>
               <a:ext uri="{FF2B5EF4-FFF2-40B4-BE49-F238E27FC236}">
-                <a16:creationId xmlns="" xmlns:a16="http://schemas.microsoft.com/office/drawing/2014/main" id="{FEC69951-8226-43AF-8239-39B3F69FD87D}"/>
+                <a16:creationId xmlns:a16="http://schemas.microsoft.com/office/drawing/2014/main" id="{FEC69951-8226-43AF-8239-39B3F69FD87D}"/>
               </a:ext>
             </a:extLst>
           </p:cNvPr>
@@ -22903,7 +22562,7 @@
           <p:cNvPr id="7" name="Picture 6">
             <a:extLst>
               <a:ext uri="{FF2B5EF4-FFF2-40B4-BE49-F238E27FC236}">
-                <a16:creationId xmlns="" xmlns:a16="http://schemas.microsoft.com/office/drawing/2014/main" id="{A0CA0610-8D73-4653-8FB5-DD450824057A}"/>
+                <a16:creationId xmlns:a16="http://schemas.microsoft.com/office/drawing/2014/main" id="{A0CA0610-8D73-4653-8FB5-DD450824057A}"/>
               </a:ext>
             </a:extLst>
           </p:cNvPr>
@@ -22992,7 +22651,7 @@
           <p:cNvPr id="2" name="Title 1">
             <a:extLst>
               <a:ext uri="{FF2B5EF4-FFF2-40B4-BE49-F238E27FC236}">
-                <a16:creationId xmlns="" xmlns:a16="http://schemas.microsoft.com/office/drawing/2014/main" id="{05702327-0310-4CE4-AA51-A4C6C812769D}"/>
+                <a16:creationId xmlns:a16="http://schemas.microsoft.com/office/drawing/2014/main" id="{05702327-0310-4CE4-AA51-A4C6C812769D}"/>
               </a:ext>
             </a:extLst>
           </p:cNvPr>
@@ -23027,10 +22686,10 @@
           <p:cNvPr id="8" name="Freeform: Shape 7">
             <a:extLst>
               <a:ext uri="{FF2B5EF4-FFF2-40B4-BE49-F238E27FC236}">
-                <a16:creationId xmlns="" xmlns:a16="http://schemas.microsoft.com/office/drawing/2014/main" id="{7CB4857B-ED7C-444D-9F04-2F885114A1C2}"/>
+                <a16:creationId xmlns:a16="http://schemas.microsoft.com/office/drawing/2014/main" id="{7CB4857B-ED7C-444D-9F04-2F885114A1C2}"/>
               </a:ext>
               <a:ext uri="{C183D7F6-B498-43B3-948B-1728B52AA6E4}">
-                <adec:decorative xmlns="" xmlns:adec="http://schemas.microsoft.com/office/drawing/2017/decorative" val="1"/>
+                <adec:decorative xmlns:adec="http://schemas.microsoft.com/office/drawing/2017/decorative" val="1"/>
               </a:ext>
             </a:extLst>
           </p:cNvPr>
@@ -23040,7 +22699,7 @@
           <p:nvPr>
             <p:extLst>
               <p:ext uri="{386F3935-93C4-4BCD-93E2-E3B085C9AB24}">
-                <p16:designElem xmlns="" xmlns:p16="http://schemas.microsoft.com/office/powerpoint/2015/main" val="1"/>
+                <p16:designElem xmlns:p16="http://schemas.microsoft.com/office/powerpoint/2015/main" val="1"/>
               </p:ext>
             </p:extLst>
           </p:nvPr>
@@ -23135,10 +22794,10 @@
           <p:cNvPr id="10" name="Freeform: Shape 9">
             <a:extLst>
               <a:ext uri="{FF2B5EF4-FFF2-40B4-BE49-F238E27FC236}">
-                <a16:creationId xmlns="" xmlns:a16="http://schemas.microsoft.com/office/drawing/2014/main" id="{D18046FB-44EA-4FD8-A585-EA09A319B2D0}"/>
+                <a16:creationId xmlns:a16="http://schemas.microsoft.com/office/drawing/2014/main" id="{D18046FB-44EA-4FD8-A585-EA09A319B2D0}"/>
               </a:ext>
               <a:ext uri="{C183D7F6-B498-43B3-948B-1728B52AA6E4}">
-                <adec:decorative xmlns="" xmlns:adec="http://schemas.microsoft.com/office/drawing/2017/decorative" val="1"/>
+                <adec:decorative xmlns:adec="http://schemas.microsoft.com/office/drawing/2017/decorative" val="1"/>
               </a:ext>
             </a:extLst>
           </p:cNvPr>
@@ -23148,7 +22807,7 @@
           <p:nvPr>
             <p:extLst>
               <p:ext uri="{386F3935-93C4-4BCD-93E2-E3B085C9AB24}">
-                <p16:designElem xmlns="" xmlns:p16="http://schemas.microsoft.com/office/powerpoint/2015/main" val="1"/>
+                <p16:designElem xmlns:p16="http://schemas.microsoft.com/office/powerpoint/2015/main" val="1"/>
               </p:ext>
             </p:extLst>
           </p:nvPr>
@@ -23397,10 +23056,10 @@
           <p:cNvPr id="12" name="Freeform: Shape 11">
             <a:extLst>
               <a:ext uri="{FF2B5EF4-FFF2-40B4-BE49-F238E27FC236}">
-                <a16:creationId xmlns="" xmlns:a16="http://schemas.microsoft.com/office/drawing/2014/main" id="{479F5F2B-8B58-4140-AE6A-51F6C67B18D9}"/>
+                <a16:creationId xmlns:a16="http://schemas.microsoft.com/office/drawing/2014/main" id="{479F5F2B-8B58-4140-AE6A-51F6C67B18D9}"/>
               </a:ext>
               <a:ext uri="{C183D7F6-B498-43B3-948B-1728B52AA6E4}">
-                <adec:decorative xmlns="" xmlns:adec="http://schemas.microsoft.com/office/drawing/2017/decorative" val="1"/>
+                <adec:decorative xmlns:adec="http://schemas.microsoft.com/office/drawing/2017/decorative" val="1"/>
               </a:ext>
             </a:extLst>
           </p:cNvPr>
@@ -23410,7 +23069,7 @@
           <p:nvPr>
             <p:extLst>
               <p:ext uri="{386F3935-93C4-4BCD-93E2-E3B085C9AB24}">
-                <p16:designElem xmlns="" xmlns:p16="http://schemas.microsoft.com/office/powerpoint/2015/main" val="1"/>
+                <p16:designElem xmlns:p16="http://schemas.microsoft.com/office/powerpoint/2015/main" val="1"/>
               </p:ext>
             </p:extLst>
           </p:nvPr>
@@ -23497,7 +23156,7 @@
           <p:cNvPr id="3" name="Content Placeholder 2">
             <a:extLst>
               <a:ext uri="{FF2B5EF4-FFF2-40B4-BE49-F238E27FC236}">
-                <a16:creationId xmlns="" xmlns:a16="http://schemas.microsoft.com/office/drawing/2014/main" id="{3177A0BF-7A80-4A7A-8488-82AC940A792B}"/>
+                <a16:creationId xmlns:a16="http://schemas.microsoft.com/office/drawing/2014/main" id="{3177A0BF-7A80-4A7A-8488-82AC940A792B}"/>
               </a:ext>
             </a:extLst>
           </p:cNvPr>
@@ -23538,7 +23197,7 @@
           <p:cNvPr id="5" name="Picture 4">
             <a:extLst>
               <a:ext uri="{FF2B5EF4-FFF2-40B4-BE49-F238E27FC236}">
-                <a16:creationId xmlns="" xmlns:a16="http://schemas.microsoft.com/office/drawing/2014/main" id="{1E03CE20-A903-45BF-AF2F-63D6AF1F3C2A}"/>
+                <a16:creationId xmlns:a16="http://schemas.microsoft.com/office/drawing/2014/main" id="{1E03CE20-A903-45BF-AF2F-63D6AF1F3C2A}"/>
               </a:ext>
             </a:extLst>
           </p:cNvPr>
@@ -23568,7 +23227,7 @@
           <p:cNvPr id="7" name="Picture 6">
             <a:extLst>
               <a:ext uri="{FF2B5EF4-FFF2-40B4-BE49-F238E27FC236}">
-                <a16:creationId xmlns="" xmlns:a16="http://schemas.microsoft.com/office/drawing/2014/main" id="{BC449346-C067-457D-BCD2-659B1F26BB95}"/>
+                <a16:creationId xmlns:a16="http://schemas.microsoft.com/office/drawing/2014/main" id="{BC449346-C067-457D-BCD2-659B1F26BB95}"/>
               </a:ext>
             </a:extLst>
           </p:cNvPr>
@@ -23636,10 +23295,10 @@
           <p:cNvPr id="40" name="Rectangle 39">
             <a:extLst>
               <a:ext uri="{FF2B5EF4-FFF2-40B4-BE49-F238E27FC236}">
-                <a16:creationId xmlns="" xmlns:a16="http://schemas.microsoft.com/office/drawing/2014/main" id="{9A5D6D04-32E9-4AF7-BB82-DB2D0C0B478B}"/>
+                <a16:creationId xmlns:a16="http://schemas.microsoft.com/office/drawing/2014/main" id="{9A5D6D04-32E9-4AF7-BB82-DB2D0C0B478B}"/>
               </a:ext>
               <a:ext uri="{C183D7F6-B498-43B3-948B-1728B52AA6E4}">
-                <adec:decorative xmlns="" xmlns:adec="http://schemas.microsoft.com/office/drawing/2017/decorative" val="1"/>
+                <adec:decorative xmlns:adec="http://schemas.microsoft.com/office/drawing/2017/decorative" val="1"/>
               </a:ext>
             </a:extLst>
           </p:cNvPr>
@@ -23649,7 +23308,7 @@
           <p:nvPr>
             <p:extLst>
               <p:ext uri="{386F3935-93C4-4BCD-93E2-E3B085C9AB24}">
-                <p16:designElem xmlns="" xmlns:p16="http://schemas.microsoft.com/office/powerpoint/2015/main" val="1"/>
+                <p16:designElem xmlns:p16="http://schemas.microsoft.com/office/powerpoint/2015/main" val="1"/>
               </p:ext>
             </p:extLst>
           </p:nvPr>
@@ -23699,10 +23358,10 @@
           <p:cNvPr id="42" name="Freeform: Shape 41">
             <a:extLst>
               <a:ext uri="{FF2B5EF4-FFF2-40B4-BE49-F238E27FC236}">
-                <a16:creationId xmlns="" xmlns:a16="http://schemas.microsoft.com/office/drawing/2014/main" id="{BD5BB1EC-C99A-474B-8874-52B41096D667}"/>
+                <a16:creationId xmlns:a16="http://schemas.microsoft.com/office/drawing/2014/main" id="{BD5BB1EC-C99A-474B-8874-52B41096D667}"/>
               </a:ext>
               <a:ext uri="{C183D7F6-B498-43B3-948B-1728B52AA6E4}">
-                <adec:decorative xmlns="" xmlns:adec="http://schemas.microsoft.com/office/drawing/2017/decorative" val="1"/>
+                <adec:decorative xmlns:adec="http://schemas.microsoft.com/office/drawing/2017/decorative" val="1"/>
               </a:ext>
             </a:extLst>
           </p:cNvPr>
@@ -23712,7 +23371,7 @@
           <p:nvPr>
             <p:extLst>
               <p:ext uri="{386F3935-93C4-4BCD-93E2-E3B085C9AB24}">
-                <p16:designElem xmlns="" xmlns:p16="http://schemas.microsoft.com/office/powerpoint/2015/main" val="1"/>
+                <p16:designElem xmlns:p16="http://schemas.microsoft.com/office/powerpoint/2015/main" val="1"/>
               </p:ext>
             </p:extLst>
           </p:nvPr>
@@ -23905,10 +23564,10 @@
           <p:cNvPr id="44" name="Freeform: Shape 43">
             <a:extLst>
               <a:ext uri="{FF2B5EF4-FFF2-40B4-BE49-F238E27FC236}">
-                <a16:creationId xmlns="" xmlns:a16="http://schemas.microsoft.com/office/drawing/2014/main" id="{9C16096C-9FFA-410C-B7AC-DF791DCF1B2F}"/>
+                <a16:creationId xmlns:a16="http://schemas.microsoft.com/office/drawing/2014/main" id="{9C16096C-9FFA-410C-B7AC-DF791DCF1B2F}"/>
               </a:ext>
               <a:ext uri="{C183D7F6-B498-43B3-948B-1728B52AA6E4}">
-                <adec:decorative xmlns="" xmlns:adec="http://schemas.microsoft.com/office/drawing/2017/decorative" val="1"/>
+                <adec:decorative xmlns:adec="http://schemas.microsoft.com/office/drawing/2017/decorative" val="1"/>
               </a:ext>
             </a:extLst>
           </p:cNvPr>
@@ -23918,7 +23577,7 @@
           <p:nvPr>
             <p:extLst>
               <p:ext uri="{386F3935-93C4-4BCD-93E2-E3B085C9AB24}">
-                <p16:designElem xmlns="" xmlns:p16="http://schemas.microsoft.com/office/powerpoint/2015/main" val="1"/>
+                <p16:designElem xmlns:p16="http://schemas.microsoft.com/office/powerpoint/2015/main" val="1"/>
               </p:ext>
             </p:extLst>
           </p:nvPr>
@@ -24019,7 +23678,7 @@
           <p:cNvPr id="2" name="Title 1">
             <a:extLst>
               <a:ext uri="{FF2B5EF4-FFF2-40B4-BE49-F238E27FC236}">
-                <a16:creationId xmlns="" xmlns:a16="http://schemas.microsoft.com/office/drawing/2014/main" id="{97183128-6D67-4B6A-BDFE-4D930B16E917}"/>
+                <a16:creationId xmlns:a16="http://schemas.microsoft.com/office/drawing/2014/main" id="{97183128-6D67-4B6A-BDFE-4D930B16E917}"/>
               </a:ext>
             </a:extLst>
           </p:cNvPr>
@@ -24043,18 +23702,13 @@
           <a:lstStyle/>
           <a:p>
             <a:r>
-              <a:rPr lang="en-US" sz="6000" dirty="0" smtClean="0">
+              <a:rPr lang="en-US" sz="6000" dirty="0">
                 <a:solidFill>
                   <a:schemeClr val="bg1"/>
                 </a:solidFill>
               </a:rPr>
               <a:t>Univariate Analysis </a:t>
             </a:r>
-            <a:endParaRPr lang="en-US" sz="6000" dirty="0">
-              <a:solidFill>
-                <a:schemeClr val="bg1"/>
-              </a:solidFill>
-            </a:endParaRPr>
           </a:p>
         </p:txBody>
       </p:sp>
@@ -24063,7 +23717,7 @@
           <p:cNvPr id="3" name="Content Placeholder 2">
             <a:extLst>
               <a:ext uri="{FF2B5EF4-FFF2-40B4-BE49-F238E27FC236}">
-                <a16:creationId xmlns="" xmlns:a16="http://schemas.microsoft.com/office/drawing/2014/main" id="{0EFF15B1-B386-4612-B981-CD2CDC5F756F}"/>
+                <a16:creationId xmlns:a16="http://schemas.microsoft.com/office/drawing/2014/main" id="{0EFF15B1-B386-4612-B981-CD2CDC5F756F}"/>
               </a:ext>
             </a:extLst>
           </p:cNvPr>
@@ -24089,7 +23743,7 @@
             <a:pPr marL="0" indent="0">
               <a:buNone/>
             </a:pPr>
-            <a:endParaRPr lang="en-US" sz="2000" dirty="0" smtClean="0">
+            <a:endParaRPr lang="en-US" sz="2000" dirty="0">
               <a:solidFill>
                 <a:schemeClr val="bg1"/>
               </a:solidFill>
@@ -24109,7 +23763,7 @@
             <a:pPr marL="0" indent="0">
               <a:buNone/>
             </a:pPr>
-            <a:endParaRPr lang="en-US" sz="2000" dirty="0" smtClean="0">
+            <a:endParaRPr lang="en-US" sz="2000" dirty="0">
               <a:solidFill>
                 <a:schemeClr val="bg1"/>
               </a:solidFill>
@@ -24120,18 +23774,13 @@
               <a:buNone/>
             </a:pPr>
             <a:r>
-              <a:rPr lang="en-US" sz="3600" dirty="0" smtClean="0">
+              <a:rPr lang="en-US" sz="3600" dirty="0">
                 <a:solidFill>
                   <a:schemeClr val="bg1"/>
                 </a:solidFill>
               </a:rPr>
               <a:t>Categorical Variables</a:t>
             </a:r>
-            <a:endParaRPr lang="en-US" sz="3600" dirty="0">
-              <a:solidFill>
-                <a:schemeClr val="bg1"/>
-              </a:solidFill>
-            </a:endParaRPr>
           </a:p>
         </p:txBody>
       </p:sp>
@@ -24140,10 +23789,10 @@
           <p:cNvPr id="9" name="Freeform: Shape 9">
             <a:extLst>
               <a:ext uri="{FF2B5EF4-FFF2-40B4-BE49-F238E27FC236}">
-                <a16:creationId xmlns="" xmlns:a16="http://schemas.microsoft.com/office/drawing/2014/main" id="{05C7EBC3-4672-4DAB-81C2-58661FAFAED6}"/>
+                <a16:creationId xmlns:a16="http://schemas.microsoft.com/office/drawing/2014/main" id="{05C7EBC3-4672-4DAB-81C2-58661FAFAED6}"/>
               </a:ext>
               <a:ext uri="{C183D7F6-B498-43B3-948B-1728B52AA6E4}">
-                <adec:decorative xmlns="" xmlns:adec="http://schemas.microsoft.com/office/drawing/2017/decorative" val="1"/>
+                <adec:decorative xmlns:adec="http://schemas.microsoft.com/office/drawing/2017/decorative" val="1"/>
               </a:ext>
             </a:extLst>
           </p:cNvPr>
@@ -24153,7 +23802,7 @@
           <p:nvPr>
             <p:extLst>
               <p:ext uri="{386F3935-93C4-4BCD-93E2-E3B085C9AB24}">
-                <p16:designElem xmlns="" xmlns:p16="http://schemas.microsoft.com/office/powerpoint/2015/main" val="1"/>
+                <p16:designElem xmlns:p16="http://schemas.microsoft.com/office/powerpoint/2015/main" val="1"/>
               </p:ext>
             </p:extLst>
           </p:nvPr>
@@ -24316,10 +23965,10 @@
           <p:cNvPr id="40" name="Rectangle 39">
             <a:extLst>
               <a:ext uri="{FF2B5EF4-FFF2-40B4-BE49-F238E27FC236}">
-                <a16:creationId xmlns="" xmlns:a16="http://schemas.microsoft.com/office/drawing/2014/main" id="{9A5D6D04-32E9-4AF7-BB82-DB2D0C0B478B}"/>
+                <a16:creationId xmlns:a16="http://schemas.microsoft.com/office/drawing/2014/main" id="{9A5D6D04-32E9-4AF7-BB82-DB2D0C0B478B}"/>
               </a:ext>
               <a:ext uri="{C183D7F6-B498-43B3-948B-1728B52AA6E4}">
-                <adec:decorative xmlns="" xmlns:adec="http://schemas.microsoft.com/office/drawing/2017/decorative" val="1"/>
+                <adec:decorative xmlns:adec="http://schemas.microsoft.com/office/drawing/2017/decorative" val="1"/>
               </a:ext>
             </a:extLst>
           </p:cNvPr>
@@ -24329,7 +23978,7 @@
           <p:nvPr>
             <p:extLst>
               <p:ext uri="{386F3935-93C4-4BCD-93E2-E3B085C9AB24}">
-                <p16:designElem xmlns="" xmlns:p16="http://schemas.microsoft.com/office/powerpoint/2015/main" val="1"/>
+                <p16:designElem xmlns:p16="http://schemas.microsoft.com/office/powerpoint/2015/main" val="1"/>
               </p:ext>
             </p:extLst>
           </p:nvPr>
@@ -24379,10 +24028,10 @@
           <p:cNvPr id="42" name="Freeform: Shape 41">
             <a:extLst>
               <a:ext uri="{FF2B5EF4-FFF2-40B4-BE49-F238E27FC236}">
-                <a16:creationId xmlns="" xmlns:a16="http://schemas.microsoft.com/office/drawing/2014/main" id="{BD5BB1EC-C99A-474B-8874-52B41096D667}"/>
+                <a16:creationId xmlns:a16="http://schemas.microsoft.com/office/drawing/2014/main" id="{BD5BB1EC-C99A-474B-8874-52B41096D667}"/>
               </a:ext>
               <a:ext uri="{C183D7F6-B498-43B3-948B-1728B52AA6E4}">
-                <adec:decorative xmlns="" xmlns:adec="http://schemas.microsoft.com/office/drawing/2017/decorative" val="1"/>
+                <adec:decorative xmlns:adec="http://schemas.microsoft.com/office/drawing/2017/decorative" val="1"/>
               </a:ext>
             </a:extLst>
           </p:cNvPr>
@@ -24392,7 +24041,7 @@
           <p:nvPr>
             <p:extLst>
               <p:ext uri="{386F3935-93C4-4BCD-93E2-E3B085C9AB24}">
-                <p16:designElem xmlns="" xmlns:p16="http://schemas.microsoft.com/office/powerpoint/2015/main" val="1"/>
+                <p16:designElem xmlns:p16="http://schemas.microsoft.com/office/powerpoint/2015/main" val="1"/>
               </p:ext>
             </p:extLst>
           </p:nvPr>
@@ -24585,10 +24234,10 @@
           <p:cNvPr id="44" name="Freeform: Shape 43">
             <a:extLst>
               <a:ext uri="{FF2B5EF4-FFF2-40B4-BE49-F238E27FC236}">
-                <a16:creationId xmlns="" xmlns:a16="http://schemas.microsoft.com/office/drawing/2014/main" id="{9C16096C-9FFA-410C-B7AC-DF791DCF1B2F}"/>
+                <a16:creationId xmlns:a16="http://schemas.microsoft.com/office/drawing/2014/main" id="{9C16096C-9FFA-410C-B7AC-DF791DCF1B2F}"/>
               </a:ext>
               <a:ext uri="{C183D7F6-B498-43B3-948B-1728B52AA6E4}">
-                <adec:decorative xmlns="" xmlns:adec="http://schemas.microsoft.com/office/drawing/2017/decorative" val="1"/>
+                <adec:decorative xmlns:adec="http://schemas.microsoft.com/office/drawing/2017/decorative" val="1"/>
               </a:ext>
             </a:extLst>
           </p:cNvPr>
@@ -24598,7 +24247,7 @@
           <p:nvPr>
             <p:extLst>
               <p:ext uri="{386F3935-93C4-4BCD-93E2-E3B085C9AB24}">
-                <p16:designElem xmlns="" xmlns:p16="http://schemas.microsoft.com/office/powerpoint/2015/main" val="1"/>
+                <p16:designElem xmlns:p16="http://schemas.microsoft.com/office/powerpoint/2015/main" val="1"/>
               </p:ext>
             </p:extLst>
           </p:nvPr>
@@ -24699,7 +24348,7 @@
           <p:cNvPr id="2" name="Title 1">
             <a:extLst>
               <a:ext uri="{FF2B5EF4-FFF2-40B4-BE49-F238E27FC236}">
-                <a16:creationId xmlns="" xmlns:a16="http://schemas.microsoft.com/office/drawing/2014/main" id="{97183128-6D67-4B6A-BDFE-4D930B16E917}"/>
+                <a16:creationId xmlns:a16="http://schemas.microsoft.com/office/drawing/2014/main" id="{97183128-6D67-4B6A-BDFE-4D930B16E917}"/>
               </a:ext>
             </a:extLst>
           </p:cNvPr>
@@ -24723,18 +24372,13 @@
           <a:lstStyle/>
           <a:p>
             <a:r>
-              <a:rPr lang="en-US" dirty="0" smtClean="0">
+              <a:rPr lang="en-US" dirty="0">
                 <a:solidFill>
                   <a:schemeClr val="bg1"/>
                 </a:solidFill>
               </a:rPr>
               <a:t>Distribution based on code Gender</a:t>
             </a:r>
-            <a:endParaRPr lang="en-US" dirty="0">
-              <a:solidFill>
-                <a:schemeClr val="bg1"/>
-              </a:solidFill>
-            </a:endParaRPr>
           </a:p>
         </p:txBody>
       </p:sp>
@@ -24743,7 +24387,7 @@
           <p:cNvPr id="3" name="Content Placeholder 2">
             <a:extLst>
               <a:ext uri="{FF2B5EF4-FFF2-40B4-BE49-F238E27FC236}">
-                <a16:creationId xmlns="" xmlns:a16="http://schemas.microsoft.com/office/drawing/2014/main" id="{0EFF15B1-B386-4612-B981-CD2CDC5F756F}"/>
+                <a16:creationId xmlns:a16="http://schemas.microsoft.com/office/drawing/2014/main" id="{0EFF15B1-B386-4612-B981-CD2CDC5F756F}"/>
               </a:ext>
             </a:extLst>
           </p:cNvPr>
@@ -24767,48 +24411,33 @@
           <a:lstStyle/>
           <a:p>
             <a:r>
-              <a:rPr lang="en-US" sz="2000" dirty="0" smtClean="0">
+              <a:rPr lang="en-US" sz="2000" dirty="0">
                 <a:solidFill>
                   <a:schemeClr val="bg1"/>
                 </a:solidFill>
               </a:rPr>
               <a:t>The first graph represents the distribution of Target 1 and the second one represents the distribution of Target 0</a:t>
             </a:r>
-            <a:endParaRPr lang="en-US" sz="2000" dirty="0">
-              <a:solidFill>
-                <a:schemeClr val="bg1"/>
-              </a:solidFill>
-            </a:endParaRPr>
           </a:p>
           <a:p>
             <a:r>
-              <a:rPr lang="en-US" sz="2000" dirty="0" smtClean="0">
+              <a:rPr lang="en-US" sz="2000" dirty="0">
                 <a:solidFill>
                   <a:schemeClr val="bg1"/>
                 </a:solidFill>
               </a:rPr>
               <a:t>It is proved from both the graphs that most no. of defaulters and credit payers both are of Females.</a:t>
             </a:r>
-            <a:endParaRPr lang="en-US" sz="2000" dirty="0">
-              <a:solidFill>
-                <a:schemeClr val="bg1"/>
-              </a:solidFill>
-            </a:endParaRPr>
           </a:p>
           <a:p>
             <a:r>
-              <a:rPr lang="en-US" sz="2000" dirty="0" smtClean="0">
+              <a:rPr lang="en-US" sz="2000" dirty="0">
                 <a:solidFill>
                   <a:schemeClr val="bg1"/>
                 </a:solidFill>
               </a:rPr>
               <a:t>The ratio of Male defaulters are more than the ratio of Males who paid the loan on time when compared to Female of the same category.</a:t>
             </a:r>
-            <a:endParaRPr lang="en-US" sz="2000" dirty="0">
-              <a:solidFill>
-                <a:schemeClr val="bg1"/>
-              </a:solidFill>
-            </a:endParaRPr>
           </a:p>
         </p:txBody>
       </p:sp>
@@ -24817,7 +24446,7 @@
           <p:cNvPr id="11" name="Picture 10">
             <a:extLst>
               <a:ext uri="{FF2B5EF4-FFF2-40B4-BE49-F238E27FC236}">
-                <a16:creationId xmlns="" xmlns:a16="http://schemas.microsoft.com/office/drawing/2014/main" id="{F0A1A761-026A-410F-A5FE-6103F3DE7AEC}"/>
+                <a16:creationId xmlns:a16="http://schemas.microsoft.com/office/drawing/2014/main" id="{F0A1A761-026A-410F-A5FE-6103F3DE7AEC}"/>
               </a:ext>
             </a:extLst>
           </p:cNvPr>
